--- a/TeamDocs/WordDocs/Presentation/JelBlob_Presentation_AW.pptx
+++ b/TeamDocs/WordDocs/Presentation/JelBlob_Presentation_AW.pptx
@@ -13,8 +13,8 @@
     <p:sldId id="258" r:id="rId4"/>
     <p:sldId id="259" r:id="rId5"/>
     <p:sldId id="260" r:id="rId6"/>
-    <p:sldId id="261" r:id="rId7"/>
-    <p:sldId id="263" r:id="rId8"/>
+    <p:sldId id="271" r:id="rId7"/>
+    <p:sldId id="272" r:id="rId8"/>
     <p:sldId id="262" r:id="rId9"/>
     <p:sldId id="264" r:id="rId10"/>
     <p:sldId id="265" r:id="rId11"/>
@@ -215,7 +215,7 @@
           <a:p>
             <a:fld id="{9143A75C-4E93-4E57-8FE0-0B5536F2214D}" type="datetimeFigureOut">
               <a:rPr lang="en-US" smtClean="0"/>
-              <a:t>11/7/2017</a:t>
+              <a:t>11/11/2017</a:t>
             </a:fld>
             <a:endParaRPr lang="en-US"/>
           </a:p>
@@ -1482,12 +1482,6 @@
             </a:r>
           </a:p>
           <a:p>
-            <a:r>
-              <a:rPr lang="en-GB" dirty="0"/>
-              <a:t>[Mention the goal of each level]</a:t>
-            </a:r>
-          </a:p>
-          <a:p>
             <a:endParaRPr lang="en-US" dirty="0"/>
           </a:p>
         </p:txBody>
@@ -1518,7 +1512,7 @@
     </p:spTree>
     <p:extLst>
       <p:ext uri="{BB962C8B-B14F-4D97-AF65-F5344CB8AC3E}">
-        <p14:creationId xmlns:p14="http://schemas.microsoft.com/office/powerpoint/2010/main" val="3034721991"/>
+        <p14:creationId xmlns:p14="http://schemas.microsoft.com/office/powerpoint/2010/main" val="3609347475"/>
       </p:ext>
     </p:extLst>
   </p:cSld>
@@ -1620,7 +1614,7 @@
     </p:spTree>
     <p:extLst>
       <p:ext uri="{BB962C8B-B14F-4D97-AF65-F5344CB8AC3E}">
-        <p14:creationId xmlns:p14="http://schemas.microsoft.com/office/powerpoint/2010/main" val="1433234528"/>
+        <p14:creationId xmlns:p14="http://schemas.microsoft.com/office/powerpoint/2010/main" val="3810366665"/>
       </p:ext>
     </p:extLst>
   </p:cSld>
@@ -2120,7 +2114,7 @@
           <a:p>
             <a:fld id="{349AB840-55CF-4B95-A905-70A2B172BCA3}" type="datetimeFigureOut">
               <a:rPr lang="en-GB" smtClean="0"/>
-              <a:t>07/11/2017</a:t>
+              <a:t>11/11/2017</a:t>
             </a:fld>
             <a:endParaRPr lang="en-GB"/>
           </a:p>
@@ -2432,7 +2426,7 @@
           <a:p>
             <a:fld id="{349AB840-55CF-4B95-A905-70A2B172BCA3}" type="datetimeFigureOut">
               <a:rPr lang="en-GB" smtClean="0"/>
-              <a:t>07/11/2017</a:t>
+              <a:t>11/11/2017</a:t>
             </a:fld>
             <a:endParaRPr lang="en-GB"/>
           </a:p>
@@ -2654,7 +2648,7 @@
           <a:p>
             <a:fld id="{349AB840-55CF-4B95-A905-70A2B172BCA3}" type="datetimeFigureOut">
               <a:rPr lang="en-GB" smtClean="0"/>
-              <a:t>07/11/2017</a:t>
+              <a:t>11/11/2017</a:t>
             </a:fld>
             <a:endParaRPr lang="en-GB"/>
           </a:p>
@@ -2945,7 +2939,7 @@
           <a:p>
             <a:fld id="{349AB840-55CF-4B95-A905-70A2B172BCA3}" type="datetimeFigureOut">
               <a:rPr lang="en-GB" smtClean="0"/>
-              <a:t>07/11/2017</a:t>
+              <a:t>11/11/2017</a:t>
             </a:fld>
             <a:endParaRPr lang="en-GB"/>
           </a:p>
@@ -3399,7 +3393,7 @@
           <a:p>
             <a:fld id="{349AB840-55CF-4B95-A905-70A2B172BCA3}" type="datetimeFigureOut">
               <a:rPr lang="en-GB" smtClean="0"/>
-              <a:t>07/11/2017</a:t>
+              <a:t>11/11/2017</a:t>
             </a:fld>
             <a:endParaRPr lang="en-GB"/>
           </a:p>
@@ -3975,7 +3969,7 @@
           <a:p>
             <a:fld id="{349AB840-55CF-4B95-A905-70A2B172BCA3}" type="datetimeFigureOut">
               <a:rPr lang="en-GB" smtClean="0"/>
-              <a:t>07/11/2017</a:t>
+              <a:t>11/11/2017</a:t>
             </a:fld>
             <a:endParaRPr lang="en-GB"/>
           </a:p>
@@ -4827,7 +4821,7 @@
           <a:p>
             <a:fld id="{349AB840-55CF-4B95-A905-70A2B172BCA3}" type="datetimeFigureOut">
               <a:rPr lang="en-GB" smtClean="0"/>
-              <a:t>07/11/2017</a:t>
+              <a:t>11/11/2017</a:t>
             </a:fld>
             <a:endParaRPr lang="en-GB"/>
           </a:p>
@@ -5032,7 +5026,7 @@
           <a:p>
             <a:fld id="{349AB840-55CF-4B95-A905-70A2B172BCA3}" type="datetimeFigureOut">
               <a:rPr lang="en-GB" smtClean="0"/>
-              <a:t>07/11/2017</a:t>
+              <a:t>11/11/2017</a:t>
             </a:fld>
             <a:endParaRPr lang="en-GB"/>
           </a:p>
@@ -5246,7 +5240,7 @@
           <a:p>
             <a:fld id="{349AB840-55CF-4B95-A905-70A2B172BCA3}" type="datetimeFigureOut">
               <a:rPr lang="en-GB" smtClean="0"/>
-              <a:t>07/11/2017</a:t>
+              <a:t>11/11/2017</a:t>
             </a:fld>
             <a:endParaRPr lang="en-GB"/>
           </a:p>
@@ -5451,7 +5445,7 @@
           <a:p>
             <a:fld id="{349AB840-55CF-4B95-A905-70A2B172BCA3}" type="datetimeFigureOut">
               <a:rPr lang="en-GB" smtClean="0"/>
-              <a:t>07/11/2017</a:t>
+              <a:t>11/11/2017</a:t>
             </a:fld>
             <a:endParaRPr lang="en-GB"/>
           </a:p>
@@ -5731,7 +5725,7 @@
           <a:p>
             <a:fld id="{349AB840-55CF-4B95-A905-70A2B172BCA3}" type="datetimeFigureOut">
               <a:rPr lang="en-GB" smtClean="0"/>
-              <a:t>07/11/2017</a:t>
+              <a:t>11/11/2017</a:t>
             </a:fld>
             <a:endParaRPr lang="en-GB"/>
           </a:p>
@@ -5998,7 +5992,7 @@
           <a:p>
             <a:fld id="{349AB840-55CF-4B95-A905-70A2B172BCA3}" type="datetimeFigureOut">
               <a:rPr lang="en-GB" smtClean="0"/>
-              <a:t>07/11/2017</a:t>
+              <a:t>11/11/2017</a:t>
             </a:fld>
             <a:endParaRPr lang="en-GB"/>
           </a:p>
@@ -6413,7 +6407,7 @@
           <a:p>
             <a:fld id="{349AB840-55CF-4B95-A905-70A2B172BCA3}" type="datetimeFigureOut">
               <a:rPr lang="en-GB" smtClean="0"/>
-              <a:t>07/11/2017</a:t>
+              <a:t>11/11/2017</a:t>
             </a:fld>
             <a:endParaRPr lang="en-GB"/>
           </a:p>
@@ -6561,7 +6555,7 @@
           <a:p>
             <a:fld id="{349AB840-55CF-4B95-A905-70A2B172BCA3}" type="datetimeFigureOut">
               <a:rPr lang="en-GB" smtClean="0"/>
-              <a:t>07/11/2017</a:t>
+              <a:t>11/11/2017</a:t>
             </a:fld>
             <a:endParaRPr lang="en-GB"/>
           </a:p>
@@ -6686,7 +6680,7 @@
           <a:p>
             <a:fld id="{349AB840-55CF-4B95-A905-70A2B172BCA3}" type="datetimeFigureOut">
               <a:rPr lang="en-GB" smtClean="0"/>
-              <a:t>07/11/2017</a:t>
+              <a:t>11/11/2017</a:t>
             </a:fld>
             <a:endParaRPr lang="en-GB"/>
           </a:p>
@@ -6965,7 +6959,7 @@
           <a:p>
             <a:fld id="{349AB840-55CF-4B95-A905-70A2B172BCA3}" type="datetimeFigureOut">
               <a:rPr lang="en-GB" smtClean="0"/>
-              <a:t>07/11/2017</a:t>
+              <a:t>11/11/2017</a:t>
             </a:fld>
             <a:endParaRPr lang="en-GB"/>
           </a:p>
@@ -7277,7 +7271,7 @@
           <a:p>
             <a:fld id="{349AB840-55CF-4B95-A905-70A2B172BCA3}" type="datetimeFigureOut">
               <a:rPr lang="en-GB" smtClean="0"/>
-              <a:t>07/11/2017</a:t>
+              <a:t>11/11/2017</a:t>
             </a:fld>
             <a:endParaRPr lang="en-GB"/>
           </a:p>
@@ -7530,7 +7524,7 @@
           <a:p>
             <a:fld id="{349AB840-55CF-4B95-A905-70A2B172BCA3}" type="datetimeFigureOut">
               <a:rPr lang="en-GB" smtClean="0"/>
-              <a:t>07/11/2017</a:t>
+              <a:t>11/11/2017</a:t>
             </a:fld>
             <a:endParaRPr lang="en-GB"/>
           </a:p>
@@ -8204,13 +8198,6 @@
   <p:clrMapOvr>
     <a:masterClrMapping/>
   </p:clrMapOvr>
-  <p:timing>
-    <p:tnLst>
-      <p:par>
-        <p:cTn id="1" dur="indefinite" restart="never" nodeType="tmRoot"/>
-      </p:par>
-    </p:tnLst>
-  </p:timing>
 </p:sld>
 </file>
 
@@ -8324,13 +8311,6 @@
   <p:transition spd="slow">
     <p:wheel spokes="1"/>
   </p:transition>
-  <p:timing>
-    <p:tnLst>
-      <p:par>
-        <p:cTn id="1" dur="indefinite" restart="never" nodeType="tmRoot"/>
-      </p:par>
-    </p:tnLst>
-  </p:timing>
 </p:sld>
 </file>
 
@@ -8453,13 +8433,6 @@
       </p:transition>
     </mc:Fallback>
   </mc:AlternateContent>
-  <p:timing>
-    <p:tnLst>
-      <p:par>
-        <p:cTn id="1" dur="indefinite" restart="never" nodeType="tmRoot"/>
-      </p:par>
-    </p:tnLst>
-  </p:timing>
 </p:sld>
 </file>
 
@@ -8602,13 +8575,6 @@
       </p:transition>
     </mc:Fallback>
   </mc:AlternateContent>
-  <p:timing>
-    <p:tnLst>
-      <p:par>
-        <p:cTn id="1" dur="indefinite" restart="never" nodeType="tmRoot"/>
-      </p:par>
-    </p:tnLst>
-  </p:timing>
 </p:sld>
 </file>
 
@@ -8731,13 +8697,6 @@
       </p:transition>
     </mc:Fallback>
   </mc:AlternateContent>
-  <p:timing>
-    <p:tnLst>
-      <p:par>
-        <p:cTn id="1" dur="indefinite" restart="never" nodeType="tmRoot"/>
-      </p:par>
-    </p:tnLst>
-  </p:timing>
 </p:sld>
 </file>
 
@@ -8860,13 +8819,6 @@
       </p:transition>
     </mc:Fallback>
   </mc:AlternateContent>
-  <p:timing>
-    <p:tnLst>
-      <p:par>
-        <p:cTn id="1" dur="indefinite" restart="never" nodeType="tmRoot"/>
-      </p:par>
-    </p:tnLst>
-  </p:timing>
 </p:sld>
 </file>
 
@@ -8947,17 +8899,9 @@
               <a:rPr lang="en-GB" dirty="0"/>
               <a:t>Thank you for listening!</a:t>
             </a:r>
-            <a:r>
-              <a:rPr lang="en-GB" u="sng" dirty="0"/>
-              <a:t/>
-            </a:r>
             <a:br>
               <a:rPr lang="en-GB" u="sng" dirty="0"/>
             </a:br>
-            <a:r>
-              <a:rPr lang="en-GB" u="sng" dirty="0"/>
-              <a:t/>
-            </a:r>
             <a:br>
               <a:rPr lang="en-GB" u="sng" dirty="0"/>
             </a:br>
@@ -8990,13 +8934,6 @@
       </p:transition>
     </mc:Fallback>
   </mc:AlternateContent>
-  <p:timing>
-    <p:tnLst>
-      <p:par>
-        <p:cTn id="1" dur="indefinite" restart="never" nodeType="tmRoot"/>
-      </p:par>
-    </p:tnLst>
-  </p:timing>
 </p:sld>
 </file>
 
@@ -13000,13 +12937,8 @@
           <a:p>
             <a:r>
               <a:rPr lang="en-GB" dirty="0"/>
-              <a:t>Influences </a:t>
-            </a:r>
-            <a:r>
-              <a:rPr lang="en-GB" dirty="0" smtClean="0"/>
-              <a:t>– Super Mario Bros (1985), Dark Souls (2009), Sonic the hedgehog (1991) and Super meat Boy (2010)</a:t>
-            </a:r>
-            <a:endParaRPr lang="en-GB" dirty="0"/>
+              <a:t>Influences – Super Mario Bros (1985), Dark Souls (2009), Sonic the hedgehog (1991) and Super meat Boy (2010)</a:t>
+            </a:r>
           </a:p>
         </p:txBody>
       </p:sp>
@@ -13735,25 +13667,7 @@
                           <a:ea typeface="Calibri" panose="020F0502020204030204" pitchFamily="34" charset="0"/>
                           <a:cs typeface="Times New Roman" panose="02020603050405020304" pitchFamily="18" charset="0"/>
                         </a:rPr>
-                        <a:t> was accidently abducted and taken aboard the </a:t>
-                      </a:r>
-                      <a:r>
-                        <a:rPr lang="en-US" sz="1800" i="1" dirty="0" smtClean="0">
-                          <a:effectLst/>
-                          <a:latin typeface="Calibri" panose="020F0502020204030204" pitchFamily="34" charset="0"/>
-                          <a:ea typeface="Calibri" panose="020F0502020204030204" pitchFamily="34" charset="0"/>
-                          <a:cs typeface="Times New Roman" panose="02020603050405020304" pitchFamily="18" charset="0"/>
-                        </a:rPr>
-                        <a:t>evil(?) </a:t>
-                      </a:r>
-                      <a:r>
-                        <a:rPr lang="en-US" sz="1800" i="1" dirty="0">
-                          <a:effectLst/>
-                          <a:latin typeface="Calibri" panose="020F0502020204030204" pitchFamily="34" charset="0"/>
-                          <a:ea typeface="Calibri" panose="020F0502020204030204" pitchFamily="34" charset="0"/>
-                          <a:cs typeface="Times New Roman" panose="02020603050405020304" pitchFamily="18" charset="0"/>
-                        </a:rPr>
-                        <a:t>exotic animal dealer Dr. </a:t>
+                        <a:t> was accidently abducted and taken aboard the evil(?) exotic animal dealer Dr. </a:t>
                       </a:r>
                       <a:r>
                         <a:rPr lang="en-US" sz="1800" i="1" dirty="0" err="1">
@@ -14670,15 +14584,7 @@
           <a:p>
             <a:r>
               <a:rPr lang="en-GB" dirty="0"/>
-              <a:t>An </a:t>
-            </a:r>
-            <a:r>
-              <a:rPr lang="en-GB" dirty="0" smtClean="0"/>
-              <a:t>(infamous evil?) </a:t>
-            </a:r>
-            <a:r>
-              <a:rPr lang="en-GB" dirty="0"/>
-              <a:t>genius who made his fortune by capturing and selling exotic creatures from planets across the universe.</a:t>
+              <a:t>An (infamous evil?) genius who made his fortune by capturing and selling exotic creatures from planets across the universe.</a:t>
             </a:r>
           </a:p>
         </p:txBody>
@@ -15685,28 +15591,28 @@
               <a:buChar char="•"/>
             </a:pPr>
             <a:r>
-              <a:rPr lang="en-GB" dirty="0" smtClean="0"/>
+              <a:rPr lang="en-GB" dirty="0"/>
               <a:t>The setting of the world of ‘</a:t>
             </a:r>
             <a:r>
-              <a:rPr lang="en-GB" dirty="0" err="1" smtClean="0"/>
+              <a:rPr lang="en-GB" dirty="0" err="1"/>
               <a:t>Jelblob</a:t>
             </a:r>
             <a:r>
-              <a:rPr lang="en-GB" dirty="0" smtClean="0"/>
+              <a:rPr lang="en-GB" dirty="0"/>
               <a:t>’ that the player experiences, takes place within the Bio-Domes that are located within Dr </a:t>
             </a:r>
             <a:r>
-              <a:rPr lang="en-GB" dirty="0" err="1" smtClean="0"/>
+              <a:rPr lang="en-GB" dirty="0" err="1"/>
               <a:t>Magmims</a:t>
             </a:r>
             <a:r>
-              <a:rPr lang="en-GB" dirty="0" smtClean="0"/>
+              <a:rPr lang="en-GB" dirty="0"/>
               <a:t> space ship.</a:t>
             </a:r>
           </a:p>
           <a:p>
-            <a:endParaRPr lang="en-GB" dirty="0" smtClean="0"/>
+            <a:endParaRPr lang="en-GB" dirty="0"/>
           </a:p>
           <a:p>
             <a:pPr marL="285750" indent="-285750">
@@ -15714,8 +15620,8 @@
               <a:buChar char="•"/>
             </a:pPr>
             <a:r>
-              <a:rPr lang="en-GB" dirty="0" smtClean="0"/>
-              <a:t>Each Bio-Dome has its own environment that the player traverses through, from a valley of waterfall gorges, to a volcanic landscape with lakes of lava.</a:t>
+              <a:rPr lang="en-GB" dirty="0"/>
+              <a:t>Each Bio-Dome has its own environment that the player traverses through, from a volcanic landscape with lakes of lava, to a valley of waterfall gorges.</a:t>
             </a:r>
           </a:p>
           <a:p>
@@ -15731,10 +15637,9 @@
               <a:buChar char="•"/>
             </a:pPr>
             <a:r>
-              <a:rPr lang="en-GB" dirty="0" smtClean="0"/>
+              <a:rPr lang="en-GB" dirty="0"/>
               <a:t>However, each environment has its own type of chasing death hazard that is themed off the environment its found in.</a:t>
             </a:r>
-            <a:endParaRPr lang="en-GB" dirty="0"/>
           </a:p>
         </p:txBody>
       </p:sp>
@@ -15747,7 +15652,140 @@
         <p:spPr>
           <a:xfrm>
             <a:off x="85724" y="5156649"/>
-            <a:ext cx="1160585" cy="1384995"/>
+            <a:ext cx="1160585" cy="1169551"/>
+          </a:xfrm>
+          <a:prstGeom prst="rect">
+            <a:avLst/>
+          </a:prstGeom>
+          <a:solidFill>
+            <a:schemeClr val="accent5"/>
+          </a:solidFill>
+        </p:spPr>
+        <p:style>
+          <a:lnRef idx="2">
+            <a:schemeClr val="accent3">
+              <a:shade val="50000"/>
+            </a:schemeClr>
+          </a:lnRef>
+          <a:fillRef idx="1">
+            <a:schemeClr val="accent3"/>
+          </a:fillRef>
+          <a:effectRef idx="0">
+            <a:schemeClr val="accent3"/>
+          </a:effectRef>
+          <a:fontRef idx="minor">
+            <a:schemeClr val="lt1"/>
+          </a:fontRef>
+        </p:style>
+        <p:txBody>
+          <a:bodyPr wrap="square" rtlCol="0">
+            <a:spAutoFit/>
+          </a:bodyPr>
+          <a:lstStyle/>
+          <a:p>
+            <a:r>
+              <a:rPr lang="en-GB" sz="1400" u="sng" dirty="0"/>
+              <a:t>Level 1</a:t>
+            </a:r>
+          </a:p>
+          <a:p>
+            <a:r>
+              <a:rPr lang="en-GB" sz="1400" dirty="0"/>
+              <a:t>Volcanic </a:t>
+            </a:r>
+          </a:p>
+          <a:p>
+            <a:endParaRPr lang="en-GB" sz="1400" dirty="0"/>
+          </a:p>
+          <a:p>
+            <a:r>
+              <a:rPr lang="en-GB" sz="1400" u="sng" dirty="0"/>
+              <a:t>Hazard</a:t>
+            </a:r>
+          </a:p>
+          <a:p>
+            <a:r>
+              <a:rPr lang="en-GB" sz="1400" dirty="0"/>
+              <a:t>Lava Tsunami</a:t>
+            </a:r>
+          </a:p>
+        </p:txBody>
+      </p:sp>
+      <p:sp>
+        <p:nvSpPr>
+          <p:cNvPr id="13" name="TextBox 12"/>
+          <p:cNvSpPr txBox="1"/>
+          <p:nvPr/>
+        </p:nvSpPr>
+        <p:spPr>
+          <a:xfrm>
+            <a:off x="1366835" y="5156649"/>
+            <a:ext cx="1160585" cy="1169551"/>
+          </a:xfrm>
+          <a:prstGeom prst="rect">
+            <a:avLst/>
+          </a:prstGeom>
+        </p:spPr>
+        <p:style>
+          <a:lnRef idx="2">
+            <a:schemeClr val="accent2">
+              <a:shade val="50000"/>
+            </a:schemeClr>
+          </a:lnRef>
+          <a:fillRef idx="1">
+            <a:schemeClr val="accent2"/>
+          </a:fillRef>
+          <a:effectRef idx="0">
+            <a:schemeClr val="accent2"/>
+          </a:effectRef>
+          <a:fontRef idx="minor">
+            <a:schemeClr val="lt1"/>
+          </a:fontRef>
+        </p:style>
+        <p:txBody>
+          <a:bodyPr wrap="square" rtlCol="0">
+            <a:spAutoFit/>
+          </a:bodyPr>
+          <a:lstStyle/>
+          <a:p>
+            <a:r>
+              <a:rPr lang="en-GB" sz="1400" u="sng" dirty="0"/>
+              <a:t>Level 2</a:t>
+            </a:r>
+          </a:p>
+          <a:p>
+            <a:r>
+              <a:rPr lang="en-GB" sz="1400" dirty="0"/>
+              <a:t>Frozen</a:t>
+            </a:r>
+          </a:p>
+          <a:p>
+            <a:endParaRPr lang="en-GB" sz="1400" dirty="0"/>
+          </a:p>
+          <a:p>
+            <a:r>
+              <a:rPr lang="en-GB" sz="1400" u="sng" dirty="0"/>
+              <a:t>Hazard</a:t>
+            </a:r>
+          </a:p>
+          <a:p>
+            <a:r>
+              <a:rPr lang="en-GB" sz="1400" dirty="0"/>
+              <a:t>Blizzard</a:t>
+            </a:r>
+          </a:p>
+        </p:txBody>
+      </p:sp>
+      <p:sp>
+        <p:nvSpPr>
+          <p:cNvPr id="14" name="TextBox 13"/>
+          <p:cNvSpPr txBox="1"/>
+          <p:nvPr/>
+        </p:nvSpPr>
+        <p:spPr>
+          <a:xfrm>
+            <a:off x="2656742" y="5156649"/>
+            <a:ext cx="1160585" cy="1169551"/>
           </a:xfrm>
           <a:prstGeom prst="rect">
             <a:avLst/>
@@ -15776,14 +15814,14 @@
           <a:lstStyle/>
           <a:p>
             <a:r>
-              <a:rPr lang="en-GB" sz="1400" u="sng" dirty="0" smtClean="0"/>
-              <a:t>Level 1</a:t>
-            </a:r>
-          </a:p>
-          <a:p>
-            <a:r>
-              <a:rPr lang="en-GB" sz="1400" dirty="0" smtClean="0"/>
-              <a:t>Misty Rainforest</a:t>
+              <a:rPr lang="en-GB" sz="1400" u="sng" dirty="0"/>
+              <a:t>Level 3</a:t>
+            </a:r>
+          </a:p>
+          <a:p>
+            <a:r>
+              <a:rPr lang="en-GB" sz="1400" dirty="0"/>
+              <a:t>Jungle</a:t>
             </a:r>
           </a:p>
           <a:p>
@@ -15791,145 +15829,14 @@
           </a:p>
           <a:p>
             <a:r>
-              <a:rPr lang="en-GB" sz="1400" u="sng" dirty="0" smtClean="0"/>
+              <a:rPr lang="en-GB" sz="1400" u="sng" dirty="0"/>
               <a:t>Hazard</a:t>
             </a:r>
           </a:p>
           <a:p>
             <a:r>
-              <a:rPr lang="en-GB" sz="1400" dirty="0" smtClean="0"/>
+              <a:rPr lang="en-GB" sz="1400" dirty="0"/>
               <a:t>Fog of Death</a:t>
-            </a:r>
-            <a:endParaRPr lang="en-GB" sz="1400" dirty="0"/>
-          </a:p>
-        </p:txBody>
-      </p:sp>
-      <p:sp>
-        <p:nvSpPr>
-          <p:cNvPr id="13" name="TextBox 12"/>
-          <p:cNvSpPr txBox="1"/>
-          <p:nvPr/>
-        </p:nvSpPr>
-        <p:spPr>
-          <a:xfrm>
-            <a:off x="1366835" y="5156649"/>
-            <a:ext cx="1160585" cy="1384995"/>
-          </a:xfrm>
-          <a:prstGeom prst="rect">
-            <a:avLst/>
-          </a:prstGeom>
-        </p:spPr>
-        <p:style>
-          <a:lnRef idx="2">
-            <a:schemeClr val="accent1">
-              <a:shade val="50000"/>
-            </a:schemeClr>
-          </a:lnRef>
-          <a:fillRef idx="1">
-            <a:schemeClr val="accent1"/>
-          </a:fillRef>
-          <a:effectRef idx="0">
-            <a:schemeClr val="accent1"/>
-          </a:effectRef>
-          <a:fontRef idx="minor">
-            <a:schemeClr val="lt1"/>
-          </a:fontRef>
-        </p:style>
-        <p:txBody>
-          <a:bodyPr wrap="square" rtlCol="0">
-            <a:spAutoFit/>
-          </a:bodyPr>
-          <a:lstStyle/>
-          <a:p>
-            <a:r>
-              <a:rPr lang="en-GB" sz="1400" u="sng" dirty="0" smtClean="0"/>
-              <a:t>Level 2</a:t>
-            </a:r>
-          </a:p>
-          <a:p>
-            <a:r>
-              <a:rPr lang="en-GB" sz="1400" dirty="0" smtClean="0"/>
-              <a:t>Waterfall Gorges</a:t>
-            </a:r>
-          </a:p>
-          <a:p>
-            <a:endParaRPr lang="en-GB" sz="1400" dirty="0"/>
-          </a:p>
-          <a:p>
-            <a:r>
-              <a:rPr lang="en-GB" sz="1400" u="sng" dirty="0" smtClean="0"/>
-              <a:t>Hazard</a:t>
-            </a:r>
-          </a:p>
-          <a:p>
-            <a:r>
-              <a:rPr lang="en-GB" sz="1400" dirty="0" smtClean="0"/>
-              <a:t>The Flood</a:t>
-            </a:r>
-          </a:p>
-        </p:txBody>
-      </p:sp>
-      <p:sp>
-        <p:nvSpPr>
-          <p:cNvPr id="14" name="TextBox 13"/>
-          <p:cNvSpPr txBox="1"/>
-          <p:nvPr/>
-        </p:nvSpPr>
-        <p:spPr>
-          <a:xfrm>
-            <a:off x="2656742" y="5156649"/>
-            <a:ext cx="1160585" cy="1169551"/>
-          </a:xfrm>
-          <a:prstGeom prst="rect">
-            <a:avLst/>
-          </a:prstGeom>
-        </p:spPr>
-        <p:style>
-          <a:lnRef idx="2">
-            <a:schemeClr val="accent5">
-              <a:shade val="50000"/>
-            </a:schemeClr>
-          </a:lnRef>
-          <a:fillRef idx="1">
-            <a:schemeClr val="accent5"/>
-          </a:fillRef>
-          <a:effectRef idx="0">
-            <a:schemeClr val="accent5"/>
-          </a:effectRef>
-          <a:fontRef idx="minor">
-            <a:schemeClr val="lt1"/>
-          </a:fontRef>
-        </p:style>
-        <p:txBody>
-          <a:bodyPr wrap="square" rtlCol="0">
-            <a:spAutoFit/>
-          </a:bodyPr>
-          <a:lstStyle/>
-          <a:p>
-            <a:r>
-              <a:rPr lang="en-GB" sz="1400" u="sng" dirty="0" smtClean="0"/>
-              <a:t>Level 3</a:t>
-            </a:r>
-          </a:p>
-          <a:p>
-            <a:r>
-              <a:rPr lang="en-GB" sz="1400" dirty="0" smtClean="0"/>
-              <a:t>Volcanic Park</a:t>
-            </a:r>
-          </a:p>
-          <a:p>
-            <a:endParaRPr lang="en-GB" sz="1400" dirty="0"/>
-          </a:p>
-          <a:p>
-            <a:r>
-              <a:rPr lang="en-GB" sz="1400" u="sng" dirty="0" smtClean="0"/>
-              <a:t>Hazard</a:t>
-            </a:r>
-          </a:p>
-          <a:p>
-            <a:r>
-              <a:rPr lang="en-GB" sz="1400" dirty="0"/>
-              <a:t>Lava Tsunami</a:t>
             </a:r>
           </a:p>
         </p:txBody>
@@ -15972,92 +15879,30 @@
           <a:lstStyle/>
           <a:p>
             <a:r>
-              <a:rPr lang="en-GB" sz="1400" u="sng" dirty="0" smtClean="0"/>
+              <a:rPr lang="en-GB" sz="1400" u="sng" dirty="0"/>
               <a:t>Level 4</a:t>
             </a:r>
           </a:p>
           <a:p>
             <a:r>
-              <a:rPr lang="en-GB" sz="1400" dirty="0" smtClean="0"/>
-              <a:t>Sandy Hilltops</a:t>
-            </a:r>
+              <a:rPr lang="en-GB" sz="1400" dirty="0"/>
+              <a:t>Desert</a:t>
+            </a:r>
+          </a:p>
+          <a:p>
             <a:endParaRPr lang="en-GB" sz="1400" dirty="0"/>
           </a:p>
           <a:p>
             <a:r>
-              <a:rPr lang="en-GB" sz="1400" u="sng" dirty="0" smtClean="0"/>
+              <a:rPr lang="en-GB" sz="1400" u="sng" dirty="0"/>
               <a:t>Hazard</a:t>
             </a:r>
           </a:p>
           <a:p>
             <a:r>
-              <a:rPr lang="en-GB" sz="1400" dirty="0" smtClean="0"/>
+              <a:rPr lang="en-GB" sz="1400" dirty="0"/>
               <a:t>Sandstorm</a:t>
             </a:r>
-          </a:p>
-        </p:txBody>
-      </p:sp>
-      <p:sp>
-        <p:nvSpPr>
-          <p:cNvPr id="16" name="TextBox 15"/>
-          <p:cNvSpPr txBox="1"/>
-          <p:nvPr/>
-        </p:nvSpPr>
-        <p:spPr>
-          <a:xfrm>
-            <a:off x="5210168" y="5156648"/>
-            <a:ext cx="1160585" cy="1169551"/>
-          </a:xfrm>
-          <a:prstGeom prst="rect">
-            <a:avLst/>
-          </a:prstGeom>
-        </p:spPr>
-        <p:style>
-          <a:lnRef idx="2">
-            <a:schemeClr val="accent2">
-              <a:shade val="50000"/>
-            </a:schemeClr>
-          </a:lnRef>
-          <a:fillRef idx="1">
-            <a:schemeClr val="accent2"/>
-          </a:fillRef>
-          <a:effectRef idx="0">
-            <a:schemeClr val="accent2"/>
-          </a:effectRef>
-          <a:fontRef idx="minor">
-            <a:schemeClr val="lt1"/>
-          </a:fontRef>
-        </p:style>
-        <p:txBody>
-          <a:bodyPr wrap="square" rtlCol="0">
-            <a:spAutoFit/>
-          </a:bodyPr>
-          <a:lstStyle/>
-          <a:p>
-            <a:r>
-              <a:rPr lang="en-GB" sz="1400" u="sng" dirty="0" smtClean="0"/>
-              <a:t>Level 5</a:t>
-            </a:r>
-          </a:p>
-          <a:p>
-            <a:r>
-              <a:rPr lang="en-GB" sz="1400" dirty="0" smtClean="0"/>
-              <a:t>Winter Wonderland</a:t>
-            </a:r>
-            <a:endParaRPr lang="en-GB" sz="1400" dirty="0"/>
-          </a:p>
-          <a:p>
-            <a:r>
-              <a:rPr lang="en-GB" sz="1400" u="sng" dirty="0" smtClean="0"/>
-              <a:t>Hazard</a:t>
-            </a:r>
-          </a:p>
-          <a:p>
-            <a:r>
-              <a:rPr lang="en-GB" sz="1400" dirty="0" smtClean="0"/>
-              <a:t>Blizzard</a:t>
-            </a:r>
-            <a:endParaRPr lang="en-GB" sz="1400" dirty="0"/>
           </a:p>
         </p:txBody>
       </p:sp>
@@ -16069,7 +15914,7 @@
         </p:nvSpPr>
         <p:spPr>
           <a:xfrm>
-            <a:off x="6508871" y="5156648"/>
+            <a:off x="5201372" y="5156648"/>
             <a:ext cx="1160585" cy="1169551"/>
           </a:xfrm>
           <a:prstGeom prst="rect">
@@ -16112,14 +15957,14 @@
           <a:lstStyle/>
           <a:p>
             <a:r>
-              <a:rPr lang="en-GB" sz="1400" u="sng" dirty="0" smtClean="0"/>
+              <a:rPr lang="en-GB" sz="1400" u="sng" dirty="0"/>
               <a:t>Level 6</a:t>
             </a:r>
           </a:p>
           <a:p>
             <a:r>
-              <a:rPr lang="en-GB" sz="1400" dirty="0" smtClean="0"/>
-              <a:t>Sky Islands</a:t>
+              <a:rPr lang="en-GB" sz="1400" dirty="0"/>
+              <a:t>Islands</a:t>
             </a:r>
           </a:p>
           <a:p>
@@ -16127,16 +15972,15 @@
           </a:p>
           <a:p>
             <a:r>
-              <a:rPr lang="en-GB" sz="1400" u="sng" dirty="0" smtClean="0"/>
+              <a:rPr lang="en-GB" sz="1400" u="sng" dirty="0"/>
               <a:t>Hazard</a:t>
             </a:r>
           </a:p>
           <a:p>
             <a:r>
-              <a:rPr lang="en-GB" sz="1400" dirty="0" smtClean="0"/>
+              <a:rPr lang="en-GB" sz="1400" dirty="0"/>
               <a:t>Tornado</a:t>
             </a:r>
-            <a:endParaRPr lang="en-GB" sz="1400" dirty="0"/>
           </a:p>
         </p:txBody>
       </p:sp>
@@ -16148,8 +15992,8 @@
         </p:nvSpPr>
         <p:spPr>
           <a:xfrm>
-            <a:off x="7763594" y="5156648"/>
-            <a:ext cx="1160585" cy="1600438"/>
+            <a:off x="6456095" y="5156648"/>
+            <a:ext cx="1160585" cy="1384995"/>
           </a:xfrm>
           <a:prstGeom prst="rect">
             <a:avLst/>
@@ -16178,14 +16022,14 @@
           <a:lstStyle/>
           <a:p>
             <a:r>
-              <a:rPr lang="en-GB" sz="1400" u="sng" dirty="0" smtClean="0"/>
+              <a:rPr lang="en-GB" sz="1400" u="sng" dirty="0"/>
               <a:t>Level 7</a:t>
             </a:r>
           </a:p>
           <a:p>
             <a:r>
-              <a:rPr lang="en-GB" sz="1400" dirty="0" smtClean="0"/>
-              <a:t>Abandoned Mine</a:t>
+              <a:rPr lang="en-GB" sz="1400" dirty="0"/>
+              <a:t>Subterranean</a:t>
             </a:r>
           </a:p>
           <a:p>
@@ -16193,16 +16037,15 @@
           </a:p>
           <a:p>
             <a:r>
-              <a:rPr lang="en-GB" sz="1400" u="sng" dirty="0" smtClean="0"/>
+              <a:rPr lang="en-GB" sz="1400" u="sng" dirty="0"/>
               <a:t>Hazard</a:t>
             </a:r>
           </a:p>
           <a:p>
             <a:r>
-              <a:rPr lang="en-GB" sz="1400" dirty="0" smtClean="0"/>
+              <a:rPr lang="en-GB" sz="1400" dirty="0"/>
               <a:t>Collapsing Ceiling</a:t>
             </a:r>
-            <a:endParaRPr lang="en-GB" sz="1400" dirty="0"/>
           </a:p>
         </p:txBody>
       </p:sp>
@@ -16214,7 +16057,7 @@
         </p:nvSpPr>
         <p:spPr>
           <a:xfrm>
-            <a:off x="9018317" y="5156648"/>
+            <a:off x="7713831" y="5142206"/>
             <a:ext cx="1160585" cy="1169551"/>
           </a:xfrm>
           <a:prstGeom prst="rect">
@@ -16256,14 +16099,14 @@
           <a:lstStyle/>
           <a:p>
             <a:r>
-              <a:rPr lang="en-GB" sz="1400" u="sng" dirty="0" smtClean="0"/>
+              <a:rPr lang="en-GB" sz="1400" u="sng" dirty="0"/>
               <a:t>Level 8</a:t>
             </a:r>
           </a:p>
           <a:p>
             <a:r>
-              <a:rPr lang="en-GB" sz="1400" dirty="0" smtClean="0"/>
-              <a:t>Metallic Core</a:t>
+              <a:rPr lang="en-GB" sz="1400" dirty="0"/>
+              <a:t>Final</a:t>
             </a:r>
           </a:p>
           <a:p>
@@ -16271,16 +16114,15 @@
           </a:p>
           <a:p>
             <a:r>
-              <a:rPr lang="en-GB" sz="1400" u="sng" dirty="0" smtClean="0"/>
+              <a:rPr lang="en-GB" sz="1400" u="sng" dirty="0"/>
               <a:t>Hazard</a:t>
             </a:r>
           </a:p>
           <a:p>
             <a:r>
-              <a:rPr lang="en-GB" sz="1400" dirty="0" smtClean="0"/>
+              <a:rPr lang="en-GB" sz="1400" dirty="0"/>
               <a:t>LASER BEAM</a:t>
             </a:r>
-            <a:endParaRPr lang="en-GB" sz="1400" dirty="0"/>
           </a:p>
         </p:txBody>
       </p:sp>
@@ -16288,15 +16130,15 @@
         <p:nvCxnSpPr>
           <p:cNvPr id="21" name="Straight Arrow Connector 20"/>
           <p:cNvCxnSpPr>
+            <a:cxnSpLocks/>
             <a:stCxn id="8" idx="3"/>
-            <a:endCxn id="13" idx="1"/>
           </p:cNvCxnSpPr>
           <p:nvPr/>
         </p:nvCxnSpPr>
         <p:spPr>
-          <a:xfrm>
-            <a:off x="1246309" y="5849147"/>
-            <a:ext cx="120526" cy="0"/>
+          <a:xfrm flipV="1">
+            <a:off x="1246309" y="5741423"/>
+            <a:ext cx="138118" cy="2"/>
           </a:xfrm>
           <a:prstGeom prst="straightConnector1">
             <a:avLst/>
@@ -16324,14 +16166,16 @@
         <p:nvCxnSpPr>
           <p:cNvPr id="23" name="Straight Arrow Connector 22"/>
           <p:cNvCxnSpPr>
+            <a:cxnSpLocks/>
             <a:stCxn id="13" idx="3"/>
+            <a:endCxn id="14" idx="1"/>
           </p:cNvCxnSpPr>
           <p:nvPr/>
         </p:nvCxnSpPr>
         <p:spPr>
-          <a:xfrm flipV="1">
-            <a:off x="2527420" y="5849146"/>
-            <a:ext cx="129322" cy="1"/>
+          <a:xfrm>
+            <a:off x="2527420" y="5741425"/>
+            <a:ext cx="129322" cy="0"/>
           </a:xfrm>
           <a:prstGeom prst="straightConnector1">
             <a:avLst/>
@@ -16359,6 +16203,7 @@
         <p:nvCxnSpPr>
           <p:cNvPr id="25" name="Straight Arrow Connector 24"/>
           <p:cNvCxnSpPr>
+            <a:cxnSpLocks/>
             <a:stCxn id="14" idx="3"/>
             <a:endCxn id="15" idx="1"/>
           </p:cNvCxnSpPr>
@@ -16395,51 +16240,15 @@
         <p:nvCxnSpPr>
           <p:cNvPr id="27" name="Straight Arrow Connector 26"/>
           <p:cNvCxnSpPr>
+            <a:cxnSpLocks/>
             <a:stCxn id="15" idx="3"/>
-            <a:endCxn id="16" idx="1"/>
-          </p:cNvCxnSpPr>
-          <p:nvPr/>
-        </p:nvCxnSpPr>
-        <p:spPr>
-          <a:xfrm flipV="1">
-            <a:off x="5089642" y="5741424"/>
-            <a:ext cx="120526" cy="1"/>
-          </a:xfrm>
-          <a:prstGeom prst="straightConnector1">
-            <a:avLst/>
-          </a:prstGeom>
-          <a:ln>
-            <a:tailEnd type="triangle"/>
-          </a:ln>
-        </p:spPr>
-        <p:style>
-          <a:lnRef idx="1">
-            <a:schemeClr val="accent1"/>
-          </a:lnRef>
-          <a:fillRef idx="0">
-            <a:schemeClr val="accent1"/>
-          </a:fillRef>
-          <a:effectRef idx="0">
-            <a:schemeClr val="accent1"/>
-          </a:effectRef>
-          <a:fontRef idx="minor">
-            <a:schemeClr val="tx1"/>
-          </a:fontRef>
-        </p:style>
-      </p:cxnSp>
-      <p:cxnSp>
-        <p:nvCxnSpPr>
-          <p:cNvPr id="29" name="Straight Arrow Connector 28"/>
-          <p:cNvCxnSpPr>
-            <a:stCxn id="16" idx="3"/>
-            <a:endCxn id="17" idx="1"/>
           </p:cNvCxnSpPr>
           <p:nvPr/>
         </p:nvCxnSpPr>
         <p:spPr>
           <a:xfrm>
-            <a:off x="6370753" y="5741424"/>
-            <a:ext cx="138118" cy="0"/>
+            <a:off x="5089642" y="5741425"/>
+            <a:ext cx="120526" cy="0"/>
           </a:xfrm>
           <a:prstGeom prst="straightConnector1">
             <a:avLst/>
@@ -16473,7 +16282,7 @@
         </p:nvCxnSpPr>
         <p:spPr>
           <a:xfrm flipV="1">
-            <a:off x="7669456" y="5741423"/>
+            <a:off x="6361957" y="5741423"/>
             <a:ext cx="94138" cy="1"/>
           </a:xfrm>
           <a:prstGeom prst="straightConnector1">
@@ -16502,14 +16311,15 @@
         <p:nvCxnSpPr>
           <p:cNvPr id="33" name="Straight Arrow Connector 32"/>
           <p:cNvCxnSpPr>
+            <a:cxnSpLocks/>
             <a:stCxn id="18" idx="3"/>
           </p:cNvCxnSpPr>
           <p:nvPr/>
         </p:nvCxnSpPr>
         <p:spPr>
           <a:xfrm>
-            <a:off x="8924179" y="5956867"/>
-            <a:ext cx="94138" cy="0"/>
+            <a:off x="7616680" y="5849146"/>
+            <a:ext cx="97151" cy="0"/>
           </a:xfrm>
           <a:prstGeom prst="straightConnector1">
             <a:avLst/>
@@ -17250,7 +17060,7 @@
                                           </p:stCondLst>
                                         </p:cTn>
                                         <p:tgtEl>
-                                          <p:spTgt spid="16"/>
+                                          <p:spTgt spid="17"/>
                                         </p:tgtEl>
                                         <p:attrNameLst>
                                           <p:attrName>style.visibility</p:attrName>
@@ -17264,7 +17074,7 @@
                                       <p:cBhvr additive="base">
                                         <p:cTn id="45" dur="500" fill="hold"/>
                                         <p:tgtEl>
-                                          <p:spTgt spid="16"/>
+                                          <p:spTgt spid="17"/>
                                         </p:tgtEl>
                                         <p:attrNameLst>
                                           <p:attrName>ppt_x</p:attrName>
@@ -17287,7 +17097,7 @@
                                       <p:cBhvr additive="base">
                                         <p:cTn id="46" dur="500" fill="hold"/>
                                         <p:tgtEl>
-                                          <p:spTgt spid="16"/>
+                                          <p:spTgt spid="17"/>
                                         </p:tgtEl>
                                         <p:attrNameLst>
                                           <p:attrName>ppt_y</p:attrName>
@@ -17323,7 +17133,7 @@
                                           </p:stCondLst>
                                         </p:cTn>
                                         <p:tgtEl>
-                                          <p:spTgt spid="29"/>
+                                          <p:spTgt spid="31"/>
                                         </p:tgtEl>
                                         <p:attrNameLst>
                                           <p:attrName>style.visibility</p:attrName>
@@ -17337,7 +17147,7 @@
                                       <p:cBhvr additive="base">
                                         <p:cTn id="49" dur="500" fill="hold"/>
                                         <p:tgtEl>
-                                          <p:spTgt spid="29"/>
+                                          <p:spTgt spid="31"/>
                                         </p:tgtEl>
                                         <p:attrNameLst>
                                           <p:attrName>ppt_x</p:attrName>
@@ -17360,7 +17170,7 @@
                                       <p:cBhvr additive="base">
                                         <p:cTn id="50" dur="500" fill="hold"/>
                                         <p:tgtEl>
-                                          <p:spTgt spid="29"/>
+                                          <p:spTgt spid="31"/>
                                         </p:tgtEl>
                                         <p:attrNameLst>
                                           <p:attrName>ppt_y</p:attrName>
@@ -17396,7 +17206,7 @@
                                           </p:stCondLst>
                                         </p:cTn>
                                         <p:tgtEl>
-                                          <p:spTgt spid="17"/>
+                                          <p:spTgt spid="18"/>
                                         </p:tgtEl>
                                         <p:attrNameLst>
                                           <p:attrName>style.visibility</p:attrName>
@@ -17410,7 +17220,7 @@
                                       <p:cBhvr additive="base">
                                         <p:cTn id="53" dur="500" fill="hold"/>
                                         <p:tgtEl>
-                                          <p:spTgt spid="17"/>
+                                          <p:spTgt spid="18"/>
                                         </p:tgtEl>
                                         <p:attrNameLst>
                                           <p:attrName>ppt_x</p:attrName>
@@ -17433,7 +17243,7 @@
                                       <p:cBhvr additive="base">
                                         <p:cTn id="54" dur="500" fill="hold"/>
                                         <p:tgtEl>
-                                          <p:spTgt spid="17"/>
+                                          <p:spTgt spid="18"/>
                                         </p:tgtEl>
                                         <p:attrNameLst>
                                           <p:attrName>ppt_y</p:attrName>
@@ -17469,7 +17279,7 @@
                                           </p:stCondLst>
                                         </p:cTn>
                                         <p:tgtEl>
-                                          <p:spTgt spid="31"/>
+                                          <p:spTgt spid="33"/>
                                         </p:tgtEl>
                                         <p:attrNameLst>
                                           <p:attrName>style.visibility</p:attrName>
@@ -17483,7 +17293,7 @@
                                       <p:cBhvr additive="base">
                                         <p:cTn id="57" dur="500" fill="hold"/>
                                         <p:tgtEl>
-                                          <p:spTgt spid="31"/>
+                                          <p:spTgt spid="33"/>
                                         </p:tgtEl>
                                         <p:attrNameLst>
                                           <p:attrName>ppt_x</p:attrName>
@@ -17506,7 +17316,7 @@
                                       <p:cBhvr additive="base">
                                         <p:cTn id="58" dur="500" fill="hold"/>
                                         <p:tgtEl>
-                                          <p:spTgt spid="31"/>
+                                          <p:spTgt spid="33"/>
                                         </p:tgtEl>
                                         <p:attrNameLst>
                                           <p:attrName>ppt_y</p:attrName>
@@ -17542,7 +17352,7 @@
                                           </p:stCondLst>
                                         </p:cTn>
                                         <p:tgtEl>
-                                          <p:spTgt spid="18"/>
+                                          <p:spTgt spid="19"/>
                                         </p:tgtEl>
                                         <p:attrNameLst>
                                           <p:attrName>style.visibility</p:attrName>
@@ -17555,152 +17365,6 @@
                                     <p:anim calcmode="lin" valueType="num">
                                       <p:cBhvr additive="base">
                                         <p:cTn id="61" dur="500" fill="hold"/>
-                                        <p:tgtEl>
-                                          <p:spTgt spid="18"/>
-                                        </p:tgtEl>
-                                        <p:attrNameLst>
-                                          <p:attrName>ppt_x</p:attrName>
-                                        </p:attrNameLst>
-                                      </p:cBhvr>
-                                      <p:tavLst>
-                                        <p:tav tm="0">
-                                          <p:val>
-                                            <p:strVal val="0-#ppt_w/2"/>
-                                          </p:val>
-                                        </p:tav>
-                                        <p:tav tm="100000">
-                                          <p:val>
-                                            <p:strVal val="#ppt_x"/>
-                                          </p:val>
-                                        </p:tav>
-                                      </p:tavLst>
-                                    </p:anim>
-                                    <p:anim calcmode="lin" valueType="num">
-                                      <p:cBhvr additive="base">
-                                        <p:cTn id="62" dur="500" fill="hold"/>
-                                        <p:tgtEl>
-                                          <p:spTgt spid="18"/>
-                                        </p:tgtEl>
-                                        <p:attrNameLst>
-                                          <p:attrName>ppt_y</p:attrName>
-                                        </p:attrNameLst>
-                                      </p:cBhvr>
-                                      <p:tavLst>
-                                        <p:tav tm="0">
-                                          <p:val>
-                                            <p:strVal val="#ppt_y"/>
-                                          </p:val>
-                                        </p:tav>
-                                        <p:tav tm="100000">
-                                          <p:val>
-                                            <p:strVal val="#ppt_y"/>
-                                          </p:val>
-                                        </p:tav>
-                                      </p:tavLst>
-                                    </p:anim>
-                                  </p:childTnLst>
-                                </p:cTn>
-                              </p:par>
-                              <p:par>
-                                <p:cTn id="63" presetID="2" presetClass="entr" presetSubtype="8" fill="hold" nodeType="withEffect">
-                                  <p:stCondLst>
-                                    <p:cond delay="0"/>
-                                  </p:stCondLst>
-                                  <p:childTnLst>
-                                    <p:set>
-                                      <p:cBhvr>
-                                        <p:cTn id="64" dur="1" fill="hold">
-                                          <p:stCondLst>
-                                            <p:cond delay="0"/>
-                                          </p:stCondLst>
-                                        </p:cTn>
-                                        <p:tgtEl>
-                                          <p:spTgt spid="33"/>
-                                        </p:tgtEl>
-                                        <p:attrNameLst>
-                                          <p:attrName>style.visibility</p:attrName>
-                                        </p:attrNameLst>
-                                      </p:cBhvr>
-                                      <p:to>
-                                        <p:strVal val="visible"/>
-                                      </p:to>
-                                    </p:set>
-                                    <p:anim calcmode="lin" valueType="num">
-                                      <p:cBhvr additive="base">
-                                        <p:cTn id="65" dur="500" fill="hold"/>
-                                        <p:tgtEl>
-                                          <p:spTgt spid="33"/>
-                                        </p:tgtEl>
-                                        <p:attrNameLst>
-                                          <p:attrName>ppt_x</p:attrName>
-                                        </p:attrNameLst>
-                                      </p:cBhvr>
-                                      <p:tavLst>
-                                        <p:tav tm="0">
-                                          <p:val>
-                                            <p:strVal val="0-#ppt_w/2"/>
-                                          </p:val>
-                                        </p:tav>
-                                        <p:tav tm="100000">
-                                          <p:val>
-                                            <p:strVal val="#ppt_x"/>
-                                          </p:val>
-                                        </p:tav>
-                                      </p:tavLst>
-                                    </p:anim>
-                                    <p:anim calcmode="lin" valueType="num">
-                                      <p:cBhvr additive="base">
-                                        <p:cTn id="66" dur="500" fill="hold"/>
-                                        <p:tgtEl>
-                                          <p:spTgt spid="33"/>
-                                        </p:tgtEl>
-                                        <p:attrNameLst>
-                                          <p:attrName>ppt_y</p:attrName>
-                                        </p:attrNameLst>
-                                      </p:cBhvr>
-                                      <p:tavLst>
-                                        <p:tav tm="0">
-                                          <p:val>
-                                            <p:strVal val="#ppt_y"/>
-                                          </p:val>
-                                        </p:tav>
-                                        <p:tav tm="100000">
-                                          <p:val>
-                                            <p:strVal val="#ppt_y"/>
-                                          </p:val>
-                                        </p:tav>
-                                      </p:tavLst>
-                                    </p:anim>
-                                  </p:childTnLst>
-                                </p:cTn>
-                              </p:par>
-                              <p:par>
-                                <p:cTn id="67" presetID="2" presetClass="entr" presetSubtype="8" fill="hold" grpId="0" nodeType="withEffect">
-                                  <p:stCondLst>
-                                    <p:cond delay="0"/>
-                                  </p:stCondLst>
-                                  <p:childTnLst>
-                                    <p:set>
-                                      <p:cBhvr>
-                                        <p:cTn id="68" dur="1" fill="hold">
-                                          <p:stCondLst>
-                                            <p:cond delay="0"/>
-                                          </p:stCondLst>
-                                        </p:cTn>
-                                        <p:tgtEl>
-                                          <p:spTgt spid="19"/>
-                                        </p:tgtEl>
-                                        <p:attrNameLst>
-                                          <p:attrName>style.visibility</p:attrName>
-                                        </p:attrNameLst>
-                                      </p:cBhvr>
-                                      <p:to>
-                                        <p:strVal val="visible"/>
-                                      </p:to>
-                                    </p:set>
-                                    <p:anim calcmode="lin" valueType="num">
-                                      <p:cBhvr additive="base">
-                                        <p:cTn id="69" dur="500" fill="hold"/>
                                         <p:tgtEl>
                                           <p:spTgt spid="19"/>
                                         </p:tgtEl>
@@ -17723,7 +17387,7 @@
                                     </p:anim>
                                     <p:anim calcmode="lin" valueType="num">
                                       <p:cBhvr additive="base">
-                                        <p:cTn id="70" dur="500" fill="hold"/>
+                                        <p:cTn id="62" dur="500" fill="hold"/>
                                         <p:tgtEl>
                                           <p:spTgt spid="19"/>
                                         </p:tgtEl>
@@ -17779,7 +17443,6 @@
       <p:bldP spid="13" grpId="0" animBg="1"/>
       <p:bldP spid="14" grpId="0" animBg="1"/>
       <p:bldP spid="15" grpId="0" animBg="1"/>
-      <p:bldP spid="16" grpId="0" animBg="1"/>
       <p:bldP spid="17" grpId="0" animBg="1"/>
       <p:bldP spid="18" grpId="0" animBg="1"/>
       <p:bldP spid="19" grpId="0" animBg="1"/>
@@ -17793,35 +17456,19 @@
   <p:cSld>
     <p:bg>
       <p:bgPr>
-        <a:gradFill flip="none" rotWithShape="1">
+        <a:gradFill rotWithShape="1">
           <a:gsLst>
             <a:gs pos="0">
-              <a:schemeClr val="accent4">
-                <a:lumMod val="5000"/>
-                <a:lumOff val="95000"/>
-              </a:schemeClr>
+              <a:schemeClr val="bg1"/>
             </a:gs>
             <a:gs pos="74000">
               <a:schemeClr val="accent4">
-                <a:lumMod val="45000"/>
-                <a:lumOff val="55000"/>
-              </a:schemeClr>
-            </a:gs>
-            <a:gs pos="83000">
-              <a:schemeClr val="accent4">
-                <a:lumMod val="45000"/>
-                <a:lumOff val="55000"/>
-              </a:schemeClr>
-            </a:gs>
-            <a:gs pos="100000">
-              <a:schemeClr val="accent4">
-                <a:lumMod val="30000"/>
-                <a:lumOff val="70000"/>
+                <a:lumMod val="40000"/>
+                <a:lumOff val="60000"/>
               </a:schemeClr>
             </a:gs>
           </a:gsLst>
-          <a:lin ang="5400000" scaled="1"/>
-          <a:tileRect/>
+          <a:lin ang="5400000" scaled="0"/>
         </a:gradFill>
         <a:effectLst/>
       </p:bgPr>
@@ -17863,47 +17510,941 @@
           </a:p>
         </p:txBody>
       </p:sp>
-      <p:sp>
-        <p:nvSpPr>
-          <p:cNvPr id="3" name="Content Placeholder 2"/>
-          <p:cNvSpPr>
-            <a:spLocks noGrp="1"/>
-          </p:cNvSpPr>
-          <p:nvPr>
-            <p:ph sz="quarter" idx="13"/>
-          </p:nvPr>
-        </p:nvSpPr>
-        <p:spPr/>
-        <p:txBody>
-          <a:bodyPr/>
-          <a:lstStyle/>
-          <a:p>
-            <a:r>
-              <a:rPr lang="en-GB" dirty="0"/>
-              <a:t>[Talk about the core objectives of the game]</a:t>
-            </a:r>
-          </a:p>
-          <a:p>
-            <a:r>
-              <a:rPr lang="en-GB" dirty="0"/>
-              <a:t>[Mention the player (controls and mechanics, enemies (behaviour and types), pickups and hazards]</a:t>
-            </a:r>
-          </a:p>
-          <a:p>
-            <a:r>
-              <a:rPr lang="en-GB" dirty="0"/>
-              <a:t>[Mention the goal of each level]</a:t>
-            </a:r>
-          </a:p>
-          <a:p>
-            <a:endParaRPr lang="en-GB" dirty="0"/>
-          </a:p>
-        </p:txBody>
-      </p:sp>
+      <p:grpSp>
+        <p:nvGrpSpPr>
+          <p:cNvPr id="5" name="Group 4">
+            <a:extLst>
+              <a:ext uri="{FF2B5EF4-FFF2-40B4-BE49-F238E27FC236}">
+                <a16:creationId xmlns:a16="http://schemas.microsoft.com/office/drawing/2014/main" id="{186B450B-D21D-4A1C-B2A6-4278BBB6BAAF}"/>
+              </a:ext>
+            </a:extLst>
+          </p:cNvPr>
+          <p:cNvGrpSpPr/>
+          <p:nvPr/>
+        </p:nvGrpSpPr>
+        <p:grpSpPr>
+          <a:xfrm>
+            <a:off x="887272" y="2025284"/>
+            <a:ext cx="10363826" cy="433485"/>
+            <a:chOff x="0" y="0"/>
+            <a:chExt cx="10363826" cy="433485"/>
+          </a:xfrm>
+        </p:grpSpPr>
+        <p:sp>
+          <p:nvSpPr>
+            <p:cNvPr id="6" name="Rectangle: Rounded Corners 5">
+              <a:extLst>
+                <a:ext uri="{FF2B5EF4-FFF2-40B4-BE49-F238E27FC236}">
+                  <a16:creationId xmlns:a16="http://schemas.microsoft.com/office/drawing/2014/main" id="{D7B2BAB9-F47C-4E91-9E7B-19AF3CB73824}"/>
+                </a:ext>
+              </a:extLst>
+            </p:cNvPr>
+            <p:cNvSpPr/>
+            <p:nvPr/>
+          </p:nvSpPr>
+          <p:spPr>
+            <a:xfrm>
+              <a:off x="0" y="0"/>
+              <a:ext cx="10363826" cy="433485"/>
+            </a:xfrm>
+            <a:prstGeom prst="roundRect">
+              <a:avLst/>
+            </a:prstGeom>
+          </p:spPr>
+          <p:style>
+            <a:lnRef idx="2">
+              <a:schemeClr val="lt1">
+                <a:hueOff val="0"/>
+                <a:satOff val="0"/>
+                <a:lumOff val="0"/>
+                <a:alphaOff val="0"/>
+              </a:schemeClr>
+            </a:lnRef>
+            <a:fillRef idx="1">
+              <a:schemeClr val="accent2">
+                <a:hueOff val="0"/>
+                <a:satOff val="0"/>
+                <a:lumOff val="0"/>
+                <a:alphaOff val="0"/>
+              </a:schemeClr>
+            </a:fillRef>
+            <a:effectRef idx="0">
+              <a:schemeClr val="accent2">
+                <a:hueOff val="0"/>
+                <a:satOff val="0"/>
+                <a:lumOff val="0"/>
+                <a:alphaOff val="0"/>
+              </a:schemeClr>
+            </a:effectRef>
+            <a:fontRef idx="minor">
+              <a:schemeClr val="lt1"/>
+            </a:fontRef>
+          </p:style>
+        </p:sp>
+        <p:sp>
+          <p:nvSpPr>
+            <p:cNvPr id="7" name="Rectangle: Rounded Corners 4">
+              <a:extLst>
+                <a:ext uri="{FF2B5EF4-FFF2-40B4-BE49-F238E27FC236}">
+                  <a16:creationId xmlns:a16="http://schemas.microsoft.com/office/drawing/2014/main" id="{C69544F7-F59B-4020-B9A5-74B59FE84072}"/>
+                </a:ext>
+              </a:extLst>
+            </p:cNvPr>
+            <p:cNvSpPr txBox="1"/>
+            <p:nvPr/>
+          </p:nvSpPr>
+          <p:spPr>
+            <a:xfrm>
+              <a:off x="21161" y="21161"/>
+              <a:ext cx="10321504" cy="391163"/>
+            </a:xfrm>
+            <a:prstGeom prst="rect">
+              <a:avLst/>
+            </a:prstGeom>
+          </p:spPr>
+          <p:style>
+            <a:lnRef idx="0">
+              <a:scrgbClr r="0" g="0" b="0"/>
+            </a:lnRef>
+            <a:fillRef idx="0">
+              <a:scrgbClr r="0" g="0" b="0"/>
+            </a:fillRef>
+            <a:effectRef idx="0">
+              <a:scrgbClr r="0" g="0" b="0"/>
+            </a:effectRef>
+            <a:fontRef idx="minor">
+              <a:schemeClr val="lt1"/>
+            </a:fontRef>
+          </p:style>
+          <p:txBody>
+            <a:bodyPr spcFirstLastPara="0" vert="horz" wrap="square" lIns="72390" tIns="72390" rIns="72390" bIns="72390" numCol="1" spcCol="1270" anchor="ctr" anchorCtr="0">
+              <a:noAutofit/>
+            </a:bodyPr>
+            <a:lstStyle/>
+            <a:p>
+              <a:pPr marL="0" lvl="0" indent="0" algn="l" defTabSz="844550">
+                <a:lnSpc>
+                  <a:spcPct val="90000"/>
+                </a:lnSpc>
+                <a:spcBef>
+                  <a:spcPct val="0"/>
+                </a:spcBef>
+                <a:spcAft>
+                  <a:spcPct val="35000"/>
+                </a:spcAft>
+                <a:buNone/>
+              </a:pPr>
+              <a:r>
+                <a:rPr lang="en-GB" sz="1900" kern="1200" baseline="0" dirty="0"/>
+                <a:t>The core objective of the horrific adventure is survival and escape.</a:t>
+              </a:r>
+              <a:endParaRPr lang="en-GB" sz="1900" kern="1200" dirty="0"/>
+            </a:p>
+          </p:txBody>
+        </p:sp>
+      </p:grpSp>
+      <p:grpSp>
+        <p:nvGrpSpPr>
+          <p:cNvPr id="8" name="Group 7">
+            <a:extLst>
+              <a:ext uri="{FF2B5EF4-FFF2-40B4-BE49-F238E27FC236}">
+                <a16:creationId xmlns:a16="http://schemas.microsoft.com/office/drawing/2014/main" id="{FDA4DC5B-10BF-4540-9818-99ECB3609F54}"/>
+              </a:ext>
+            </a:extLst>
+          </p:cNvPr>
+          <p:cNvGrpSpPr/>
+          <p:nvPr/>
+        </p:nvGrpSpPr>
+        <p:grpSpPr>
+          <a:xfrm>
+            <a:off x="871453" y="2472721"/>
+            <a:ext cx="10363826" cy="433485"/>
+            <a:chOff x="0" y="518900"/>
+            <a:chExt cx="10363826" cy="433485"/>
+          </a:xfrm>
+        </p:grpSpPr>
+        <p:sp>
+          <p:nvSpPr>
+            <p:cNvPr id="9" name="Rectangle: Rounded Corners 8">
+              <a:extLst>
+                <a:ext uri="{FF2B5EF4-FFF2-40B4-BE49-F238E27FC236}">
+                  <a16:creationId xmlns:a16="http://schemas.microsoft.com/office/drawing/2014/main" id="{9C7ECAC4-ED23-4470-9ED2-0FF22DCC7E75}"/>
+                </a:ext>
+              </a:extLst>
+            </p:cNvPr>
+            <p:cNvSpPr/>
+            <p:nvPr/>
+          </p:nvSpPr>
+          <p:spPr>
+            <a:xfrm>
+              <a:off x="0" y="518900"/>
+              <a:ext cx="10363826" cy="433485"/>
+            </a:xfrm>
+            <a:prstGeom prst="roundRect">
+              <a:avLst/>
+            </a:prstGeom>
+          </p:spPr>
+          <p:style>
+            <a:lnRef idx="2">
+              <a:schemeClr val="lt1">
+                <a:hueOff val="0"/>
+                <a:satOff val="0"/>
+                <a:lumOff val="0"/>
+                <a:alphaOff val="0"/>
+              </a:schemeClr>
+            </a:lnRef>
+            <a:fillRef idx="1">
+              <a:schemeClr val="accent3">
+                <a:hueOff val="0"/>
+                <a:satOff val="0"/>
+                <a:lumOff val="0"/>
+                <a:alphaOff val="0"/>
+              </a:schemeClr>
+            </a:fillRef>
+            <a:effectRef idx="0">
+              <a:schemeClr val="accent3">
+                <a:hueOff val="0"/>
+                <a:satOff val="0"/>
+                <a:lumOff val="0"/>
+                <a:alphaOff val="0"/>
+              </a:schemeClr>
+            </a:effectRef>
+            <a:fontRef idx="minor">
+              <a:schemeClr val="lt1"/>
+            </a:fontRef>
+          </p:style>
+        </p:sp>
+        <p:sp>
+          <p:nvSpPr>
+            <p:cNvPr id="10" name="Rectangle: Rounded Corners 4">
+              <a:extLst>
+                <a:ext uri="{FF2B5EF4-FFF2-40B4-BE49-F238E27FC236}">
+                  <a16:creationId xmlns:a16="http://schemas.microsoft.com/office/drawing/2014/main" id="{C76D0364-7194-49B8-9695-AA9294292C33}"/>
+                </a:ext>
+              </a:extLst>
+            </p:cNvPr>
+            <p:cNvSpPr txBox="1"/>
+            <p:nvPr/>
+          </p:nvSpPr>
+          <p:spPr>
+            <a:xfrm>
+              <a:off x="21161" y="540061"/>
+              <a:ext cx="10321504" cy="391163"/>
+            </a:xfrm>
+            <a:prstGeom prst="rect">
+              <a:avLst/>
+            </a:prstGeom>
+          </p:spPr>
+          <p:style>
+            <a:lnRef idx="0">
+              <a:scrgbClr r="0" g="0" b="0"/>
+            </a:lnRef>
+            <a:fillRef idx="0">
+              <a:scrgbClr r="0" g="0" b="0"/>
+            </a:fillRef>
+            <a:effectRef idx="0">
+              <a:scrgbClr r="0" g="0" b="0"/>
+            </a:effectRef>
+            <a:fontRef idx="minor">
+              <a:schemeClr val="lt1"/>
+            </a:fontRef>
+          </p:style>
+          <p:txBody>
+            <a:bodyPr spcFirstLastPara="0" vert="horz" wrap="square" lIns="72390" tIns="72390" rIns="72390" bIns="72390" numCol="1" spcCol="1270" anchor="ctr" anchorCtr="0">
+              <a:noAutofit/>
+            </a:bodyPr>
+            <a:lstStyle/>
+            <a:p>
+              <a:pPr marL="0" lvl="0" indent="0" algn="l" defTabSz="844550">
+                <a:lnSpc>
+                  <a:spcPct val="90000"/>
+                </a:lnSpc>
+                <a:spcBef>
+                  <a:spcPct val="0"/>
+                </a:spcBef>
+                <a:spcAft>
+                  <a:spcPct val="35000"/>
+                </a:spcAft>
+                <a:buNone/>
+              </a:pPr>
+              <a:r>
+                <a:rPr lang="en-GB" sz="1900" kern="1200" baseline="0" dirty="0"/>
+                <a:t>Simple classic platformer controls</a:t>
+              </a:r>
+              <a:endParaRPr lang="en-GB" sz="1900" kern="1200" dirty="0"/>
+            </a:p>
+          </p:txBody>
+        </p:sp>
+      </p:grpSp>
+      <p:grpSp>
+        <p:nvGrpSpPr>
+          <p:cNvPr id="11" name="Group 10">
+            <a:extLst>
+              <a:ext uri="{FF2B5EF4-FFF2-40B4-BE49-F238E27FC236}">
+                <a16:creationId xmlns:a16="http://schemas.microsoft.com/office/drawing/2014/main" id="{91A9BA8A-0F7F-46C0-913E-600BC7BECCC1}"/>
+              </a:ext>
+            </a:extLst>
+          </p:cNvPr>
+          <p:cNvGrpSpPr/>
+          <p:nvPr/>
+        </p:nvGrpSpPr>
+        <p:grpSpPr>
+          <a:xfrm>
+            <a:off x="866111" y="2906207"/>
+            <a:ext cx="10363826" cy="433485"/>
+            <a:chOff x="0" y="1007105"/>
+            <a:chExt cx="10363826" cy="433485"/>
+          </a:xfrm>
+        </p:grpSpPr>
+        <p:sp>
+          <p:nvSpPr>
+            <p:cNvPr id="12" name="Rectangle: Rounded Corners 11">
+              <a:extLst>
+                <a:ext uri="{FF2B5EF4-FFF2-40B4-BE49-F238E27FC236}">
+                  <a16:creationId xmlns:a16="http://schemas.microsoft.com/office/drawing/2014/main" id="{CE618657-F717-4129-822C-D8A86527BA77}"/>
+                </a:ext>
+              </a:extLst>
+            </p:cNvPr>
+            <p:cNvSpPr/>
+            <p:nvPr/>
+          </p:nvSpPr>
+          <p:spPr>
+            <a:xfrm>
+              <a:off x="0" y="1007105"/>
+              <a:ext cx="10363826" cy="433485"/>
+            </a:xfrm>
+            <a:prstGeom prst="roundRect">
+              <a:avLst/>
+            </a:prstGeom>
+          </p:spPr>
+          <p:style>
+            <a:lnRef idx="2">
+              <a:schemeClr val="lt1">
+                <a:hueOff val="0"/>
+                <a:satOff val="0"/>
+                <a:lumOff val="0"/>
+                <a:alphaOff val="0"/>
+              </a:schemeClr>
+            </a:lnRef>
+            <a:fillRef idx="1">
+              <a:schemeClr val="accent4">
+                <a:hueOff val="0"/>
+                <a:satOff val="0"/>
+                <a:lumOff val="0"/>
+                <a:alphaOff val="0"/>
+              </a:schemeClr>
+            </a:fillRef>
+            <a:effectRef idx="0">
+              <a:schemeClr val="accent4">
+                <a:hueOff val="0"/>
+                <a:satOff val="0"/>
+                <a:lumOff val="0"/>
+                <a:alphaOff val="0"/>
+              </a:schemeClr>
+            </a:effectRef>
+            <a:fontRef idx="minor">
+              <a:schemeClr val="lt1"/>
+            </a:fontRef>
+          </p:style>
+        </p:sp>
+        <p:sp>
+          <p:nvSpPr>
+            <p:cNvPr id="13" name="Rectangle: Rounded Corners 4">
+              <a:extLst>
+                <a:ext uri="{FF2B5EF4-FFF2-40B4-BE49-F238E27FC236}">
+                  <a16:creationId xmlns:a16="http://schemas.microsoft.com/office/drawing/2014/main" id="{8A0EF05B-AB24-4951-9642-11096F7D8A85}"/>
+                </a:ext>
+              </a:extLst>
+            </p:cNvPr>
+            <p:cNvSpPr txBox="1"/>
+            <p:nvPr/>
+          </p:nvSpPr>
+          <p:spPr>
+            <a:xfrm>
+              <a:off x="21161" y="1028266"/>
+              <a:ext cx="10321504" cy="391163"/>
+            </a:xfrm>
+            <a:prstGeom prst="rect">
+              <a:avLst/>
+            </a:prstGeom>
+          </p:spPr>
+          <p:style>
+            <a:lnRef idx="0">
+              <a:scrgbClr r="0" g="0" b="0"/>
+            </a:lnRef>
+            <a:fillRef idx="0">
+              <a:scrgbClr r="0" g="0" b="0"/>
+            </a:fillRef>
+            <a:effectRef idx="0">
+              <a:scrgbClr r="0" g="0" b="0"/>
+            </a:effectRef>
+            <a:fontRef idx="minor">
+              <a:schemeClr val="lt1"/>
+            </a:fontRef>
+          </p:style>
+          <p:txBody>
+            <a:bodyPr spcFirstLastPara="0" vert="horz" wrap="square" lIns="72390" tIns="72390" rIns="72390" bIns="72390" numCol="1" spcCol="1270" anchor="ctr" anchorCtr="0">
+              <a:noAutofit/>
+            </a:bodyPr>
+            <a:lstStyle/>
+            <a:p>
+              <a:pPr marL="0" lvl="0" indent="0" algn="l" defTabSz="844550">
+                <a:lnSpc>
+                  <a:spcPct val="90000"/>
+                </a:lnSpc>
+                <a:spcBef>
+                  <a:spcPct val="0"/>
+                </a:spcBef>
+                <a:spcAft>
+                  <a:spcPct val="35000"/>
+                </a:spcAft>
+                <a:buNone/>
+              </a:pPr>
+              <a:r>
+                <a:rPr lang="en-GB" sz="1900" kern="1200" baseline="0" dirty="0"/>
+                <a:t>One hit death, no forgiveness for mistakes</a:t>
+              </a:r>
+              <a:endParaRPr lang="en-GB" sz="1900" kern="1200" dirty="0"/>
+            </a:p>
+          </p:txBody>
+        </p:sp>
+      </p:grpSp>
+      <p:grpSp>
+        <p:nvGrpSpPr>
+          <p:cNvPr id="14" name="Group 13">
+            <a:extLst>
+              <a:ext uri="{FF2B5EF4-FFF2-40B4-BE49-F238E27FC236}">
+                <a16:creationId xmlns:a16="http://schemas.microsoft.com/office/drawing/2014/main" id="{F9778A31-0546-466B-9863-F5BB4D26AF6F}"/>
+              </a:ext>
+            </a:extLst>
+          </p:cNvPr>
+          <p:cNvGrpSpPr/>
+          <p:nvPr/>
+        </p:nvGrpSpPr>
+        <p:grpSpPr>
+          <a:xfrm>
+            <a:off x="871453" y="3339693"/>
+            <a:ext cx="10363826" cy="433485"/>
+            <a:chOff x="0" y="1495311"/>
+            <a:chExt cx="10363826" cy="433485"/>
+          </a:xfrm>
+        </p:grpSpPr>
+        <p:sp>
+          <p:nvSpPr>
+            <p:cNvPr id="15" name="Rectangle: Rounded Corners 14">
+              <a:extLst>
+                <a:ext uri="{FF2B5EF4-FFF2-40B4-BE49-F238E27FC236}">
+                  <a16:creationId xmlns:a16="http://schemas.microsoft.com/office/drawing/2014/main" id="{9EA0FEFC-9BF2-40B6-A912-D24678F5E434}"/>
+                </a:ext>
+              </a:extLst>
+            </p:cNvPr>
+            <p:cNvSpPr/>
+            <p:nvPr/>
+          </p:nvSpPr>
+          <p:spPr>
+            <a:xfrm>
+              <a:off x="0" y="1495311"/>
+              <a:ext cx="10363826" cy="433485"/>
+            </a:xfrm>
+            <a:prstGeom prst="roundRect">
+              <a:avLst/>
+            </a:prstGeom>
+          </p:spPr>
+          <p:style>
+            <a:lnRef idx="2">
+              <a:schemeClr val="lt1">
+                <a:hueOff val="0"/>
+                <a:satOff val="0"/>
+                <a:lumOff val="0"/>
+                <a:alphaOff val="0"/>
+              </a:schemeClr>
+            </a:lnRef>
+            <a:fillRef idx="1">
+              <a:schemeClr val="accent5">
+                <a:hueOff val="0"/>
+                <a:satOff val="0"/>
+                <a:lumOff val="0"/>
+                <a:alphaOff val="0"/>
+              </a:schemeClr>
+            </a:fillRef>
+            <a:effectRef idx="0">
+              <a:schemeClr val="accent5">
+                <a:hueOff val="0"/>
+                <a:satOff val="0"/>
+                <a:lumOff val="0"/>
+                <a:alphaOff val="0"/>
+              </a:schemeClr>
+            </a:effectRef>
+            <a:fontRef idx="minor">
+              <a:schemeClr val="lt1"/>
+            </a:fontRef>
+          </p:style>
+        </p:sp>
+        <p:sp>
+          <p:nvSpPr>
+            <p:cNvPr id="16" name="Rectangle: Rounded Corners 4">
+              <a:extLst>
+                <a:ext uri="{FF2B5EF4-FFF2-40B4-BE49-F238E27FC236}">
+                  <a16:creationId xmlns:a16="http://schemas.microsoft.com/office/drawing/2014/main" id="{C9103B32-6FD7-4018-9033-6613522A6E30}"/>
+                </a:ext>
+              </a:extLst>
+            </p:cNvPr>
+            <p:cNvSpPr txBox="1"/>
+            <p:nvPr/>
+          </p:nvSpPr>
+          <p:spPr>
+            <a:xfrm>
+              <a:off x="21161" y="1516472"/>
+              <a:ext cx="10321504" cy="391163"/>
+            </a:xfrm>
+            <a:prstGeom prst="rect">
+              <a:avLst/>
+            </a:prstGeom>
+          </p:spPr>
+          <p:style>
+            <a:lnRef idx="0">
+              <a:scrgbClr r="0" g="0" b="0"/>
+            </a:lnRef>
+            <a:fillRef idx="0">
+              <a:scrgbClr r="0" g="0" b="0"/>
+            </a:fillRef>
+            <a:effectRef idx="0">
+              <a:scrgbClr r="0" g="0" b="0"/>
+            </a:effectRef>
+            <a:fontRef idx="minor">
+              <a:schemeClr val="lt1"/>
+            </a:fontRef>
+          </p:style>
+          <p:txBody>
+            <a:bodyPr spcFirstLastPara="0" vert="horz" wrap="square" lIns="72390" tIns="72390" rIns="72390" bIns="72390" numCol="1" spcCol="1270" anchor="ctr" anchorCtr="0">
+              <a:noAutofit/>
+            </a:bodyPr>
+            <a:lstStyle/>
+            <a:p>
+              <a:pPr marL="0" lvl="0" indent="0" algn="l" defTabSz="844550">
+                <a:lnSpc>
+                  <a:spcPct val="90000"/>
+                </a:lnSpc>
+                <a:spcBef>
+                  <a:spcPct val="0"/>
+                </a:spcBef>
+                <a:spcAft>
+                  <a:spcPct val="35000"/>
+                </a:spcAft>
+                <a:buNone/>
+              </a:pPr>
+              <a:r>
+                <a:rPr lang="en-GB" sz="1900" kern="1200" baseline="0" dirty="0"/>
+                <a:t>Unique mass system for the player linked with shooting and movement</a:t>
+              </a:r>
+              <a:endParaRPr lang="en-GB" sz="1900" kern="1200" dirty="0"/>
+            </a:p>
+          </p:txBody>
+        </p:sp>
+      </p:grpSp>
+      <p:grpSp>
+        <p:nvGrpSpPr>
+          <p:cNvPr id="17" name="Group 16">
+            <a:extLst>
+              <a:ext uri="{FF2B5EF4-FFF2-40B4-BE49-F238E27FC236}">
+                <a16:creationId xmlns:a16="http://schemas.microsoft.com/office/drawing/2014/main" id="{EF59DE01-DABA-4211-A115-25C4C956CBF1}"/>
+              </a:ext>
+            </a:extLst>
+          </p:cNvPr>
+          <p:cNvGrpSpPr/>
+          <p:nvPr/>
+        </p:nvGrpSpPr>
+        <p:grpSpPr>
+          <a:xfrm>
+            <a:off x="866111" y="3773178"/>
+            <a:ext cx="10363826" cy="433485"/>
+            <a:chOff x="0" y="1983516"/>
+            <a:chExt cx="10363826" cy="433485"/>
+          </a:xfrm>
+        </p:grpSpPr>
+        <p:sp>
+          <p:nvSpPr>
+            <p:cNvPr id="18" name="Rectangle: Rounded Corners 17">
+              <a:extLst>
+                <a:ext uri="{FF2B5EF4-FFF2-40B4-BE49-F238E27FC236}">
+                  <a16:creationId xmlns:a16="http://schemas.microsoft.com/office/drawing/2014/main" id="{E32BFAB0-FF10-46CC-A8A5-EFC78C858454}"/>
+                </a:ext>
+              </a:extLst>
+            </p:cNvPr>
+            <p:cNvSpPr/>
+            <p:nvPr/>
+          </p:nvSpPr>
+          <p:spPr>
+            <a:xfrm>
+              <a:off x="0" y="1983516"/>
+              <a:ext cx="10363826" cy="433485"/>
+            </a:xfrm>
+            <a:prstGeom prst="roundRect">
+              <a:avLst/>
+            </a:prstGeom>
+          </p:spPr>
+          <p:style>
+            <a:lnRef idx="2">
+              <a:schemeClr val="lt1">
+                <a:hueOff val="0"/>
+                <a:satOff val="0"/>
+                <a:lumOff val="0"/>
+                <a:alphaOff val="0"/>
+              </a:schemeClr>
+            </a:lnRef>
+            <a:fillRef idx="1">
+              <a:schemeClr val="accent6">
+                <a:hueOff val="0"/>
+                <a:satOff val="0"/>
+                <a:lumOff val="0"/>
+                <a:alphaOff val="0"/>
+              </a:schemeClr>
+            </a:fillRef>
+            <a:effectRef idx="0">
+              <a:schemeClr val="accent6">
+                <a:hueOff val="0"/>
+                <a:satOff val="0"/>
+                <a:lumOff val="0"/>
+                <a:alphaOff val="0"/>
+              </a:schemeClr>
+            </a:effectRef>
+            <a:fontRef idx="minor">
+              <a:schemeClr val="lt1"/>
+            </a:fontRef>
+          </p:style>
+        </p:sp>
+        <p:sp>
+          <p:nvSpPr>
+            <p:cNvPr id="19" name="Rectangle: Rounded Corners 4">
+              <a:extLst>
+                <a:ext uri="{FF2B5EF4-FFF2-40B4-BE49-F238E27FC236}">
+                  <a16:creationId xmlns:a16="http://schemas.microsoft.com/office/drawing/2014/main" id="{BBEDEE85-7BA2-4122-9B40-9F03A3AB14D8}"/>
+                </a:ext>
+              </a:extLst>
+            </p:cNvPr>
+            <p:cNvSpPr txBox="1"/>
+            <p:nvPr/>
+          </p:nvSpPr>
+          <p:spPr>
+            <a:xfrm>
+              <a:off x="21161" y="2004677"/>
+              <a:ext cx="10321504" cy="391163"/>
+            </a:xfrm>
+            <a:prstGeom prst="rect">
+              <a:avLst/>
+            </a:prstGeom>
+          </p:spPr>
+          <p:style>
+            <a:lnRef idx="0">
+              <a:scrgbClr r="0" g="0" b="0"/>
+            </a:lnRef>
+            <a:fillRef idx="0">
+              <a:scrgbClr r="0" g="0" b="0"/>
+            </a:fillRef>
+            <a:effectRef idx="0">
+              <a:scrgbClr r="0" g="0" b="0"/>
+            </a:effectRef>
+            <a:fontRef idx="minor">
+              <a:schemeClr val="lt1"/>
+            </a:fontRef>
+          </p:style>
+          <p:txBody>
+            <a:bodyPr spcFirstLastPara="0" vert="horz" wrap="square" lIns="72390" tIns="72390" rIns="72390" bIns="72390" numCol="1" spcCol="1270" anchor="ctr" anchorCtr="0">
+              <a:noAutofit/>
+            </a:bodyPr>
+            <a:lstStyle/>
+            <a:p>
+              <a:pPr marL="0" lvl="0" indent="0" algn="l" defTabSz="844550">
+                <a:lnSpc>
+                  <a:spcPct val="90000"/>
+                </a:lnSpc>
+                <a:spcBef>
+                  <a:spcPct val="0"/>
+                </a:spcBef>
+                <a:spcAft>
+                  <a:spcPct val="35000"/>
+                </a:spcAft>
+                <a:buNone/>
+              </a:pPr>
+              <a:r>
+                <a:rPr lang="en-GB" sz="1900" kern="1200" baseline="0" dirty="0"/>
+                <a:t>The purge system (wall of death)</a:t>
+              </a:r>
+              <a:endParaRPr lang="en-GB" sz="1900" kern="1200" dirty="0"/>
+            </a:p>
+          </p:txBody>
+        </p:sp>
+      </p:grpSp>
+      <p:grpSp>
+        <p:nvGrpSpPr>
+          <p:cNvPr id="20" name="Group 19">
+            <a:extLst>
+              <a:ext uri="{FF2B5EF4-FFF2-40B4-BE49-F238E27FC236}">
+                <a16:creationId xmlns:a16="http://schemas.microsoft.com/office/drawing/2014/main" id="{03A1DA39-CD90-4A23-9462-189452003186}"/>
+              </a:ext>
+            </a:extLst>
+          </p:cNvPr>
+          <p:cNvGrpSpPr/>
+          <p:nvPr/>
+        </p:nvGrpSpPr>
+        <p:grpSpPr>
+          <a:xfrm>
+            <a:off x="871453" y="4206663"/>
+            <a:ext cx="10363826" cy="433485"/>
+            <a:chOff x="0" y="2471721"/>
+            <a:chExt cx="10363826" cy="433485"/>
+          </a:xfrm>
+        </p:grpSpPr>
+        <p:sp>
+          <p:nvSpPr>
+            <p:cNvPr id="21" name="Rectangle: Rounded Corners 20">
+              <a:extLst>
+                <a:ext uri="{FF2B5EF4-FFF2-40B4-BE49-F238E27FC236}">
+                  <a16:creationId xmlns:a16="http://schemas.microsoft.com/office/drawing/2014/main" id="{E31E385F-CD94-4B66-AB55-05DAA0ADAA08}"/>
+                </a:ext>
+              </a:extLst>
+            </p:cNvPr>
+            <p:cNvSpPr/>
+            <p:nvPr/>
+          </p:nvSpPr>
+          <p:spPr>
+            <a:xfrm>
+              <a:off x="0" y="2471721"/>
+              <a:ext cx="10363826" cy="433485"/>
+            </a:xfrm>
+            <a:prstGeom prst="roundRect">
+              <a:avLst/>
+            </a:prstGeom>
+          </p:spPr>
+          <p:style>
+            <a:lnRef idx="2">
+              <a:schemeClr val="lt1">
+                <a:hueOff val="0"/>
+                <a:satOff val="0"/>
+                <a:lumOff val="0"/>
+                <a:alphaOff val="0"/>
+              </a:schemeClr>
+            </a:lnRef>
+            <a:fillRef idx="1">
+              <a:schemeClr val="accent2">
+                <a:hueOff val="0"/>
+                <a:satOff val="0"/>
+                <a:lumOff val="0"/>
+                <a:alphaOff val="0"/>
+              </a:schemeClr>
+            </a:fillRef>
+            <a:effectRef idx="0">
+              <a:schemeClr val="accent2">
+                <a:hueOff val="0"/>
+                <a:satOff val="0"/>
+                <a:lumOff val="0"/>
+                <a:alphaOff val="0"/>
+              </a:schemeClr>
+            </a:effectRef>
+            <a:fontRef idx="minor">
+              <a:schemeClr val="lt1"/>
+            </a:fontRef>
+          </p:style>
+        </p:sp>
+        <p:sp>
+          <p:nvSpPr>
+            <p:cNvPr id="22" name="Rectangle: Rounded Corners 4">
+              <a:extLst>
+                <a:ext uri="{FF2B5EF4-FFF2-40B4-BE49-F238E27FC236}">
+                  <a16:creationId xmlns:a16="http://schemas.microsoft.com/office/drawing/2014/main" id="{1793238C-6A5A-4820-A281-33A8006C3640}"/>
+                </a:ext>
+              </a:extLst>
+            </p:cNvPr>
+            <p:cNvSpPr txBox="1"/>
+            <p:nvPr/>
+          </p:nvSpPr>
+          <p:spPr>
+            <a:xfrm>
+              <a:off x="21161" y="2492882"/>
+              <a:ext cx="10321504" cy="391163"/>
+            </a:xfrm>
+            <a:prstGeom prst="rect">
+              <a:avLst/>
+            </a:prstGeom>
+          </p:spPr>
+          <p:style>
+            <a:lnRef idx="0">
+              <a:scrgbClr r="0" g="0" b="0"/>
+            </a:lnRef>
+            <a:fillRef idx="0">
+              <a:scrgbClr r="0" g="0" b="0"/>
+            </a:fillRef>
+            <a:effectRef idx="0">
+              <a:scrgbClr r="0" g="0" b="0"/>
+            </a:effectRef>
+            <a:fontRef idx="minor">
+              <a:schemeClr val="lt1"/>
+            </a:fontRef>
+          </p:style>
+          <p:txBody>
+            <a:bodyPr spcFirstLastPara="0" vert="horz" wrap="square" lIns="72390" tIns="72390" rIns="72390" bIns="72390" numCol="1" spcCol="1270" anchor="ctr" anchorCtr="0">
+              <a:noAutofit/>
+            </a:bodyPr>
+            <a:lstStyle/>
+            <a:p>
+              <a:pPr marL="0" lvl="0" indent="0" algn="l" defTabSz="844550">
+                <a:lnSpc>
+                  <a:spcPct val="90000"/>
+                </a:lnSpc>
+                <a:spcBef>
+                  <a:spcPct val="0"/>
+                </a:spcBef>
+                <a:spcAft>
+                  <a:spcPct val="35000"/>
+                </a:spcAft>
+                <a:buNone/>
+              </a:pPr>
+              <a:r>
+                <a:rPr lang="en-GB" sz="1900" kern="1200" baseline="0"/>
+                <a:t>4 simple enemy types</a:t>
+              </a:r>
+              <a:endParaRPr lang="en-GB" sz="1900" kern="1200"/>
+            </a:p>
+          </p:txBody>
+        </p:sp>
+      </p:grpSp>
+      <p:grpSp>
+        <p:nvGrpSpPr>
+          <p:cNvPr id="24" name="Group 23">
+            <a:extLst>
+              <a:ext uri="{FF2B5EF4-FFF2-40B4-BE49-F238E27FC236}">
+                <a16:creationId xmlns:a16="http://schemas.microsoft.com/office/drawing/2014/main" id="{B4F9EB95-2997-4563-81B7-F168BA83C94C}"/>
+              </a:ext>
+            </a:extLst>
+          </p:cNvPr>
+          <p:cNvGrpSpPr/>
+          <p:nvPr/>
+        </p:nvGrpSpPr>
+        <p:grpSpPr>
+          <a:xfrm>
+            <a:off x="866111" y="4661309"/>
+            <a:ext cx="10363826" cy="433485"/>
+            <a:chOff x="0" y="2959926"/>
+            <a:chExt cx="10363826" cy="433485"/>
+          </a:xfrm>
+        </p:grpSpPr>
+        <p:sp>
+          <p:nvSpPr>
+            <p:cNvPr id="25" name="Rectangle: Rounded Corners 24">
+              <a:extLst>
+                <a:ext uri="{FF2B5EF4-FFF2-40B4-BE49-F238E27FC236}">
+                  <a16:creationId xmlns:a16="http://schemas.microsoft.com/office/drawing/2014/main" id="{E9A948C0-6C7A-49EB-BAA1-20C69D080A62}"/>
+                </a:ext>
+              </a:extLst>
+            </p:cNvPr>
+            <p:cNvSpPr/>
+            <p:nvPr/>
+          </p:nvSpPr>
+          <p:spPr>
+            <a:xfrm>
+              <a:off x="0" y="2959926"/>
+              <a:ext cx="10363826" cy="433485"/>
+            </a:xfrm>
+            <a:prstGeom prst="roundRect">
+              <a:avLst/>
+            </a:prstGeom>
+          </p:spPr>
+          <p:style>
+            <a:lnRef idx="2">
+              <a:schemeClr val="lt1">
+                <a:hueOff val="0"/>
+                <a:satOff val="0"/>
+                <a:lumOff val="0"/>
+                <a:alphaOff val="0"/>
+              </a:schemeClr>
+            </a:lnRef>
+            <a:fillRef idx="1">
+              <a:schemeClr val="accent3">
+                <a:hueOff val="0"/>
+                <a:satOff val="0"/>
+                <a:lumOff val="0"/>
+                <a:alphaOff val="0"/>
+              </a:schemeClr>
+            </a:fillRef>
+            <a:effectRef idx="0">
+              <a:schemeClr val="accent3">
+                <a:hueOff val="0"/>
+                <a:satOff val="0"/>
+                <a:lumOff val="0"/>
+                <a:alphaOff val="0"/>
+              </a:schemeClr>
+            </a:effectRef>
+            <a:fontRef idx="minor">
+              <a:schemeClr val="lt1"/>
+            </a:fontRef>
+          </p:style>
+        </p:sp>
+        <p:sp>
+          <p:nvSpPr>
+            <p:cNvPr id="26" name="Rectangle: Rounded Corners 4">
+              <a:extLst>
+                <a:ext uri="{FF2B5EF4-FFF2-40B4-BE49-F238E27FC236}">
+                  <a16:creationId xmlns:a16="http://schemas.microsoft.com/office/drawing/2014/main" id="{E906BBCD-3C4C-44E2-B42F-E9C226975EC0}"/>
+                </a:ext>
+              </a:extLst>
+            </p:cNvPr>
+            <p:cNvSpPr txBox="1"/>
+            <p:nvPr/>
+          </p:nvSpPr>
+          <p:spPr>
+            <a:xfrm>
+              <a:off x="21161" y="2981087"/>
+              <a:ext cx="10321504" cy="391163"/>
+            </a:xfrm>
+            <a:prstGeom prst="rect">
+              <a:avLst/>
+            </a:prstGeom>
+          </p:spPr>
+          <p:style>
+            <a:lnRef idx="0">
+              <a:scrgbClr r="0" g="0" b="0"/>
+            </a:lnRef>
+            <a:fillRef idx="0">
+              <a:scrgbClr r="0" g="0" b="0"/>
+            </a:fillRef>
+            <a:effectRef idx="0">
+              <a:scrgbClr r="0" g="0" b="0"/>
+            </a:effectRef>
+            <a:fontRef idx="minor">
+              <a:schemeClr val="lt1"/>
+            </a:fontRef>
+          </p:style>
+          <p:txBody>
+            <a:bodyPr spcFirstLastPara="0" vert="horz" wrap="square" lIns="72390" tIns="72390" rIns="72390" bIns="72390" numCol="1" spcCol="1270" anchor="ctr" anchorCtr="0">
+              <a:noAutofit/>
+            </a:bodyPr>
+            <a:lstStyle/>
+            <a:p>
+              <a:pPr marL="0" lvl="0" indent="0" algn="l" defTabSz="844550">
+                <a:lnSpc>
+                  <a:spcPct val="90000"/>
+                </a:lnSpc>
+                <a:spcBef>
+                  <a:spcPct val="0"/>
+                </a:spcBef>
+                <a:spcAft>
+                  <a:spcPct val="35000"/>
+                </a:spcAft>
+                <a:buNone/>
+              </a:pPr>
+              <a:r>
+                <a:rPr lang="en-GB" sz="1900" kern="1200" baseline="0"/>
+                <a:t>2 pickup types</a:t>
+              </a:r>
+              <a:endParaRPr lang="en-GB" sz="1900" kern="1200"/>
+            </a:p>
+          </p:txBody>
+        </p:sp>
+      </p:grpSp>
     </p:spTree>
     <p:extLst>
       <p:ext uri="{BB962C8B-B14F-4D97-AF65-F5344CB8AC3E}">
-        <p14:creationId xmlns:p14="http://schemas.microsoft.com/office/powerpoint/2010/main" val="2480672187"/>
+        <p14:creationId xmlns:p14="http://schemas.microsoft.com/office/powerpoint/2010/main" val="2733723148"/>
       </p:ext>
     </p:extLst>
   </p:cSld>
@@ -17912,20 +18453,498 @@
   </p:clrMapOvr>
   <mc:AlternateContent xmlns:mc="http://schemas.openxmlformats.org/markup-compatibility/2006" xmlns:p14="http://schemas.microsoft.com/office/powerpoint/2010/main">
     <mc:Choice Requires="p14">
-      <p:transition spd="slow" p14:dur="1200">
-        <p:dissolve/>
+      <p:transition spd="slow" p14:dur="1500">
+        <p:split orient="vert"/>
       </p:transition>
     </mc:Choice>
     <mc:Fallback xmlns="">
       <p:transition spd="slow">
-        <p:dissolve/>
+        <p:split orient="vert"/>
       </p:transition>
     </mc:Fallback>
   </mc:AlternateContent>
   <p:timing>
     <p:tnLst>
       <p:par>
-        <p:cTn id="1" dur="indefinite" restart="never" nodeType="tmRoot"/>
+        <p:cTn id="1" dur="indefinite" restart="never" nodeType="tmRoot">
+          <p:childTnLst>
+            <p:seq concurrent="1" nextAc="seek">
+              <p:cTn id="2" dur="indefinite" nodeType="mainSeq">
+                <p:childTnLst>
+                  <p:par>
+                    <p:cTn id="3" fill="hold">
+                      <p:stCondLst>
+                        <p:cond delay="indefinite"/>
+                      </p:stCondLst>
+                      <p:childTnLst>
+                        <p:par>
+                          <p:cTn id="4" fill="hold">
+                            <p:stCondLst>
+                              <p:cond delay="0"/>
+                            </p:stCondLst>
+                            <p:childTnLst>
+                              <p:par>
+                                <p:cTn id="5" presetID="2" presetClass="entr" presetSubtype="4" fill="hold" nodeType="clickEffect">
+                                  <p:stCondLst>
+                                    <p:cond delay="0"/>
+                                  </p:stCondLst>
+                                  <p:childTnLst>
+                                    <p:set>
+                                      <p:cBhvr>
+                                        <p:cTn id="6" dur="1" fill="hold">
+                                          <p:stCondLst>
+                                            <p:cond delay="0"/>
+                                          </p:stCondLst>
+                                        </p:cTn>
+                                        <p:tgtEl>
+                                          <p:spTgt spid="5"/>
+                                        </p:tgtEl>
+                                        <p:attrNameLst>
+                                          <p:attrName>style.visibility</p:attrName>
+                                        </p:attrNameLst>
+                                      </p:cBhvr>
+                                      <p:to>
+                                        <p:strVal val="visible"/>
+                                      </p:to>
+                                    </p:set>
+                                    <p:anim calcmode="lin" valueType="num">
+                                      <p:cBhvr additive="base">
+                                        <p:cTn id="7" dur="500" fill="hold"/>
+                                        <p:tgtEl>
+                                          <p:spTgt spid="5"/>
+                                        </p:tgtEl>
+                                        <p:attrNameLst>
+                                          <p:attrName>ppt_x</p:attrName>
+                                        </p:attrNameLst>
+                                      </p:cBhvr>
+                                      <p:tavLst>
+                                        <p:tav tm="0">
+                                          <p:val>
+                                            <p:strVal val="#ppt_x"/>
+                                          </p:val>
+                                        </p:tav>
+                                        <p:tav tm="100000">
+                                          <p:val>
+                                            <p:strVal val="#ppt_x"/>
+                                          </p:val>
+                                        </p:tav>
+                                      </p:tavLst>
+                                    </p:anim>
+                                    <p:anim calcmode="lin" valueType="num">
+                                      <p:cBhvr additive="base">
+                                        <p:cTn id="8" dur="500" fill="hold"/>
+                                        <p:tgtEl>
+                                          <p:spTgt spid="5"/>
+                                        </p:tgtEl>
+                                        <p:attrNameLst>
+                                          <p:attrName>ppt_y</p:attrName>
+                                        </p:attrNameLst>
+                                      </p:cBhvr>
+                                      <p:tavLst>
+                                        <p:tav tm="0">
+                                          <p:val>
+                                            <p:strVal val="1+#ppt_h/2"/>
+                                          </p:val>
+                                        </p:tav>
+                                        <p:tav tm="100000">
+                                          <p:val>
+                                            <p:strVal val="#ppt_y"/>
+                                          </p:val>
+                                        </p:tav>
+                                      </p:tavLst>
+                                    </p:anim>
+                                  </p:childTnLst>
+                                </p:cTn>
+                              </p:par>
+                            </p:childTnLst>
+                          </p:cTn>
+                        </p:par>
+                      </p:childTnLst>
+                    </p:cTn>
+                  </p:par>
+                  <p:par>
+                    <p:cTn id="9" fill="hold">
+                      <p:stCondLst>
+                        <p:cond delay="indefinite"/>
+                      </p:stCondLst>
+                      <p:childTnLst>
+                        <p:par>
+                          <p:cTn id="10" fill="hold">
+                            <p:stCondLst>
+                              <p:cond delay="0"/>
+                            </p:stCondLst>
+                            <p:childTnLst>
+                              <p:par>
+                                <p:cTn id="11" presetID="16" presetClass="entr" presetSubtype="21" fill="hold" nodeType="clickEffect">
+                                  <p:stCondLst>
+                                    <p:cond delay="0"/>
+                                  </p:stCondLst>
+                                  <p:childTnLst>
+                                    <p:set>
+                                      <p:cBhvr>
+                                        <p:cTn id="12" dur="1" fill="hold">
+                                          <p:stCondLst>
+                                            <p:cond delay="0"/>
+                                          </p:stCondLst>
+                                        </p:cTn>
+                                        <p:tgtEl>
+                                          <p:spTgt spid="8"/>
+                                        </p:tgtEl>
+                                        <p:attrNameLst>
+                                          <p:attrName>style.visibility</p:attrName>
+                                        </p:attrNameLst>
+                                      </p:cBhvr>
+                                      <p:to>
+                                        <p:strVal val="visible"/>
+                                      </p:to>
+                                    </p:set>
+                                    <p:animEffect transition="in" filter="barn(inVertical)">
+                                      <p:cBhvr>
+                                        <p:cTn id="13" dur="500"/>
+                                        <p:tgtEl>
+                                          <p:spTgt spid="8"/>
+                                        </p:tgtEl>
+                                      </p:cBhvr>
+                                    </p:animEffect>
+                                  </p:childTnLst>
+                                </p:cTn>
+                              </p:par>
+                            </p:childTnLst>
+                          </p:cTn>
+                        </p:par>
+                      </p:childTnLst>
+                    </p:cTn>
+                  </p:par>
+                  <p:par>
+                    <p:cTn id="14" fill="hold">
+                      <p:stCondLst>
+                        <p:cond delay="indefinite"/>
+                      </p:stCondLst>
+                      <p:childTnLst>
+                        <p:par>
+                          <p:cTn id="15" fill="hold">
+                            <p:stCondLst>
+                              <p:cond delay="0"/>
+                            </p:stCondLst>
+                            <p:childTnLst>
+                              <p:par>
+                                <p:cTn id="16" presetID="22" presetClass="entr" presetSubtype="4" fill="hold" nodeType="clickEffect">
+                                  <p:stCondLst>
+                                    <p:cond delay="0"/>
+                                  </p:stCondLst>
+                                  <p:childTnLst>
+                                    <p:set>
+                                      <p:cBhvr>
+                                        <p:cTn id="17" dur="1" fill="hold">
+                                          <p:stCondLst>
+                                            <p:cond delay="0"/>
+                                          </p:stCondLst>
+                                        </p:cTn>
+                                        <p:tgtEl>
+                                          <p:spTgt spid="11"/>
+                                        </p:tgtEl>
+                                        <p:attrNameLst>
+                                          <p:attrName>style.visibility</p:attrName>
+                                        </p:attrNameLst>
+                                      </p:cBhvr>
+                                      <p:to>
+                                        <p:strVal val="visible"/>
+                                      </p:to>
+                                    </p:set>
+                                    <p:animEffect transition="in" filter="wipe(down)">
+                                      <p:cBhvr>
+                                        <p:cTn id="18" dur="500"/>
+                                        <p:tgtEl>
+                                          <p:spTgt spid="11"/>
+                                        </p:tgtEl>
+                                      </p:cBhvr>
+                                    </p:animEffect>
+                                  </p:childTnLst>
+                                </p:cTn>
+                              </p:par>
+                            </p:childTnLst>
+                          </p:cTn>
+                        </p:par>
+                      </p:childTnLst>
+                    </p:cTn>
+                  </p:par>
+                  <p:par>
+                    <p:cTn id="19" fill="hold">
+                      <p:stCondLst>
+                        <p:cond delay="indefinite"/>
+                      </p:stCondLst>
+                      <p:childTnLst>
+                        <p:par>
+                          <p:cTn id="20" fill="hold">
+                            <p:stCondLst>
+                              <p:cond delay="0"/>
+                            </p:stCondLst>
+                            <p:childTnLst>
+                              <p:par>
+                                <p:cTn id="21" presetID="21" presetClass="entr" presetSubtype="1" fill="hold" nodeType="clickEffect">
+                                  <p:stCondLst>
+                                    <p:cond delay="0"/>
+                                  </p:stCondLst>
+                                  <p:childTnLst>
+                                    <p:set>
+                                      <p:cBhvr>
+                                        <p:cTn id="22" dur="1" fill="hold">
+                                          <p:stCondLst>
+                                            <p:cond delay="0"/>
+                                          </p:stCondLst>
+                                        </p:cTn>
+                                        <p:tgtEl>
+                                          <p:spTgt spid="14"/>
+                                        </p:tgtEl>
+                                        <p:attrNameLst>
+                                          <p:attrName>style.visibility</p:attrName>
+                                        </p:attrNameLst>
+                                      </p:cBhvr>
+                                      <p:to>
+                                        <p:strVal val="visible"/>
+                                      </p:to>
+                                    </p:set>
+                                    <p:animEffect transition="in" filter="wheel(1)">
+                                      <p:cBhvr>
+                                        <p:cTn id="23" dur="2000"/>
+                                        <p:tgtEl>
+                                          <p:spTgt spid="14"/>
+                                        </p:tgtEl>
+                                      </p:cBhvr>
+                                    </p:animEffect>
+                                  </p:childTnLst>
+                                </p:cTn>
+                              </p:par>
+                            </p:childTnLst>
+                          </p:cTn>
+                        </p:par>
+                      </p:childTnLst>
+                    </p:cTn>
+                  </p:par>
+                  <p:par>
+                    <p:cTn id="24" fill="hold">
+                      <p:stCondLst>
+                        <p:cond delay="indefinite"/>
+                      </p:stCondLst>
+                      <p:childTnLst>
+                        <p:par>
+                          <p:cTn id="25" fill="hold">
+                            <p:stCondLst>
+                              <p:cond delay="0"/>
+                            </p:stCondLst>
+                            <p:childTnLst>
+                              <p:par>
+                                <p:cTn id="26" presetID="14" presetClass="entr" presetSubtype="10" fill="hold" nodeType="clickEffect">
+                                  <p:stCondLst>
+                                    <p:cond delay="0"/>
+                                  </p:stCondLst>
+                                  <p:childTnLst>
+                                    <p:set>
+                                      <p:cBhvr>
+                                        <p:cTn id="27" dur="1" fill="hold">
+                                          <p:stCondLst>
+                                            <p:cond delay="0"/>
+                                          </p:stCondLst>
+                                        </p:cTn>
+                                        <p:tgtEl>
+                                          <p:spTgt spid="17"/>
+                                        </p:tgtEl>
+                                        <p:attrNameLst>
+                                          <p:attrName>style.visibility</p:attrName>
+                                        </p:attrNameLst>
+                                      </p:cBhvr>
+                                      <p:to>
+                                        <p:strVal val="visible"/>
+                                      </p:to>
+                                    </p:set>
+                                    <p:animEffect transition="in" filter="randombar(horizontal)">
+                                      <p:cBhvr>
+                                        <p:cTn id="28" dur="500"/>
+                                        <p:tgtEl>
+                                          <p:spTgt spid="17"/>
+                                        </p:tgtEl>
+                                      </p:cBhvr>
+                                    </p:animEffect>
+                                  </p:childTnLst>
+                                </p:cTn>
+                              </p:par>
+                            </p:childTnLst>
+                          </p:cTn>
+                        </p:par>
+                      </p:childTnLst>
+                    </p:cTn>
+                  </p:par>
+                  <p:par>
+                    <p:cTn id="29" fill="hold">
+                      <p:stCondLst>
+                        <p:cond delay="indefinite"/>
+                      </p:stCondLst>
+                      <p:childTnLst>
+                        <p:par>
+                          <p:cTn id="30" fill="hold">
+                            <p:stCondLst>
+                              <p:cond delay="0"/>
+                            </p:stCondLst>
+                            <p:childTnLst>
+                              <p:par>
+                                <p:cTn id="31" presetID="6" presetClass="entr" presetSubtype="16" fill="hold" nodeType="clickEffect">
+                                  <p:stCondLst>
+                                    <p:cond delay="0"/>
+                                  </p:stCondLst>
+                                  <p:childTnLst>
+                                    <p:set>
+                                      <p:cBhvr>
+                                        <p:cTn id="32" dur="1" fill="hold">
+                                          <p:stCondLst>
+                                            <p:cond delay="0"/>
+                                          </p:stCondLst>
+                                        </p:cTn>
+                                        <p:tgtEl>
+                                          <p:spTgt spid="20"/>
+                                        </p:tgtEl>
+                                        <p:attrNameLst>
+                                          <p:attrName>style.visibility</p:attrName>
+                                        </p:attrNameLst>
+                                      </p:cBhvr>
+                                      <p:to>
+                                        <p:strVal val="visible"/>
+                                      </p:to>
+                                    </p:set>
+                                    <p:animEffect transition="in" filter="circle(in)">
+                                      <p:cBhvr>
+                                        <p:cTn id="33" dur="2000"/>
+                                        <p:tgtEl>
+                                          <p:spTgt spid="20"/>
+                                        </p:tgtEl>
+                                      </p:cBhvr>
+                                    </p:animEffect>
+                                  </p:childTnLst>
+                                </p:cTn>
+                              </p:par>
+                            </p:childTnLst>
+                          </p:cTn>
+                        </p:par>
+                      </p:childTnLst>
+                    </p:cTn>
+                  </p:par>
+                  <p:par>
+                    <p:cTn id="34" fill="hold">
+                      <p:stCondLst>
+                        <p:cond delay="indefinite"/>
+                      </p:stCondLst>
+                      <p:childTnLst>
+                        <p:par>
+                          <p:cTn id="35" fill="hold">
+                            <p:stCondLst>
+                              <p:cond delay="0"/>
+                            </p:stCondLst>
+                            <p:childTnLst>
+                              <p:par>
+                                <p:cTn id="36" presetID="42" presetClass="entr" presetSubtype="0" fill="hold" nodeType="clickEffect">
+                                  <p:stCondLst>
+                                    <p:cond delay="0"/>
+                                  </p:stCondLst>
+                                  <p:childTnLst>
+                                    <p:set>
+                                      <p:cBhvr>
+                                        <p:cTn id="37" dur="1" fill="hold">
+                                          <p:stCondLst>
+                                            <p:cond delay="0"/>
+                                          </p:stCondLst>
+                                        </p:cTn>
+                                        <p:tgtEl>
+                                          <p:spTgt spid="24"/>
+                                        </p:tgtEl>
+                                        <p:attrNameLst>
+                                          <p:attrName>style.visibility</p:attrName>
+                                        </p:attrNameLst>
+                                      </p:cBhvr>
+                                      <p:to>
+                                        <p:strVal val="visible"/>
+                                      </p:to>
+                                    </p:set>
+                                    <p:animEffect transition="in" filter="fade">
+                                      <p:cBhvr>
+                                        <p:cTn id="38" dur="1000"/>
+                                        <p:tgtEl>
+                                          <p:spTgt spid="24"/>
+                                        </p:tgtEl>
+                                      </p:cBhvr>
+                                    </p:animEffect>
+                                    <p:anim calcmode="lin" valueType="num">
+                                      <p:cBhvr>
+                                        <p:cTn id="39" dur="1000" fill="hold"/>
+                                        <p:tgtEl>
+                                          <p:spTgt spid="24"/>
+                                        </p:tgtEl>
+                                        <p:attrNameLst>
+                                          <p:attrName>ppt_x</p:attrName>
+                                        </p:attrNameLst>
+                                      </p:cBhvr>
+                                      <p:tavLst>
+                                        <p:tav tm="0">
+                                          <p:val>
+                                            <p:strVal val="#ppt_x"/>
+                                          </p:val>
+                                        </p:tav>
+                                        <p:tav tm="100000">
+                                          <p:val>
+                                            <p:strVal val="#ppt_x"/>
+                                          </p:val>
+                                        </p:tav>
+                                      </p:tavLst>
+                                    </p:anim>
+                                    <p:anim calcmode="lin" valueType="num">
+                                      <p:cBhvr>
+                                        <p:cTn id="40" dur="1000" fill="hold"/>
+                                        <p:tgtEl>
+                                          <p:spTgt spid="24"/>
+                                        </p:tgtEl>
+                                        <p:attrNameLst>
+                                          <p:attrName>ppt_y</p:attrName>
+                                        </p:attrNameLst>
+                                      </p:cBhvr>
+                                      <p:tavLst>
+                                        <p:tav tm="0">
+                                          <p:val>
+                                            <p:strVal val="#ppt_y+.1"/>
+                                          </p:val>
+                                        </p:tav>
+                                        <p:tav tm="100000">
+                                          <p:val>
+                                            <p:strVal val="#ppt_y"/>
+                                          </p:val>
+                                        </p:tav>
+                                      </p:tavLst>
+                                    </p:anim>
+                                  </p:childTnLst>
+                                </p:cTn>
+                              </p:par>
+                            </p:childTnLst>
+                          </p:cTn>
+                        </p:par>
+                      </p:childTnLst>
+                    </p:cTn>
+                  </p:par>
+                </p:childTnLst>
+              </p:cTn>
+              <p:prevCondLst>
+                <p:cond evt="onPrev" delay="0">
+                  <p:tgtEl>
+                    <p:sldTgt/>
+                  </p:tgtEl>
+                </p:cond>
+              </p:prevCondLst>
+              <p:nextCondLst>
+                <p:cond evt="onNext" delay="0">
+                  <p:tgtEl>
+                    <p:sldTgt/>
+                  </p:tgtEl>
+                </p:cond>
+              </p:nextCondLst>
+            </p:seq>
+          </p:childTnLst>
+        </p:cTn>
       </p:par>
     </p:tnLst>
   </p:timing>
@@ -17937,35 +18956,22 @@
   <p:cSld>
     <p:bg>
       <p:bgPr>
-        <a:gradFill flip="none" rotWithShape="1">
+        <a:gradFill rotWithShape="1">
           <a:gsLst>
             <a:gs pos="0">
-              <a:schemeClr val="accent4">
-                <a:lumMod val="5000"/>
-                <a:lumOff val="95000"/>
+              <a:schemeClr val="bg1">
+                <a:tint val="90000"/>
+                <a:lumMod val="110000"/>
               </a:schemeClr>
             </a:gs>
             <a:gs pos="74000">
               <a:schemeClr val="accent4">
-                <a:lumMod val="45000"/>
-                <a:lumOff val="55000"/>
-              </a:schemeClr>
-            </a:gs>
-            <a:gs pos="83000">
-              <a:schemeClr val="accent4">
-                <a:lumMod val="45000"/>
-                <a:lumOff val="55000"/>
-              </a:schemeClr>
-            </a:gs>
-            <a:gs pos="100000">
-              <a:schemeClr val="accent4">
-                <a:lumMod val="30000"/>
-                <a:lumOff val="70000"/>
+                <a:lumMod val="40000"/>
+                <a:lumOff val="60000"/>
               </a:schemeClr>
             </a:gs>
           </a:gsLst>
-          <a:lin ang="5400000" scaled="1"/>
-          <a:tileRect/>
+          <a:lin ang="5400000" scaled="0"/>
         </a:gradFill>
         <a:effectLst/>
       </p:bgPr>
@@ -18007,40 +19013,6 @@
           </a:p>
         </p:txBody>
       </p:sp>
-      <p:sp>
-        <p:nvSpPr>
-          <p:cNvPr id="3" name="Content Placeholder 2"/>
-          <p:cNvSpPr>
-            <a:spLocks noGrp="1"/>
-          </p:cNvSpPr>
-          <p:nvPr>
-            <p:ph sz="quarter" idx="13"/>
-          </p:nvPr>
-        </p:nvSpPr>
-        <p:spPr/>
-        <p:txBody>
-          <a:bodyPr/>
-          <a:lstStyle/>
-          <a:p>
-            <a:r>
-              <a:rPr lang="en-GB" dirty="0"/>
-              <a:t>[Show image of level concept for Volcanic level]</a:t>
-            </a:r>
-          </a:p>
-          <a:p>
-            <a:r>
-              <a:rPr lang="en-GB" dirty="0"/>
-              <a:t>[Discuss level design approach]</a:t>
-            </a:r>
-          </a:p>
-          <a:p>
-            <a:r>
-              <a:rPr lang="en-GB" dirty="0"/>
-              <a:t>[Discuss immersive aspects of the level related to the principles of level design – refer to lecture slides]</a:t>
-            </a:r>
-          </a:p>
-        </p:txBody>
-      </p:sp>
       <p:pic>
         <p:nvPicPr>
           <p:cNvPr id="4" name="Picture 3">
@@ -18068,8 +19040,8 @@
         </p:blipFill>
         <p:spPr bwMode="auto">
           <a:xfrm>
-            <a:off x="4244621" y="4387645"/>
-            <a:ext cx="3702132" cy="2304589"/>
+            <a:off x="913772" y="4553411"/>
+            <a:ext cx="8878409" cy="2304589"/>
           </a:xfrm>
           <a:prstGeom prst="rect">
             <a:avLst/>
@@ -18077,25 +19049,519 @@
           <a:noFill/>
         </p:spPr>
       </p:pic>
+      <p:pic>
+        <p:nvPicPr>
+          <p:cNvPr id="6" name="Picture 5">
+            <a:extLst>
+              <a:ext uri="{FF2B5EF4-FFF2-40B4-BE49-F238E27FC236}">
+                <a16:creationId xmlns:a16="http://schemas.microsoft.com/office/drawing/2014/main" id="{6E4AD4B6-1286-40F1-AE8C-BA8EF96981B4}"/>
+              </a:ext>
+            </a:extLst>
+          </p:cNvPr>
+          <p:cNvPicPr>
+            <a:picLocks noChangeAspect="1"/>
+          </p:cNvPicPr>
+          <p:nvPr/>
+        </p:nvPicPr>
+        <p:blipFill>
+          <a:blip r:embed="rId4" cstate="print">
+            <a:extLst>
+              <a:ext uri="{28A0092B-C50C-407E-A947-70E740481C1C}">
+                <a14:useLocalDpi xmlns:a14="http://schemas.microsoft.com/office/drawing/2010/main" val="0"/>
+              </a:ext>
+            </a:extLst>
+          </a:blip>
+          <a:stretch>
+            <a:fillRect/>
+          </a:stretch>
+        </p:blipFill>
+        <p:spPr>
+          <a:xfrm>
+            <a:off x="913774" y="1612024"/>
+            <a:ext cx="10280941" cy="2520138"/>
+          </a:xfrm>
+          <a:prstGeom prst="rect">
+            <a:avLst/>
+          </a:prstGeom>
+        </p:spPr>
+      </p:pic>
+      <p:sp>
+        <p:nvSpPr>
+          <p:cNvPr id="7" name="TextBox 6">
+            <a:extLst>
+              <a:ext uri="{FF2B5EF4-FFF2-40B4-BE49-F238E27FC236}">
+                <a16:creationId xmlns:a16="http://schemas.microsoft.com/office/drawing/2014/main" id="{4742490F-CBCF-4C91-B07A-A2EE01CB15BF}"/>
+              </a:ext>
+            </a:extLst>
+          </p:cNvPr>
+          <p:cNvSpPr txBox="1"/>
+          <p:nvPr/>
+        </p:nvSpPr>
+        <p:spPr>
+          <a:xfrm>
+            <a:off x="913773" y="4132162"/>
+            <a:ext cx="2088200" cy="369332"/>
+          </a:xfrm>
+          <a:prstGeom prst="rect">
+            <a:avLst/>
+          </a:prstGeom>
+          <a:noFill/>
+        </p:spPr>
+        <p:txBody>
+          <a:bodyPr wrap="none" rtlCol="0">
+            <a:spAutoFit/>
+          </a:bodyPr>
+          <a:lstStyle/>
+          <a:p>
+            <a:r>
+              <a:rPr lang="en-GB" dirty="0"/>
+              <a:t>Volcanic level design</a:t>
+            </a:r>
+          </a:p>
+        </p:txBody>
+      </p:sp>
+      <p:sp>
+        <p:nvSpPr>
+          <p:cNvPr id="8" name="TextBox 7">
+            <a:extLst>
+              <a:ext uri="{FF2B5EF4-FFF2-40B4-BE49-F238E27FC236}">
+                <a16:creationId xmlns:a16="http://schemas.microsoft.com/office/drawing/2014/main" id="{CD044DCD-4512-42D1-9004-B79AF17D8F5D}"/>
+              </a:ext>
+            </a:extLst>
+          </p:cNvPr>
+          <p:cNvSpPr txBox="1"/>
+          <p:nvPr/>
+        </p:nvSpPr>
+        <p:spPr>
+          <a:xfrm>
+            <a:off x="9792181" y="4553411"/>
+            <a:ext cx="2095254" cy="369332"/>
+          </a:xfrm>
+          <a:prstGeom prst="rect">
+            <a:avLst/>
+          </a:prstGeom>
+          <a:noFill/>
+        </p:spPr>
+        <p:txBody>
+          <a:bodyPr wrap="none" rtlCol="0">
+            <a:spAutoFit/>
+          </a:bodyPr>
+          <a:lstStyle/>
+          <a:p>
+            <a:r>
+              <a:rPr lang="en-GB" dirty="0"/>
+              <a:t>Original Concept art</a:t>
+            </a:r>
+          </a:p>
+        </p:txBody>
+      </p:sp>
     </p:spTree>
     <p:extLst>
       <p:ext uri="{BB962C8B-B14F-4D97-AF65-F5344CB8AC3E}">
-        <p14:creationId xmlns:p14="http://schemas.microsoft.com/office/powerpoint/2010/main" val="1490367999"/>
+        <p14:creationId xmlns:p14="http://schemas.microsoft.com/office/powerpoint/2010/main" val="642039461"/>
       </p:ext>
     </p:extLst>
   </p:cSld>
   <p:clrMapOvr>
     <a:masterClrMapping/>
   </p:clrMapOvr>
-  <p:transition spd="med">
-    <p:pull dir="u"/>
-  </p:transition>
   <p:timing>
     <p:tnLst>
       <p:par>
-        <p:cTn id="1" dur="indefinite" restart="never" nodeType="tmRoot"/>
+        <p:cTn id="1" dur="indefinite" restart="never" nodeType="tmRoot">
+          <p:childTnLst>
+            <p:seq concurrent="1" nextAc="seek">
+              <p:cTn id="2" dur="indefinite" nodeType="mainSeq">
+                <p:childTnLst>
+                  <p:par>
+                    <p:cTn id="3" fill="hold">
+                      <p:stCondLst>
+                        <p:cond delay="indefinite"/>
+                      </p:stCondLst>
+                      <p:childTnLst>
+                        <p:par>
+                          <p:cTn id="4" fill="hold">
+                            <p:stCondLst>
+                              <p:cond delay="0"/>
+                            </p:stCondLst>
+                            <p:childTnLst>
+                              <p:par>
+                                <p:cTn id="5" presetID="2" presetClass="entr" presetSubtype="4" fill="hold" nodeType="clickEffect">
+                                  <p:stCondLst>
+                                    <p:cond delay="0"/>
+                                  </p:stCondLst>
+                                  <p:childTnLst>
+                                    <p:set>
+                                      <p:cBhvr>
+                                        <p:cTn id="6" dur="1" fill="hold">
+                                          <p:stCondLst>
+                                            <p:cond delay="0"/>
+                                          </p:stCondLst>
+                                        </p:cTn>
+                                        <p:tgtEl>
+                                          <p:spTgt spid="6"/>
+                                        </p:tgtEl>
+                                        <p:attrNameLst>
+                                          <p:attrName>style.visibility</p:attrName>
+                                        </p:attrNameLst>
+                                      </p:cBhvr>
+                                      <p:to>
+                                        <p:strVal val="visible"/>
+                                      </p:to>
+                                    </p:set>
+                                    <p:anim calcmode="lin" valueType="num">
+                                      <p:cBhvr additive="base">
+                                        <p:cTn id="7" dur="500" fill="hold"/>
+                                        <p:tgtEl>
+                                          <p:spTgt spid="6"/>
+                                        </p:tgtEl>
+                                        <p:attrNameLst>
+                                          <p:attrName>ppt_x</p:attrName>
+                                        </p:attrNameLst>
+                                      </p:cBhvr>
+                                      <p:tavLst>
+                                        <p:tav tm="0">
+                                          <p:val>
+                                            <p:strVal val="#ppt_x"/>
+                                          </p:val>
+                                        </p:tav>
+                                        <p:tav tm="100000">
+                                          <p:val>
+                                            <p:strVal val="#ppt_x"/>
+                                          </p:val>
+                                        </p:tav>
+                                      </p:tavLst>
+                                    </p:anim>
+                                    <p:anim calcmode="lin" valueType="num">
+                                      <p:cBhvr additive="base">
+                                        <p:cTn id="8" dur="500" fill="hold"/>
+                                        <p:tgtEl>
+                                          <p:spTgt spid="6"/>
+                                        </p:tgtEl>
+                                        <p:attrNameLst>
+                                          <p:attrName>ppt_y</p:attrName>
+                                        </p:attrNameLst>
+                                      </p:cBhvr>
+                                      <p:tavLst>
+                                        <p:tav tm="0">
+                                          <p:val>
+                                            <p:strVal val="1+#ppt_h/2"/>
+                                          </p:val>
+                                        </p:tav>
+                                        <p:tav tm="100000">
+                                          <p:val>
+                                            <p:strVal val="#ppt_y"/>
+                                          </p:val>
+                                        </p:tav>
+                                      </p:tavLst>
+                                    </p:anim>
+                                  </p:childTnLst>
+                                </p:cTn>
+                              </p:par>
+                            </p:childTnLst>
+                          </p:cTn>
+                        </p:par>
+                      </p:childTnLst>
+                    </p:cTn>
+                  </p:par>
+                  <p:par>
+                    <p:cTn id="9" fill="hold">
+                      <p:stCondLst>
+                        <p:cond delay="indefinite"/>
+                      </p:stCondLst>
+                      <p:childTnLst>
+                        <p:par>
+                          <p:cTn id="10" fill="hold">
+                            <p:stCondLst>
+                              <p:cond delay="0"/>
+                            </p:stCondLst>
+                            <p:childTnLst>
+                              <p:par>
+                                <p:cTn id="11" presetID="2" presetClass="entr" presetSubtype="4" fill="hold" grpId="0" nodeType="clickEffect">
+                                  <p:stCondLst>
+                                    <p:cond delay="0"/>
+                                  </p:stCondLst>
+                                  <p:childTnLst>
+                                    <p:set>
+                                      <p:cBhvr>
+                                        <p:cTn id="12" dur="1" fill="hold">
+                                          <p:stCondLst>
+                                            <p:cond delay="0"/>
+                                          </p:stCondLst>
+                                        </p:cTn>
+                                        <p:tgtEl>
+                                          <p:spTgt spid="7"/>
+                                        </p:tgtEl>
+                                        <p:attrNameLst>
+                                          <p:attrName>style.visibility</p:attrName>
+                                        </p:attrNameLst>
+                                      </p:cBhvr>
+                                      <p:to>
+                                        <p:strVal val="visible"/>
+                                      </p:to>
+                                    </p:set>
+                                    <p:anim calcmode="lin" valueType="num">
+                                      <p:cBhvr additive="base">
+                                        <p:cTn id="13" dur="500" fill="hold"/>
+                                        <p:tgtEl>
+                                          <p:spTgt spid="7"/>
+                                        </p:tgtEl>
+                                        <p:attrNameLst>
+                                          <p:attrName>ppt_x</p:attrName>
+                                        </p:attrNameLst>
+                                      </p:cBhvr>
+                                      <p:tavLst>
+                                        <p:tav tm="0">
+                                          <p:val>
+                                            <p:strVal val="#ppt_x"/>
+                                          </p:val>
+                                        </p:tav>
+                                        <p:tav tm="100000">
+                                          <p:val>
+                                            <p:strVal val="#ppt_x"/>
+                                          </p:val>
+                                        </p:tav>
+                                      </p:tavLst>
+                                    </p:anim>
+                                    <p:anim calcmode="lin" valueType="num">
+                                      <p:cBhvr additive="base">
+                                        <p:cTn id="14" dur="500" fill="hold"/>
+                                        <p:tgtEl>
+                                          <p:spTgt spid="7"/>
+                                        </p:tgtEl>
+                                        <p:attrNameLst>
+                                          <p:attrName>ppt_y</p:attrName>
+                                        </p:attrNameLst>
+                                      </p:cBhvr>
+                                      <p:tavLst>
+                                        <p:tav tm="0">
+                                          <p:val>
+                                            <p:strVal val="1+#ppt_h/2"/>
+                                          </p:val>
+                                        </p:tav>
+                                        <p:tav tm="100000">
+                                          <p:val>
+                                            <p:strVal val="#ppt_y"/>
+                                          </p:val>
+                                        </p:tav>
+                                      </p:tavLst>
+                                    </p:anim>
+                                  </p:childTnLst>
+                                </p:cTn>
+                              </p:par>
+                            </p:childTnLst>
+                          </p:cTn>
+                        </p:par>
+                      </p:childTnLst>
+                    </p:cTn>
+                  </p:par>
+                  <p:par>
+                    <p:cTn id="15" fill="hold">
+                      <p:stCondLst>
+                        <p:cond delay="indefinite"/>
+                      </p:stCondLst>
+                      <p:childTnLst>
+                        <p:par>
+                          <p:cTn id="16" fill="hold">
+                            <p:stCondLst>
+                              <p:cond delay="0"/>
+                            </p:stCondLst>
+                            <p:childTnLst>
+                              <p:par>
+                                <p:cTn id="17" presetID="2" presetClass="entr" presetSubtype="4" fill="hold" nodeType="clickEffect">
+                                  <p:stCondLst>
+                                    <p:cond delay="0"/>
+                                  </p:stCondLst>
+                                  <p:childTnLst>
+                                    <p:set>
+                                      <p:cBhvr>
+                                        <p:cTn id="18" dur="1" fill="hold">
+                                          <p:stCondLst>
+                                            <p:cond delay="0"/>
+                                          </p:stCondLst>
+                                        </p:cTn>
+                                        <p:tgtEl>
+                                          <p:spTgt spid="4"/>
+                                        </p:tgtEl>
+                                        <p:attrNameLst>
+                                          <p:attrName>style.visibility</p:attrName>
+                                        </p:attrNameLst>
+                                      </p:cBhvr>
+                                      <p:to>
+                                        <p:strVal val="visible"/>
+                                      </p:to>
+                                    </p:set>
+                                    <p:anim calcmode="lin" valueType="num">
+                                      <p:cBhvr additive="base">
+                                        <p:cTn id="19" dur="500" fill="hold"/>
+                                        <p:tgtEl>
+                                          <p:spTgt spid="4"/>
+                                        </p:tgtEl>
+                                        <p:attrNameLst>
+                                          <p:attrName>ppt_x</p:attrName>
+                                        </p:attrNameLst>
+                                      </p:cBhvr>
+                                      <p:tavLst>
+                                        <p:tav tm="0">
+                                          <p:val>
+                                            <p:strVal val="#ppt_x"/>
+                                          </p:val>
+                                        </p:tav>
+                                        <p:tav tm="100000">
+                                          <p:val>
+                                            <p:strVal val="#ppt_x"/>
+                                          </p:val>
+                                        </p:tav>
+                                      </p:tavLst>
+                                    </p:anim>
+                                    <p:anim calcmode="lin" valueType="num">
+                                      <p:cBhvr additive="base">
+                                        <p:cTn id="20" dur="500" fill="hold"/>
+                                        <p:tgtEl>
+                                          <p:spTgt spid="4"/>
+                                        </p:tgtEl>
+                                        <p:attrNameLst>
+                                          <p:attrName>ppt_y</p:attrName>
+                                        </p:attrNameLst>
+                                      </p:cBhvr>
+                                      <p:tavLst>
+                                        <p:tav tm="0">
+                                          <p:val>
+                                            <p:strVal val="1+#ppt_h/2"/>
+                                          </p:val>
+                                        </p:tav>
+                                        <p:tav tm="100000">
+                                          <p:val>
+                                            <p:strVal val="#ppt_y"/>
+                                          </p:val>
+                                        </p:tav>
+                                      </p:tavLst>
+                                    </p:anim>
+                                  </p:childTnLst>
+                                </p:cTn>
+                              </p:par>
+                            </p:childTnLst>
+                          </p:cTn>
+                        </p:par>
+                      </p:childTnLst>
+                    </p:cTn>
+                  </p:par>
+                  <p:par>
+                    <p:cTn id="21" fill="hold">
+                      <p:stCondLst>
+                        <p:cond delay="indefinite"/>
+                      </p:stCondLst>
+                      <p:childTnLst>
+                        <p:par>
+                          <p:cTn id="22" fill="hold">
+                            <p:stCondLst>
+                              <p:cond delay="0"/>
+                            </p:stCondLst>
+                            <p:childTnLst>
+                              <p:par>
+                                <p:cTn id="23" presetID="2" presetClass="entr" presetSubtype="4" fill="hold" grpId="0" nodeType="clickEffect">
+                                  <p:stCondLst>
+                                    <p:cond delay="0"/>
+                                  </p:stCondLst>
+                                  <p:childTnLst>
+                                    <p:set>
+                                      <p:cBhvr>
+                                        <p:cTn id="24" dur="1" fill="hold">
+                                          <p:stCondLst>
+                                            <p:cond delay="0"/>
+                                          </p:stCondLst>
+                                        </p:cTn>
+                                        <p:tgtEl>
+                                          <p:spTgt spid="8"/>
+                                        </p:tgtEl>
+                                        <p:attrNameLst>
+                                          <p:attrName>style.visibility</p:attrName>
+                                        </p:attrNameLst>
+                                      </p:cBhvr>
+                                      <p:to>
+                                        <p:strVal val="visible"/>
+                                      </p:to>
+                                    </p:set>
+                                    <p:anim calcmode="lin" valueType="num">
+                                      <p:cBhvr additive="base">
+                                        <p:cTn id="25" dur="500" fill="hold"/>
+                                        <p:tgtEl>
+                                          <p:spTgt spid="8"/>
+                                        </p:tgtEl>
+                                        <p:attrNameLst>
+                                          <p:attrName>ppt_x</p:attrName>
+                                        </p:attrNameLst>
+                                      </p:cBhvr>
+                                      <p:tavLst>
+                                        <p:tav tm="0">
+                                          <p:val>
+                                            <p:strVal val="#ppt_x"/>
+                                          </p:val>
+                                        </p:tav>
+                                        <p:tav tm="100000">
+                                          <p:val>
+                                            <p:strVal val="#ppt_x"/>
+                                          </p:val>
+                                        </p:tav>
+                                      </p:tavLst>
+                                    </p:anim>
+                                    <p:anim calcmode="lin" valueType="num">
+                                      <p:cBhvr additive="base">
+                                        <p:cTn id="26" dur="500" fill="hold"/>
+                                        <p:tgtEl>
+                                          <p:spTgt spid="8"/>
+                                        </p:tgtEl>
+                                        <p:attrNameLst>
+                                          <p:attrName>ppt_y</p:attrName>
+                                        </p:attrNameLst>
+                                      </p:cBhvr>
+                                      <p:tavLst>
+                                        <p:tav tm="0">
+                                          <p:val>
+                                            <p:strVal val="1+#ppt_h/2"/>
+                                          </p:val>
+                                        </p:tav>
+                                        <p:tav tm="100000">
+                                          <p:val>
+                                            <p:strVal val="#ppt_y"/>
+                                          </p:val>
+                                        </p:tav>
+                                      </p:tavLst>
+                                    </p:anim>
+                                  </p:childTnLst>
+                                </p:cTn>
+                              </p:par>
+                            </p:childTnLst>
+                          </p:cTn>
+                        </p:par>
+                      </p:childTnLst>
+                    </p:cTn>
+                  </p:par>
+                </p:childTnLst>
+              </p:cTn>
+              <p:prevCondLst>
+                <p:cond evt="onPrev" delay="0">
+                  <p:tgtEl>
+                    <p:sldTgt/>
+                  </p:tgtEl>
+                </p:cond>
+              </p:prevCondLst>
+              <p:nextCondLst>
+                <p:cond evt="onNext" delay="0">
+                  <p:tgtEl>
+                    <p:sldTgt/>
+                  </p:tgtEl>
+                </p:cond>
+              </p:nextCondLst>
+            </p:seq>
+          </p:childTnLst>
+        </p:cTn>
       </p:par>
     </p:tnLst>
+    <p:bldLst>
+      <p:bldP spid="7" grpId="0"/>
+      <p:bldP spid="8" grpId="0"/>
+    </p:bldLst>
   </p:timing>
 </p:sld>
 </file>
@@ -19659,13 +21125,6 @@
       </p:transition>
     </mc:Fallback>
   </mc:AlternateContent>
-  <p:timing>
-    <p:tnLst>
-      <p:par>
-        <p:cTn id="1" dur="indefinite" restart="never" nodeType="tmRoot"/>
-      </p:par>
-    </p:tnLst>
-  </p:timing>
 </p:sld>
 </file>
 

--- a/TeamDocs/WordDocs/Presentation/JelBlob_Presentation_AW.pptx
+++ b/TeamDocs/WordDocs/Presentation/JelBlob_Presentation_AW.pptx
@@ -215,7 +215,7 @@
           <a:p>
             <a:fld id="{9143A75C-4E93-4E57-8FE0-0B5536F2214D}" type="datetimeFigureOut">
               <a:rPr lang="en-US" smtClean="0"/>
-              <a:t>11/11/2017</a:t>
+              <a:t>11/20/2017</a:t>
             </a:fld>
             <a:endParaRPr lang="en-US"/>
           </a:p>
@@ -1482,6 +1482,12 @@
             </a:r>
           </a:p>
           <a:p>
+            <a:r>
+              <a:rPr lang="en-GB" dirty="0"/>
+              <a:t>// Slide Done by Kenny</a:t>
+            </a:r>
+          </a:p>
+          <a:p>
             <a:endParaRPr lang="en-US" dirty="0"/>
           </a:p>
         </p:txBody>
@@ -1584,6 +1590,14 @@
             </a:r>
           </a:p>
           <a:p>
+            <a:r>
+              <a:rPr lang="en-US" dirty="0"/>
+              <a:t>// Slide</a:t>
+            </a:r>
+            <a:r>
+              <a:rPr lang="en-US" baseline="0" dirty="0"/>
+              <a:t> done by Kenny</a:t>
+            </a:r>
             <a:endParaRPr lang="en-US" dirty="0"/>
           </a:p>
         </p:txBody>
@@ -2114,7 +2128,7 @@
           <a:p>
             <a:fld id="{349AB840-55CF-4B95-A905-70A2B172BCA3}" type="datetimeFigureOut">
               <a:rPr lang="en-GB" smtClean="0"/>
-              <a:t>11/11/2017</a:t>
+              <a:t>20/11/2017</a:t>
             </a:fld>
             <a:endParaRPr lang="en-GB"/>
           </a:p>
@@ -2426,7 +2440,7 @@
           <a:p>
             <a:fld id="{349AB840-55CF-4B95-A905-70A2B172BCA3}" type="datetimeFigureOut">
               <a:rPr lang="en-GB" smtClean="0"/>
-              <a:t>11/11/2017</a:t>
+              <a:t>20/11/2017</a:t>
             </a:fld>
             <a:endParaRPr lang="en-GB"/>
           </a:p>
@@ -2648,7 +2662,7 @@
           <a:p>
             <a:fld id="{349AB840-55CF-4B95-A905-70A2B172BCA3}" type="datetimeFigureOut">
               <a:rPr lang="en-GB" smtClean="0"/>
-              <a:t>11/11/2017</a:t>
+              <a:t>20/11/2017</a:t>
             </a:fld>
             <a:endParaRPr lang="en-GB"/>
           </a:p>
@@ -2939,7 +2953,7 @@
           <a:p>
             <a:fld id="{349AB840-55CF-4B95-A905-70A2B172BCA3}" type="datetimeFigureOut">
               <a:rPr lang="en-GB" smtClean="0"/>
-              <a:t>11/11/2017</a:t>
+              <a:t>20/11/2017</a:t>
             </a:fld>
             <a:endParaRPr lang="en-GB"/>
           </a:p>
@@ -3393,7 +3407,7 @@
           <a:p>
             <a:fld id="{349AB840-55CF-4B95-A905-70A2B172BCA3}" type="datetimeFigureOut">
               <a:rPr lang="en-GB" smtClean="0"/>
-              <a:t>11/11/2017</a:t>
+              <a:t>20/11/2017</a:t>
             </a:fld>
             <a:endParaRPr lang="en-GB"/>
           </a:p>
@@ -3969,7 +3983,7 @@
           <a:p>
             <a:fld id="{349AB840-55CF-4B95-A905-70A2B172BCA3}" type="datetimeFigureOut">
               <a:rPr lang="en-GB" smtClean="0"/>
-              <a:t>11/11/2017</a:t>
+              <a:t>20/11/2017</a:t>
             </a:fld>
             <a:endParaRPr lang="en-GB"/>
           </a:p>
@@ -4821,7 +4835,7 @@
           <a:p>
             <a:fld id="{349AB840-55CF-4B95-A905-70A2B172BCA3}" type="datetimeFigureOut">
               <a:rPr lang="en-GB" smtClean="0"/>
-              <a:t>11/11/2017</a:t>
+              <a:t>20/11/2017</a:t>
             </a:fld>
             <a:endParaRPr lang="en-GB"/>
           </a:p>
@@ -5026,7 +5040,7 @@
           <a:p>
             <a:fld id="{349AB840-55CF-4B95-A905-70A2B172BCA3}" type="datetimeFigureOut">
               <a:rPr lang="en-GB" smtClean="0"/>
-              <a:t>11/11/2017</a:t>
+              <a:t>20/11/2017</a:t>
             </a:fld>
             <a:endParaRPr lang="en-GB"/>
           </a:p>
@@ -5240,7 +5254,7 @@
           <a:p>
             <a:fld id="{349AB840-55CF-4B95-A905-70A2B172BCA3}" type="datetimeFigureOut">
               <a:rPr lang="en-GB" smtClean="0"/>
-              <a:t>11/11/2017</a:t>
+              <a:t>20/11/2017</a:t>
             </a:fld>
             <a:endParaRPr lang="en-GB"/>
           </a:p>
@@ -5445,7 +5459,7 @@
           <a:p>
             <a:fld id="{349AB840-55CF-4B95-A905-70A2B172BCA3}" type="datetimeFigureOut">
               <a:rPr lang="en-GB" smtClean="0"/>
-              <a:t>11/11/2017</a:t>
+              <a:t>20/11/2017</a:t>
             </a:fld>
             <a:endParaRPr lang="en-GB"/>
           </a:p>
@@ -5725,7 +5739,7 @@
           <a:p>
             <a:fld id="{349AB840-55CF-4B95-A905-70A2B172BCA3}" type="datetimeFigureOut">
               <a:rPr lang="en-GB" smtClean="0"/>
-              <a:t>11/11/2017</a:t>
+              <a:t>20/11/2017</a:t>
             </a:fld>
             <a:endParaRPr lang="en-GB"/>
           </a:p>
@@ -5992,7 +6006,7 @@
           <a:p>
             <a:fld id="{349AB840-55CF-4B95-A905-70A2B172BCA3}" type="datetimeFigureOut">
               <a:rPr lang="en-GB" smtClean="0"/>
-              <a:t>11/11/2017</a:t>
+              <a:t>20/11/2017</a:t>
             </a:fld>
             <a:endParaRPr lang="en-GB"/>
           </a:p>
@@ -6407,7 +6421,7 @@
           <a:p>
             <a:fld id="{349AB840-55CF-4B95-A905-70A2B172BCA3}" type="datetimeFigureOut">
               <a:rPr lang="en-GB" smtClean="0"/>
-              <a:t>11/11/2017</a:t>
+              <a:t>20/11/2017</a:t>
             </a:fld>
             <a:endParaRPr lang="en-GB"/>
           </a:p>
@@ -6555,7 +6569,7 @@
           <a:p>
             <a:fld id="{349AB840-55CF-4B95-A905-70A2B172BCA3}" type="datetimeFigureOut">
               <a:rPr lang="en-GB" smtClean="0"/>
-              <a:t>11/11/2017</a:t>
+              <a:t>20/11/2017</a:t>
             </a:fld>
             <a:endParaRPr lang="en-GB"/>
           </a:p>
@@ -6680,7 +6694,7 @@
           <a:p>
             <a:fld id="{349AB840-55CF-4B95-A905-70A2B172BCA3}" type="datetimeFigureOut">
               <a:rPr lang="en-GB" smtClean="0"/>
-              <a:t>11/11/2017</a:t>
+              <a:t>20/11/2017</a:t>
             </a:fld>
             <a:endParaRPr lang="en-GB"/>
           </a:p>
@@ -6959,7 +6973,7 @@
           <a:p>
             <a:fld id="{349AB840-55CF-4B95-A905-70A2B172BCA3}" type="datetimeFigureOut">
               <a:rPr lang="en-GB" smtClean="0"/>
-              <a:t>11/11/2017</a:t>
+              <a:t>20/11/2017</a:t>
             </a:fld>
             <a:endParaRPr lang="en-GB"/>
           </a:p>
@@ -7271,7 +7285,7 @@
           <a:p>
             <a:fld id="{349AB840-55CF-4B95-A905-70A2B172BCA3}" type="datetimeFigureOut">
               <a:rPr lang="en-GB" smtClean="0"/>
-              <a:t>11/11/2017</a:t>
+              <a:t>20/11/2017</a:t>
             </a:fld>
             <a:endParaRPr lang="en-GB"/>
           </a:p>
@@ -7524,7 +7538,7 @@
           <a:p>
             <a:fld id="{349AB840-55CF-4B95-A905-70A2B172BCA3}" type="datetimeFigureOut">
               <a:rPr lang="en-GB" smtClean="0"/>
-              <a:t>11/11/2017</a:t>
+              <a:t>20/11/2017</a:t>
             </a:fld>
             <a:endParaRPr lang="en-GB"/>
           </a:p>
@@ -8655,26 +8669,480 @@
       </p:sp>
       <p:sp>
         <p:nvSpPr>
-          <p:cNvPr id="3" name="Content Placeholder 2"/>
-          <p:cNvSpPr>
-            <a:spLocks noGrp="1"/>
-          </p:cNvSpPr>
-          <p:nvPr>
-            <p:ph sz="quarter" idx="13"/>
-          </p:nvPr>
+          <p:cNvPr id="4" name="TextBox 3">
+            <a:extLst>
+              <a:ext uri="{FF2B5EF4-FFF2-40B4-BE49-F238E27FC236}">
+                <a16:creationId xmlns:a16="http://schemas.microsoft.com/office/drawing/2014/main" id="{4DE2D4F4-1953-401E-A4C5-4424E57DC6CF}"/>
+              </a:ext>
+            </a:extLst>
+          </p:cNvPr>
+          <p:cNvSpPr txBox="1"/>
+          <p:nvPr/>
         </p:nvSpPr>
-        <p:spPr/>
+        <p:spPr>
+          <a:xfrm>
+            <a:off x="3403955" y="2214694"/>
+            <a:ext cx="5384089" cy="369332"/>
+          </a:xfrm>
+          <a:prstGeom prst="rect">
+            <a:avLst/>
+          </a:prstGeom>
+        </p:spPr>
+        <p:style>
+          <a:lnRef idx="2">
+            <a:schemeClr val="accent5">
+              <a:shade val="50000"/>
+            </a:schemeClr>
+          </a:lnRef>
+          <a:fillRef idx="1">
+            <a:schemeClr val="accent5"/>
+          </a:fillRef>
+          <a:effectRef idx="0">
+            <a:schemeClr val="accent5"/>
+          </a:effectRef>
+          <a:fontRef idx="minor">
+            <a:schemeClr val="lt1"/>
+          </a:fontRef>
+        </p:style>
         <p:txBody>
-          <a:bodyPr/>
+          <a:bodyPr wrap="square" rtlCol="0">
+            <a:spAutoFit/>
+          </a:bodyPr>
           <a:lstStyle/>
           <a:p>
+            <a:pPr algn="ctr"/>
             <a:r>
               <a:rPr lang="en-GB" dirty="0"/>
-              <a:t>[Talk about what the team has learnt during the course of the project]</a:t>
-            </a:r>
+              <a:t>The importance of </a:t>
+            </a:r>
+            <a:r>
+              <a:rPr lang="en-GB" b="1" dirty="0"/>
+              <a:t>Communication</a:t>
+            </a:r>
+            <a:r>
+              <a:rPr lang="en-GB" dirty="0"/>
+              <a:t> and </a:t>
+            </a:r>
+            <a:r>
+              <a:rPr lang="en-GB" b="1" dirty="0"/>
+              <a:t>Teamwork</a:t>
+            </a:r>
+            <a:endParaRPr lang="en-US" b="1" dirty="0"/>
           </a:p>
         </p:txBody>
       </p:sp>
+      <p:sp>
+        <p:nvSpPr>
+          <p:cNvPr id="5" name="TextBox 4">
+            <a:extLst>
+              <a:ext uri="{FF2B5EF4-FFF2-40B4-BE49-F238E27FC236}">
+                <a16:creationId xmlns:a16="http://schemas.microsoft.com/office/drawing/2014/main" id="{9F8555E8-4D99-45CD-92D9-751F7DA03C69}"/>
+              </a:ext>
+            </a:extLst>
+          </p:cNvPr>
+          <p:cNvSpPr txBox="1"/>
+          <p:nvPr/>
+        </p:nvSpPr>
+        <p:spPr>
+          <a:xfrm>
+            <a:off x="2809275" y="2686336"/>
+            <a:ext cx="6573448" cy="646331"/>
+          </a:xfrm>
+          <a:prstGeom prst="rect">
+            <a:avLst/>
+          </a:prstGeom>
+        </p:spPr>
+        <p:style>
+          <a:lnRef idx="2">
+            <a:schemeClr val="accent4">
+              <a:shade val="50000"/>
+            </a:schemeClr>
+          </a:lnRef>
+          <a:fillRef idx="1">
+            <a:schemeClr val="accent4"/>
+          </a:fillRef>
+          <a:effectRef idx="0">
+            <a:schemeClr val="accent4"/>
+          </a:effectRef>
+          <a:fontRef idx="minor">
+            <a:schemeClr val="lt1"/>
+          </a:fontRef>
+        </p:style>
+        <p:txBody>
+          <a:bodyPr wrap="square" rtlCol="0">
+            <a:spAutoFit/>
+          </a:bodyPr>
+          <a:lstStyle/>
+          <a:p>
+            <a:pPr algn="ctr"/>
+            <a:r>
+              <a:rPr lang="en-GB" dirty="0"/>
+              <a:t>Gained </a:t>
+            </a:r>
+            <a:r>
+              <a:rPr lang="en-GB" b="1" dirty="0"/>
+              <a:t>experience using</a:t>
+            </a:r>
+            <a:r>
+              <a:rPr lang="en-GB" dirty="0"/>
+              <a:t> different software's and </a:t>
+            </a:r>
+            <a:r>
+              <a:rPr lang="en-GB" b="1" dirty="0"/>
+              <a:t>implementing</a:t>
+            </a:r>
+            <a:r>
+              <a:rPr lang="en-GB" dirty="0"/>
+              <a:t> their different uses.</a:t>
+            </a:r>
+            <a:endParaRPr lang="en-US" dirty="0"/>
+          </a:p>
+        </p:txBody>
+      </p:sp>
+      <p:sp>
+        <p:nvSpPr>
+          <p:cNvPr id="6" name="TextBox 5">
+            <a:extLst>
+              <a:ext uri="{FF2B5EF4-FFF2-40B4-BE49-F238E27FC236}">
+                <a16:creationId xmlns:a16="http://schemas.microsoft.com/office/drawing/2014/main" id="{23A249B5-3AEC-4DB6-B81E-F259FD4B4C32}"/>
+              </a:ext>
+            </a:extLst>
+          </p:cNvPr>
+          <p:cNvSpPr txBox="1"/>
+          <p:nvPr/>
+        </p:nvSpPr>
+        <p:spPr>
+          <a:xfrm>
+            <a:off x="2161308" y="3434977"/>
+            <a:ext cx="7903485" cy="646331"/>
+          </a:xfrm>
+          <a:prstGeom prst="rect">
+            <a:avLst/>
+          </a:prstGeom>
+        </p:spPr>
+        <p:style>
+          <a:lnRef idx="2">
+            <a:schemeClr val="accent3">
+              <a:shade val="50000"/>
+            </a:schemeClr>
+          </a:lnRef>
+          <a:fillRef idx="1">
+            <a:schemeClr val="accent3"/>
+          </a:fillRef>
+          <a:effectRef idx="0">
+            <a:schemeClr val="accent3"/>
+          </a:effectRef>
+          <a:fontRef idx="minor">
+            <a:schemeClr val="lt1"/>
+          </a:fontRef>
+        </p:style>
+        <p:txBody>
+          <a:bodyPr wrap="square" rtlCol="0">
+            <a:spAutoFit/>
+          </a:bodyPr>
+          <a:lstStyle/>
+          <a:p>
+            <a:pPr algn="ctr"/>
+            <a:r>
+              <a:rPr lang="en-GB" dirty="0"/>
+              <a:t>Creating an </a:t>
+            </a:r>
+            <a:r>
+              <a:rPr lang="en-GB" b="1" dirty="0"/>
+              <a:t>organization of files and assets</a:t>
+            </a:r>
+            <a:r>
+              <a:rPr lang="en-GB" dirty="0"/>
+              <a:t> to which a group can get access to and upload / replace.</a:t>
+            </a:r>
+            <a:endParaRPr lang="en-US" dirty="0"/>
+          </a:p>
+        </p:txBody>
+      </p:sp>
+      <p:sp>
+        <p:nvSpPr>
+          <p:cNvPr id="7" name="TextBox 6">
+            <a:extLst>
+              <a:ext uri="{FF2B5EF4-FFF2-40B4-BE49-F238E27FC236}">
+                <a16:creationId xmlns:a16="http://schemas.microsoft.com/office/drawing/2014/main" id="{A2A7683E-7904-45DB-B4C1-DCF4BD281846}"/>
+              </a:ext>
+            </a:extLst>
+          </p:cNvPr>
+          <p:cNvSpPr txBox="1"/>
+          <p:nvPr/>
+        </p:nvSpPr>
+        <p:spPr>
+          <a:xfrm>
+            <a:off x="1355614" y="4207519"/>
+            <a:ext cx="9610792" cy="369332"/>
+          </a:xfrm>
+          <a:prstGeom prst="rect">
+            <a:avLst/>
+          </a:prstGeom>
+        </p:spPr>
+        <p:style>
+          <a:lnRef idx="2">
+            <a:schemeClr val="accent2">
+              <a:shade val="50000"/>
+            </a:schemeClr>
+          </a:lnRef>
+          <a:fillRef idx="1">
+            <a:schemeClr val="accent2"/>
+          </a:fillRef>
+          <a:effectRef idx="0">
+            <a:schemeClr val="accent2"/>
+          </a:effectRef>
+          <a:fontRef idx="minor">
+            <a:schemeClr val="lt1"/>
+          </a:fontRef>
+        </p:style>
+        <p:txBody>
+          <a:bodyPr wrap="square" rtlCol="0">
+            <a:spAutoFit/>
+          </a:bodyPr>
+          <a:lstStyle/>
+          <a:p>
+            <a:pPr algn="ctr"/>
+            <a:r>
+              <a:rPr lang="en-GB" dirty="0"/>
+              <a:t>The appeal of </a:t>
+            </a:r>
+            <a:r>
+              <a:rPr lang="en-GB" b="1" dirty="0"/>
+              <a:t>Games Design</a:t>
+            </a:r>
+            <a:r>
+              <a:rPr lang="en-GB" dirty="0"/>
+              <a:t>; how to create an </a:t>
+            </a:r>
+            <a:r>
+              <a:rPr lang="en-GB" b="1" dirty="0"/>
+              <a:t>enjoyable experience for players</a:t>
+            </a:r>
+            <a:r>
+              <a:rPr lang="en-GB" dirty="0"/>
+              <a:t>.</a:t>
+            </a:r>
+            <a:endParaRPr lang="en-US" dirty="0"/>
+          </a:p>
+        </p:txBody>
+      </p:sp>
+      <p:pic>
+        <p:nvPicPr>
+          <p:cNvPr id="9" name="Picture 8">
+            <a:extLst>
+              <a:ext uri="{FF2B5EF4-FFF2-40B4-BE49-F238E27FC236}">
+                <a16:creationId xmlns:a16="http://schemas.microsoft.com/office/drawing/2014/main" id="{C8AC4472-50F8-485E-91E4-3B1020671168}"/>
+              </a:ext>
+            </a:extLst>
+          </p:cNvPr>
+          <p:cNvPicPr>
+            <a:picLocks noChangeAspect="1"/>
+          </p:cNvPicPr>
+          <p:nvPr/>
+        </p:nvPicPr>
+        <p:blipFill>
+          <a:blip r:embed="rId3" cstate="print">
+            <a:extLst>
+              <a:ext uri="{28A0092B-C50C-407E-A947-70E740481C1C}">
+                <a14:useLocalDpi xmlns:a14="http://schemas.microsoft.com/office/drawing/2010/main" val="0"/>
+              </a:ext>
+            </a:extLst>
+          </a:blip>
+          <a:stretch>
+            <a:fillRect/>
+          </a:stretch>
+        </p:blipFill>
+        <p:spPr>
+          <a:xfrm>
+            <a:off x="10228917" y="4576851"/>
+            <a:ext cx="1963083" cy="1963083"/>
+          </a:xfrm>
+          <a:prstGeom prst="rect">
+            <a:avLst/>
+          </a:prstGeom>
+        </p:spPr>
+      </p:pic>
+      <p:pic>
+        <p:nvPicPr>
+          <p:cNvPr id="10" name="Picture 9">
+            <a:extLst>
+              <a:ext uri="{FF2B5EF4-FFF2-40B4-BE49-F238E27FC236}">
+                <a16:creationId xmlns:a16="http://schemas.microsoft.com/office/drawing/2014/main" id="{25EE11AA-82FE-45B0-978F-D2D493F7B0A1}"/>
+              </a:ext>
+            </a:extLst>
+          </p:cNvPr>
+          <p:cNvPicPr>
+            <a:picLocks noChangeAspect="1"/>
+          </p:cNvPicPr>
+          <p:nvPr/>
+        </p:nvPicPr>
+        <p:blipFill>
+          <a:blip r:embed="rId3" cstate="print">
+            <a:extLst>
+              <a:ext uri="{28A0092B-C50C-407E-A947-70E740481C1C}">
+                <a14:useLocalDpi xmlns:a14="http://schemas.microsoft.com/office/drawing/2010/main" val="0"/>
+              </a:ext>
+            </a:extLst>
+          </a:blip>
+          <a:stretch>
+            <a:fillRect/>
+          </a:stretch>
+        </p:blipFill>
+        <p:spPr>
+          <a:xfrm>
+            <a:off x="8265834" y="4576850"/>
+            <a:ext cx="1963083" cy="1963083"/>
+          </a:xfrm>
+          <a:prstGeom prst="rect">
+            <a:avLst/>
+          </a:prstGeom>
+        </p:spPr>
+      </p:pic>
+      <p:pic>
+        <p:nvPicPr>
+          <p:cNvPr id="11" name="Picture 10">
+            <a:extLst>
+              <a:ext uri="{FF2B5EF4-FFF2-40B4-BE49-F238E27FC236}">
+                <a16:creationId xmlns:a16="http://schemas.microsoft.com/office/drawing/2014/main" id="{A977369C-0FA9-4102-88DD-B04FEB4A8316}"/>
+              </a:ext>
+            </a:extLst>
+          </p:cNvPr>
+          <p:cNvPicPr>
+            <a:picLocks noChangeAspect="1"/>
+          </p:cNvPicPr>
+          <p:nvPr/>
+        </p:nvPicPr>
+        <p:blipFill>
+          <a:blip r:embed="rId3" cstate="print">
+            <a:extLst>
+              <a:ext uri="{28A0092B-C50C-407E-A947-70E740481C1C}">
+                <a14:useLocalDpi xmlns:a14="http://schemas.microsoft.com/office/drawing/2010/main" val="0"/>
+              </a:ext>
+            </a:extLst>
+          </a:blip>
+          <a:stretch>
+            <a:fillRect/>
+          </a:stretch>
+        </p:blipFill>
+        <p:spPr>
+          <a:xfrm>
+            <a:off x="6302751" y="4576850"/>
+            <a:ext cx="1963083" cy="1963083"/>
+          </a:xfrm>
+          <a:prstGeom prst="rect">
+            <a:avLst/>
+          </a:prstGeom>
+        </p:spPr>
+      </p:pic>
+      <p:pic>
+        <p:nvPicPr>
+          <p:cNvPr id="12" name="Picture 11">
+            <a:extLst>
+              <a:ext uri="{FF2B5EF4-FFF2-40B4-BE49-F238E27FC236}">
+                <a16:creationId xmlns:a16="http://schemas.microsoft.com/office/drawing/2014/main" id="{D3B49769-1C4F-41E2-A898-7BA71F9C3F50}"/>
+              </a:ext>
+            </a:extLst>
+          </p:cNvPr>
+          <p:cNvPicPr>
+            <a:picLocks noChangeAspect="1"/>
+          </p:cNvPicPr>
+          <p:nvPr/>
+        </p:nvPicPr>
+        <p:blipFill>
+          <a:blip r:embed="rId3" cstate="print">
+            <a:extLst>
+              <a:ext uri="{28A0092B-C50C-407E-A947-70E740481C1C}">
+                <a14:useLocalDpi xmlns:a14="http://schemas.microsoft.com/office/drawing/2010/main" val="0"/>
+              </a:ext>
+            </a:extLst>
+          </a:blip>
+          <a:stretch>
+            <a:fillRect/>
+          </a:stretch>
+        </p:blipFill>
+        <p:spPr>
+          <a:xfrm>
+            <a:off x="4339668" y="4576850"/>
+            <a:ext cx="1963083" cy="1963083"/>
+          </a:xfrm>
+          <a:prstGeom prst="rect">
+            <a:avLst/>
+          </a:prstGeom>
+        </p:spPr>
+      </p:pic>
+      <p:pic>
+        <p:nvPicPr>
+          <p:cNvPr id="15" name="Picture 14">
+            <a:extLst>
+              <a:ext uri="{FF2B5EF4-FFF2-40B4-BE49-F238E27FC236}">
+                <a16:creationId xmlns:a16="http://schemas.microsoft.com/office/drawing/2014/main" id="{89988AD0-323E-4BCF-9F7A-C789FC678983}"/>
+              </a:ext>
+            </a:extLst>
+          </p:cNvPr>
+          <p:cNvPicPr>
+            <a:picLocks noChangeAspect="1"/>
+          </p:cNvPicPr>
+          <p:nvPr/>
+        </p:nvPicPr>
+        <p:blipFill>
+          <a:blip r:embed="rId3" cstate="print">
+            <a:extLst>
+              <a:ext uri="{28A0092B-C50C-407E-A947-70E740481C1C}">
+                <a14:useLocalDpi xmlns:a14="http://schemas.microsoft.com/office/drawing/2010/main" val="0"/>
+              </a:ext>
+            </a:extLst>
+          </a:blip>
+          <a:stretch>
+            <a:fillRect/>
+          </a:stretch>
+        </p:blipFill>
+        <p:spPr>
+          <a:xfrm>
+            <a:off x="2376585" y="4576850"/>
+            <a:ext cx="1963083" cy="1963083"/>
+          </a:xfrm>
+          <a:prstGeom prst="rect">
+            <a:avLst/>
+          </a:prstGeom>
+        </p:spPr>
+      </p:pic>
+      <p:pic>
+        <p:nvPicPr>
+          <p:cNvPr id="18" name="Picture 17">
+            <a:extLst>
+              <a:ext uri="{FF2B5EF4-FFF2-40B4-BE49-F238E27FC236}">
+                <a16:creationId xmlns:a16="http://schemas.microsoft.com/office/drawing/2014/main" id="{87E65F5B-FB9A-4C8D-8695-674FF982F83B}"/>
+              </a:ext>
+            </a:extLst>
+          </p:cNvPr>
+          <p:cNvPicPr>
+            <a:picLocks noChangeAspect="1"/>
+          </p:cNvPicPr>
+          <p:nvPr/>
+        </p:nvPicPr>
+        <p:blipFill>
+          <a:blip r:embed="rId4" cstate="print">
+            <a:extLst>
+              <a:ext uri="{28A0092B-C50C-407E-A947-70E740481C1C}">
+                <a14:useLocalDpi xmlns:a14="http://schemas.microsoft.com/office/drawing/2010/main" val="0"/>
+              </a:ext>
+            </a:extLst>
+          </a:blip>
+          <a:stretch>
+            <a:fillRect/>
+          </a:stretch>
+        </p:blipFill>
+        <p:spPr>
+          <a:xfrm>
+            <a:off x="444692" y="4576850"/>
+            <a:ext cx="1931893" cy="1931893"/>
+          </a:xfrm>
+          <a:prstGeom prst="rect">
+            <a:avLst/>
+          </a:prstGeom>
+        </p:spPr>
+      </p:pic>
     </p:spTree>
     <p:extLst>
       <p:ext uri="{BB962C8B-B14F-4D97-AF65-F5344CB8AC3E}">
@@ -8697,6 +9165,406 @@
       </p:transition>
     </mc:Fallback>
   </mc:AlternateContent>
+  <p:timing>
+    <p:tnLst>
+      <p:par>
+        <p:cTn id="1" dur="indefinite" restart="never" nodeType="tmRoot">
+          <p:childTnLst>
+            <p:seq concurrent="1" nextAc="seek">
+              <p:cTn id="2" dur="indefinite" nodeType="mainSeq">
+                <p:childTnLst>
+                  <p:par>
+                    <p:cTn id="3" fill="hold">
+                      <p:stCondLst>
+                        <p:cond delay="indefinite"/>
+                      </p:stCondLst>
+                      <p:childTnLst>
+                        <p:par>
+                          <p:cTn id="4" fill="hold">
+                            <p:stCondLst>
+                              <p:cond delay="0"/>
+                            </p:stCondLst>
+                            <p:childTnLst>
+                              <p:par>
+                                <p:cTn id="5" presetID="2" presetClass="entr" presetSubtype="4" fill="hold" grpId="0" nodeType="clickEffect">
+                                  <p:stCondLst>
+                                    <p:cond delay="0"/>
+                                  </p:stCondLst>
+                                  <p:childTnLst>
+                                    <p:set>
+                                      <p:cBhvr>
+                                        <p:cTn id="6" dur="1" fill="hold">
+                                          <p:stCondLst>
+                                            <p:cond delay="0"/>
+                                          </p:stCondLst>
+                                        </p:cTn>
+                                        <p:tgtEl>
+                                          <p:spTgt spid="7"/>
+                                        </p:tgtEl>
+                                        <p:attrNameLst>
+                                          <p:attrName>style.visibility</p:attrName>
+                                        </p:attrNameLst>
+                                      </p:cBhvr>
+                                      <p:to>
+                                        <p:strVal val="visible"/>
+                                      </p:to>
+                                    </p:set>
+                                    <p:anim calcmode="lin" valueType="num">
+                                      <p:cBhvr additive="base">
+                                        <p:cTn id="7" dur="500" fill="hold"/>
+                                        <p:tgtEl>
+                                          <p:spTgt spid="7"/>
+                                        </p:tgtEl>
+                                        <p:attrNameLst>
+                                          <p:attrName>ppt_x</p:attrName>
+                                        </p:attrNameLst>
+                                      </p:cBhvr>
+                                      <p:tavLst>
+                                        <p:tav tm="0">
+                                          <p:val>
+                                            <p:strVal val="#ppt_x"/>
+                                          </p:val>
+                                        </p:tav>
+                                        <p:tav tm="100000">
+                                          <p:val>
+                                            <p:strVal val="#ppt_x"/>
+                                          </p:val>
+                                        </p:tav>
+                                      </p:tavLst>
+                                    </p:anim>
+                                    <p:anim calcmode="lin" valueType="num">
+                                      <p:cBhvr additive="base">
+                                        <p:cTn id="8" dur="500" fill="hold"/>
+                                        <p:tgtEl>
+                                          <p:spTgt spid="7"/>
+                                        </p:tgtEl>
+                                        <p:attrNameLst>
+                                          <p:attrName>ppt_y</p:attrName>
+                                        </p:attrNameLst>
+                                      </p:cBhvr>
+                                      <p:tavLst>
+                                        <p:tav tm="0">
+                                          <p:val>
+                                            <p:strVal val="1+#ppt_h/2"/>
+                                          </p:val>
+                                        </p:tav>
+                                        <p:tav tm="100000">
+                                          <p:val>
+                                            <p:strVal val="#ppt_y"/>
+                                          </p:val>
+                                        </p:tav>
+                                      </p:tavLst>
+                                    </p:anim>
+                                  </p:childTnLst>
+                                </p:cTn>
+                              </p:par>
+                            </p:childTnLst>
+                          </p:cTn>
+                        </p:par>
+                      </p:childTnLst>
+                    </p:cTn>
+                  </p:par>
+                  <p:par>
+                    <p:cTn id="9" fill="hold">
+                      <p:stCondLst>
+                        <p:cond delay="indefinite"/>
+                      </p:stCondLst>
+                      <p:childTnLst>
+                        <p:par>
+                          <p:cTn id="10" fill="hold">
+                            <p:stCondLst>
+                              <p:cond delay="0"/>
+                            </p:stCondLst>
+                            <p:childTnLst>
+                              <p:par>
+                                <p:cTn id="11" presetID="2" presetClass="entr" presetSubtype="4" fill="hold" grpId="0" nodeType="clickEffect">
+                                  <p:stCondLst>
+                                    <p:cond delay="0"/>
+                                  </p:stCondLst>
+                                  <p:childTnLst>
+                                    <p:set>
+                                      <p:cBhvr>
+                                        <p:cTn id="12" dur="1" fill="hold">
+                                          <p:stCondLst>
+                                            <p:cond delay="0"/>
+                                          </p:stCondLst>
+                                        </p:cTn>
+                                        <p:tgtEl>
+                                          <p:spTgt spid="6"/>
+                                        </p:tgtEl>
+                                        <p:attrNameLst>
+                                          <p:attrName>style.visibility</p:attrName>
+                                        </p:attrNameLst>
+                                      </p:cBhvr>
+                                      <p:to>
+                                        <p:strVal val="visible"/>
+                                      </p:to>
+                                    </p:set>
+                                    <p:anim calcmode="lin" valueType="num">
+                                      <p:cBhvr additive="base">
+                                        <p:cTn id="13" dur="500" fill="hold"/>
+                                        <p:tgtEl>
+                                          <p:spTgt spid="6"/>
+                                        </p:tgtEl>
+                                        <p:attrNameLst>
+                                          <p:attrName>ppt_x</p:attrName>
+                                        </p:attrNameLst>
+                                      </p:cBhvr>
+                                      <p:tavLst>
+                                        <p:tav tm="0">
+                                          <p:val>
+                                            <p:strVal val="#ppt_x"/>
+                                          </p:val>
+                                        </p:tav>
+                                        <p:tav tm="100000">
+                                          <p:val>
+                                            <p:strVal val="#ppt_x"/>
+                                          </p:val>
+                                        </p:tav>
+                                      </p:tavLst>
+                                    </p:anim>
+                                    <p:anim calcmode="lin" valueType="num">
+                                      <p:cBhvr additive="base">
+                                        <p:cTn id="14" dur="500" fill="hold"/>
+                                        <p:tgtEl>
+                                          <p:spTgt spid="6"/>
+                                        </p:tgtEl>
+                                        <p:attrNameLst>
+                                          <p:attrName>ppt_y</p:attrName>
+                                        </p:attrNameLst>
+                                      </p:cBhvr>
+                                      <p:tavLst>
+                                        <p:tav tm="0">
+                                          <p:val>
+                                            <p:strVal val="1+#ppt_h/2"/>
+                                          </p:val>
+                                        </p:tav>
+                                        <p:tav tm="100000">
+                                          <p:val>
+                                            <p:strVal val="#ppt_y"/>
+                                          </p:val>
+                                        </p:tav>
+                                      </p:tavLst>
+                                    </p:anim>
+                                  </p:childTnLst>
+                                </p:cTn>
+                              </p:par>
+                            </p:childTnLst>
+                          </p:cTn>
+                        </p:par>
+                      </p:childTnLst>
+                    </p:cTn>
+                  </p:par>
+                  <p:par>
+                    <p:cTn id="15" fill="hold">
+                      <p:stCondLst>
+                        <p:cond delay="indefinite"/>
+                      </p:stCondLst>
+                      <p:childTnLst>
+                        <p:par>
+                          <p:cTn id="16" fill="hold">
+                            <p:stCondLst>
+                              <p:cond delay="0"/>
+                            </p:stCondLst>
+                            <p:childTnLst>
+                              <p:par>
+                                <p:cTn id="17" presetID="2" presetClass="entr" presetSubtype="4" fill="hold" grpId="0" nodeType="clickEffect">
+                                  <p:stCondLst>
+                                    <p:cond delay="0"/>
+                                  </p:stCondLst>
+                                  <p:childTnLst>
+                                    <p:set>
+                                      <p:cBhvr>
+                                        <p:cTn id="18" dur="1" fill="hold">
+                                          <p:stCondLst>
+                                            <p:cond delay="0"/>
+                                          </p:stCondLst>
+                                        </p:cTn>
+                                        <p:tgtEl>
+                                          <p:spTgt spid="5"/>
+                                        </p:tgtEl>
+                                        <p:attrNameLst>
+                                          <p:attrName>style.visibility</p:attrName>
+                                        </p:attrNameLst>
+                                      </p:cBhvr>
+                                      <p:to>
+                                        <p:strVal val="visible"/>
+                                      </p:to>
+                                    </p:set>
+                                    <p:anim calcmode="lin" valueType="num">
+                                      <p:cBhvr additive="base">
+                                        <p:cTn id="19" dur="500" fill="hold"/>
+                                        <p:tgtEl>
+                                          <p:spTgt spid="5"/>
+                                        </p:tgtEl>
+                                        <p:attrNameLst>
+                                          <p:attrName>ppt_x</p:attrName>
+                                        </p:attrNameLst>
+                                      </p:cBhvr>
+                                      <p:tavLst>
+                                        <p:tav tm="0">
+                                          <p:val>
+                                            <p:strVal val="#ppt_x"/>
+                                          </p:val>
+                                        </p:tav>
+                                        <p:tav tm="100000">
+                                          <p:val>
+                                            <p:strVal val="#ppt_x"/>
+                                          </p:val>
+                                        </p:tav>
+                                      </p:tavLst>
+                                    </p:anim>
+                                    <p:anim calcmode="lin" valueType="num">
+                                      <p:cBhvr additive="base">
+                                        <p:cTn id="20" dur="500" fill="hold"/>
+                                        <p:tgtEl>
+                                          <p:spTgt spid="5"/>
+                                        </p:tgtEl>
+                                        <p:attrNameLst>
+                                          <p:attrName>ppt_y</p:attrName>
+                                        </p:attrNameLst>
+                                      </p:cBhvr>
+                                      <p:tavLst>
+                                        <p:tav tm="0">
+                                          <p:val>
+                                            <p:strVal val="1+#ppt_h/2"/>
+                                          </p:val>
+                                        </p:tav>
+                                        <p:tav tm="100000">
+                                          <p:val>
+                                            <p:strVal val="#ppt_y"/>
+                                          </p:val>
+                                        </p:tav>
+                                      </p:tavLst>
+                                    </p:anim>
+                                  </p:childTnLst>
+                                </p:cTn>
+                              </p:par>
+                            </p:childTnLst>
+                          </p:cTn>
+                        </p:par>
+                      </p:childTnLst>
+                    </p:cTn>
+                  </p:par>
+                  <p:par>
+                    <p:cTn id="21" fill="hold">
+                      <p:stCondLst>
+                        <p:cond delay="indefinite"/>
+                      </p:stCondLst>
+                      <p:childTnLst>
+                        <p:par>
+                          <p:cTn id="22" fill="hold">
+                            <p:stCondLst>
+                              <p:cond delay="0"/>
+                            </p:stCondLst>
+                            <p:childTnLst>
+                              <p:par>
+                                <p:cTn id="23" presetID="2" presetClass="entr" presetSubtype="4" fill="hold" grpId="0" nodeType="clickEffect">
+                                  <p:stCondLst>
+                                    <p:cond delay="0"/>
+                                  </p:stCondLst>
+                                  <p:childTnLst>
+                                    <p:set>
+                                      <p:cBhvr>
+                                        <p:cTn id="24" dur="1" fill="hold">
+                                          <p:stCondLst>
+                                            <p:cond delay="0"/>
+                                          </p:stCondLst>
+                                        </p:cTn>
+                                        <p:tgtEl>
+                                          <p:spTgt spid="4"/>
+                                        </p:tgtEl>
+                                        <p:attrNameLst>
+                                          <p:attrName>style.visibility</p:attrName>
+                                        </p:attrNameLst>
+                                      </p:cBhvr>
+                                      <p:to>
+                                        <p:strVal val="visible"/>
+                                      </p:to>
+                                    </p:set>
+                                    <p:anim calcmode="lin" valueType="num">
+                                      <p:cBhvr additive="base">
+                                        <p:cTn id="25" dur="500" fill="hold"/>
+                                        <p:tgtEl>
+                                          <p:spTgt spid="4"/>
+                                        </p:tgtEl>
+                                        <p:attrNameLst>
+                                          <p:attrName>ppt_x</p:attrName>
+                                        </p:attrNameLst>
+                                      </p:cBhvr>
+                                      <p:tavLst>
+                                        <p:tav tm="0">
+                                          <p:val>
+                                            <p:strVal val="#ppt_x"/>
+                                          </p:val>
+                                        </p:tav>
+                                        <p:tav tm="100000">
+                                          <p:val>
+                                            <p:strVal val="#ppt_x"/>
+                                          </p:val>
+                                        </p:tav>
+                                      </p:tavLst>
+                                    </p:anim>
+                                    <p:anim calcmode="lin" valueType="num">
+                                      <p:cBhvr additive="base">
+                                        <p:cTn id="26" dur="500" fill="hold"/>
+                                        <p:tgtEl>
+                                          <p:spTgt spid="4"/>
+                                        </p:tgtEl>
+                                        <p:attrNameLst>
+                                          <p:attrName>ppt_y</p:attrName>
+                                        </p:attrNameLst>
+                                      </p:cBhvr>
+                                      <p:tavLst>
+                                        <p:tav tm="0">
+                                          <p:val>
+                                            <p:strVal val="1+#ppt_h/2"/>
+                                          </p:val>
+                                        </p:tav>
+                                        <p:tav tm="100000">
+                                          <p:val>
+                                            <p:strVal val="#ppt_y"/>
+                                          </p:val>
+                                        </p:tav>
+                                      </p:tavLst>
+                                    </p:anim>
+                                  </p:childTnLst>
+                                </p:cTn>
+                              </p:par>
+                            </p:childTnLst>
+                          </p:cTn>
+                        </p:par>
+                      </p:childTnLst>
+                    </p:cTn>
+                  </p:par>
+                </p:childTnLst>
+              </p:cTn>
+              <p:prevCondLst>
+                <p:cond evt="onPrev" delay="0">
+                  <p:tgtEl>
+                    <p:sldTgt/>
+                  </p:tgtEl>
+                </p:cond>
+              </p:prevCondLst>
+              <p:nextCondLst>
+                <p:cond evt="onNext" delay="0">
+                  <p:tgtEl>
+                    <p:sldTgt/>
+                  </p:tgtEl>
+                </p:cond>
+              </p:nextCondLst>
+            </p:seq>
+          </p:childTnLst>
+        </p:cTn>
+      </p:par>
+    </p:tnLst>
+    <p:bldLst>
+      <p:bldP spid="4" grpId="0" animBg="1"/>
+      <p:bldP spid="5" grpId="0" animBg="1"/>
+      <p:bldP spid="6" grpId="0" animBg="1"/>
+      <p:bldP spid="7" grpId="0" animBg="1"/>
+    </p:bldLst>
+  </p:timing>
 </p:sld>
 </file>
 
@@ -10679,6 +11547,78 @@
           <a:xfrm>
             <a:off x="4080123" y="3800579"/>
             <a:ext cx="3905297" cy="1952649"/>
+          </a:xfrm>
+          <a:prstGeom prst="rect">
+            <a:avLst/>
+          </a:prstGeom>
+        </p:spPr>
+      </p:pic>
+      <p:pic>
+        <p:nvPicPr>
+          <p:cNvPr id="4" name="Picture 3">
+            <a:extLst>
+              <a:ext uri="{FF2B5EF4-FFF2-40B4-BE49-F238E27FC236}">
+                <a16:creationId xmlns:a16="http://schemas.microsoft.com/office/drawing/2014/main" id="{06860622-13EF-4BBE-889D-DCD2479648C6}"/>
+              </a:ext>
+            </a:extLst>
+          </p:cNvPr>
+          <p:cNvPicPr>
+            <a:picLocks noChangeAspect="1"/>
+          </p:cNvPicPr>
+          <p:nvPr/>
+        </p:nvPicPr>
+        <p:blipFill>
+          <a:blip r:embed="rId10" cstate="print">
+            <a:extLst>
+              <a:ext uri="{28A0092B-C50C-407E-A947-70E740481C1C}">
+                <a14:useLocalDpi xmlns:a14="http://schemas.microsoft.com/office/drawing/2010/main" val="0"/>
+              </a:ext>
+            </a:extLst>
+          </a:blip>
+          <a:stretch>
+            <a:fillRect/>
+          </a:stretch>
+        </p:blipFill>
+        <p:spPr>
+          <a:xfrm>
+            <a:off x="6283708" y="4542024"/>
+            <a:ext cx="1765709" cy="2259897"/>
+          </a:xfrm>
+          <a:prstGeom prst="rect">
+            <a:avLst/>
+          </a:prstGeom>
+        </p:spPr>
+      </p:pic>
+      <p:pic>
+        <p:nvPicPr>
+          <p:cNvPr id="9" name="Picture 8">
+            <a:extLst>
+              <a:ext uri="{FF2B5EF4-FFF2-40B4-BE49-F238E27FC236}">
+                <a16:creationId xmlns:a16="http://schemas.microsoft.com/office/drawing/2014/main" id="{68C91045-D84E-4994-B69E-3D8300FB8597}"/>
+              </a:ext>
+            </a:extLst>
+          </p:cNvPr>
+          <p:cNvPicPr>
+            <a:picLocks noChangeAspect="1"/>
+          </p:cNvPicPr>
+          <p:nvPr/>
+        </p:nvPicPr>
+        <p:blipFill>
+          <a:blip r:embed="rId11" cstate="print">
+            <a:extLst>
+              <a:ext uri="{28A0092B-C50C-407E-A947-70E740481C1C}">
+                <a14:useLocalDpi xmlns:a14="http://schemas.microsoft.com/office/drawing/2010/main" val="0"/>
+              </a:ext>
+            </a:extLst>
+          </a:blip>
+          <a:stretch>
+            <a:fillRect/>
+          </a:stretch>
+        </p:blipFill>
+        <p:spPr>
+          <a:xfrm>
+            <a:off x="3705208" y="4485945"/>
+            <a:ext cx="2060021" cy="2315976"/>
           </a:xfrm>
           <a:prstGeom prst="rect">
             <a:avLst/>
@@ -11799,6 +12739,76 @@
                                   </p:childTnLst>
                                 </p:cTn>
                               </p:par>
+                              <p:par>
+                                <p:cTn id="94" presetID="10" presetClass="entr" presetSubtype="0" fill="hold" nodeType="withEffect">
+                                  <p:stCondLst>
+                                    <p:cond delay="0"/>
+                                  </p:stCondLst>
+                                  <p:childTnLst>
+                                    <p:set>
+                                      <p:cBhvr>
+                                        <p:cTn id="95" dur="1" fill="hold">
+                                          <p:stCondLst>
+                                            <p:cond delay="0"/>
+                                          </p:stCondLst>
+                                        </p:cTn>
+                                        <p:tgtEl>
+                                          <p:spTgt spid="4"/>
+                                        </p:tgtEl>
+                                        <p:attrNameLst>
+                                          <p:attrName>style.visibility</p:attrName>
+                                        </p:attrNameLst>
+                                      </p:cBhvr>
+                                      <p:to>
+                                        <p:strVal val="visible"/>
+                                      </p:to>
+                                    </p:set>
+                                    <p:animEffect transition="in" filter="fade">
+                                      <p:cBhvr>
+                                        <p:cTn id="96" dur="500"/>
+                                        <p:tgtEl>
+                                          <p:spTgt spid="4"/>
+                                        </p:tgtEl>
+                                      </p:cBhvr>
+                                    </p:animEffect>
+                                  </p:childTnLst>
+                                </p:cTn>
+                              </p:par>
+                              <p:par>
+                                <p:cTn id="97" presetID="10" presetClass="entr" presetSubtype="0" fill="hold" nodeType="withEffect">
+                                  <p:stCondLst>
+                                    <p:cond delay="0"/>
+                                  </p:stCondLst>
+                                  <p:childTnLst>
+                                    <p:set>
+                                      <p:cBhvr>
+                                        <p:cTn id="98" dur="1" fill="hold">
+                                          <p:stCondLst>
+                                            <p:cond delay="0"/>
+                                          </p:stCondLst>
+                                        </p:cTn>
+                                        <p:tgtEl>
+                                          <p:spTgt spid="9"/>
+                                        </p:tgtEl>
+                                        <p:attrNameLst>
+                                          <p:attrName>style.visibility</p:attrName>
+                                        </p:attrNameLst>
+                                      </p:cBhvr>
+                                      <p:to>
+                                        <p:strVal val="visible"/>
+                                      </p:to>
+                                    </p:set>
+                                    <p:animEffect transition="in" filter="fade">
+                                      <p:cBhvr>
+                                        <p:cTn id="99" dur="500"/>
+                                        <p:tgtEl>
+                                          <p:spTgt spid="9"/>
+                                        </p:tgtEl>
+                                      </p:cBhvr>
+                                    </p:animEffect>
+                                  </p:childTnLst>
+                                </p:cTn>
+                              </p:par>
                             </p:childTnLst>
                           </p:cTn>
                         </p:par>
@@ -11806,26 +12816,26 @@
                     </p:cTn>
                   </p:par>
                   <p:par>
-                    <p:cTn id="94" fill="hold">
+                    <p:cTn id="100" fill="hold">
                       <p:stCondLst>
                         <p:cond delay="indefinite"/>
                       </p:stCondLst>
                       <p:childTnLst>
                         <p:par>
-                          <p:cTn id="95" fill="hold">
+                          <p:cTn id="101" fill="hold">
                             <p:stCondLst>
                               <p:cond delay="0"/>
                             </p:stCondLst>
                             <p:childTnLst>
                               <p:par>
-                                <p:cTn id="96" presetID="10" presetClass="exit" presetSubtype="0" fill="hold" grpId="1" nodeType="clickEffect">
+                                <p:cTn id="102" presetID="10" presetClass="exit" presetSubtype="0" fill="hold" grpId="1" nodeType="clickEffect">
                                   <p:stCondLst>
                                     <p:cond delay="0"/>
                                   </p:stCondLst>
                                   <p:childTnLst>
                                     <p:animEffect transition="out" filter="fade">
                                       <p:cBhvr>
-                                        <p:cTn id="97" dur="500"/>
+                                        <p:cTn id="103" dur="500"/>
                                         <p:tgtEl>
                                           <p:spTgt spid="12"/>
                                         </p:tgtEl>
@@ -11833,7 +12843,7 @@
                                     </p:animEffect>
                                     <p:set>
                                       <p:cBhvr>
-                                        <p:cTn id="98" dur="1" fill="hold">
+                                        <p:cTn id="104" dur="1" fill="hold">
                                           <p:stCondLst>
                                             <p:cond delay="499"/>
                                           </p:stCondLst>
@@ -11853,14 +12863,14 @@
                                 </p:cTn>
                               </p:par>
                               <p:par>
-                                <p:cTn id="99" presetID="10" presetClass="entr" presetSubtype="0" fill="hold" grpId="1" nodeType="withEffect">
+                                <p:cTn id="105" presetID="10" presetClass="entr" presetSubtype="0" fill="hold" grpId="1" nodeType="withEffect">
                                   <p:stCondLst>
                                     <p:cond delay="0"/>
                                   </p:stCondLst>
                                   <p:childTnLst>
                                     <p:set>
                                       <p:cBhvr>
-                                        <p:cTn id="100" dur="1" fill="hold">
+                                        <p:cTn id="106" dur="1" fill="hold">
                                           <p:stCondLst>
                                             <p:cond delay="0"/>
                                           </p:stCondLst>
@@ -11878,7 +12888,7 @@
                                     </p:set>
                                     <p:animEffect transition="in" filter="fade">
                                       <p:cBhvr>
-                                        <p:cTn id="101" dur="500"/>
+                                        <p:cTn id="107" dur="500"/>
                                         <p:tgtEl>
                                           <p:spTgt spid="8"/>
                                         </p:tgtEl>
@@ -11888,14 +12898,14 @@
                                 </p:cTn>
                               </p:par>
                               <p:par>
-                                <p:cTn id="102" presetID="10" presetClass="exit" presetSubtype="0" fill="hold" grpId="1" nodeType="withEffect">
+                                <p:cTn id="108" presetID="10" presetClass="exit" presetSubtype="0" fill="hold" grpId="1" nodeType="withEffect">
                                   <p:stCondLst>
                                     <p:cond delay="0"/>
                                   </p:stCondLst>
                                   <p:childTnLst>
                                     <p:animEffect transition="out" filter="fade">
                                       <p:cBhvr>
-                                        <p:cTn id="103" dur="500"/>
+                                        <p:cTn id="109" dur="500"/>
                                         <p:tgtEl>
                                           <p:spTgt spid="30"/>
                                         </p:tgtEl>
@@ -11903,7 +12913,7 @@
                                     </p:animEffect>
                                     <p:set>
                                       <p:cBhvr>
-                                        <p:cTn id="104" dur="1" fill="hold">
+                                        <p:cTn id="110" dur="1" fill="hold">
                                           <p:stCondLst>
                                             <p:cond delay="499"/>
                                           </p:stCondLst>
@@ -11923,14 +12933,14 @@
                                 </p:cTn>
                               </p:par>
                               <p:par>
-                                <p:cTn id="105" presetID="2" presetClass="entr" presetSubtype="1" fill="hold" nodeType="withEffect">
+                                <p:cTn id="111" presetID="2" presetClass="entr" presetSubtype="1" fill="hold" nodeType="withEffect">
                                   <p:stCondLst>
                                     <p:cond delay="0"/>
                                   </p:stCondLst>
                                   <p:childTnLst>
                                     <p:set>
                                       <p:cBhvr>
-                                        <p:cTn id="106" dur="1" fill="hold">
+                                        <p:cTn id="112" dur="1" fill="hold">
                                           <p:stCondLst>
                                             <p:cond delay="0"/>
                                           </p:stCondLst>
@@ -11948,7 +12958,7 @@
                                     </p:set>
                                     <p:anim calcmode="lin" valueType="num">
                                       <p:cBhvr additive="base">
-                                        <p:cTn id="107" dur="500" fill="hold"/>
+                                        <p:cTn id="113" dur="500" fill="hold"/>
                                         <p:tgtEl>
                                           <p:spTgt spid="32"/>
                                         </p:tgtEl>
@@ -11971,7 +12981,7 @@
                                     </p:anim>
                                     <p:anim calcmode="lin" valueType="num">
                                       <p:cBhvr additive="base">
-                                        <p:cTn id="108" dur="500" fill="hold"/>
+                                        <p:cTn id="114" dur="500" fill="hold"/>
                                         <p:tgtEl>
                                           <p:spTgt spid="32"/>
                                         </p:tgtEl>
@@ -11995,6 +13005,76 @@
                                   </p:childTnLst>
                                 </p:cTn>
                               </p:par>
+                              <p:par>
+                                <p:cTn id="115" presetID="10" presetClass="exit" presetSubtype="0" fill="hold" nodeType="withEffect">
+                                  <p:stCondLst>
+                                    <p:cond delay="0"/>
+                                  </p:stCondLst>
+                                  <p:childTnLst>
+                                    <p:animEffect transition="out" filter="fade">
+                                      <p:cBhvr>
+                                        <p:cTn id="116" dur="500"/>
+                                        <p:tgtEl>
+                                          <p:spTgt spid="9"/>
+                                        </p:tgtEl>
+                                      </p:cBhvr>
+                                    </p:animEffect>
+                                    <p:set>
+                                      <p:cBhvr>
+                                        <p:cTn id="117" dur="1" fill="hold">
+                                          <p:stCondLst>
+                                            <p:cond delay="499"/>
+                                          </p:stCondLst>
+                                        </p:cTn>
+                                        <p:tgtEl>
+                                          <p:spTgt spid="9"/>
+                                        </p:tgtEl>
+                                        <p:attrNameLst>
+                                          <p:attrName>style.visibility</p:attrName>
+                                        </p:attrNameLst>
+                                      </p:cBhvr>
+                                      <p:to>
+                                        <p:strVal val="hidden"/>
+                                      </p:to>
+                                    </p:set>
+                                  </p:childTnLst>
+                                </p:cTn>
+                              </p:par>
+                              <p:par>
+                                <p:cTn id="118" presetID="10" presetClass="exit" presetSubtype="0" fill="hold" nodeType="withEffect">
+                                  <p:stCondLst>
+                                    <p:cond delay="0"/>
+                                  </p:stCondLst>
+                                  <p:childTnLst>
+                                    <p:animEffect transition="out" filter="fade">
+                                      <p:cBhvr>
+                                        <p:cTn id="119" dur="500"/>
+                                        <p:tgtEl>
+                                          <p:spTgt spid="4"/>
+                                        </p:tgtEl>
+                                      </p:cBhvr>
+                                    </p:animEffect>
+                                    <p:set>
+                                      <p:cBhvr>
+                                        <p:cTn id="120" dur="1" fill="hold">
+                                          <p:stCondLst>
+                                            <p:cond delay="499"/>
+                                          </p:stCondLst>
+                                        </p:cTn>
+                                        <p:tgtEl>
+                                          <p:spTgt spid="4"/>
+                                        </p:tgtEl>
+                                        <p:attrNameLst>
+                                          <p:attrName>style.visibility</p:attrName>
+                                        </p:attrNameLst>
+                                      </p:cBhvr>
+                                      <p:to>
+                                        <p:strVal val="hidden"/>
+                                      </p:to>
+                                    </p:set>
+                                  </p:childTnLst>
+                                </p:cTn>
+                              </p:par>
                             </p:childTnLst>
                           </p:cTn>
                         </p:par>
@@ -12002,26 +13082,26 @@
                     </p:cTn>
                   </p:par>
                   <p:par>
-                    <p:cTn id="109" fill="hold">
+                    <p:cTn id="121" fill="hold">
                       <p:stCondLst>
                         <p:cond delay="indefinite"/>
                       </p:stCondLst>
                       <p:childTnLst>
                         <p:par>
-                          <p:cTn id="110" fill="hold">
+                          <p:cTn id="122" fill="hold">
                             <p:stCondLst>
                               <p:cond delay="0"/>
                             </p:stCondLst>
                             <p:childTnLst>
                               <p:par>
-                                <p:cTn id="111" presetID="2" presetClass="exit" presetSubtype="1" fill="hold" nodeType="clickEffect">
+                                <p:cTn id="123" presetID="2" presetClass="exit" presetSubtype="1" fill="hold" nodeType="clickEffect">
                                   <p:stCondLst>
                                     <p:cond delay="0"/>
                                   </p:stCondLst>
                                   <p:childTnLst>
                                     <p:anim calcmode="lin" valueType="num">
                                       <p:cBhvr additive="base">
-                                        <p:cTn id="112" dur="500"/>
+                                        <p:cTn id="124" dur="500"/>
                                         <p:tgtEl>
                                           <p:spTgt spid="32"/>
                                         </p:tgtEl>
@@ -12044,7 +13124,7 @@
                                     </p:anim>
                                     <p:anim calcmode="lin" valueType="num">
                                       <p:cBhvr additive="base">
-                                        <p:cTn id="113" dur="500"/>
+                                        <p:cTn id="125" dur="500"/>
                                         <p:tgtEl>
                                           <p:spTgt spid="32"/>
                                         </p:tgtEl>
@@ -12067,7 +13147,7 @@
                                     </p:anim>
                                     <p:set>
                                       <p:cBhvr>
-                                        <p:cTn id="114" dur="1" fill="hold">
+                                        <p:cTn id="126" dur="1" fill="hold">
                                           <p:stCondLst>
                                             <p:cond delay="499"/>
                                           </p:stCondLst>

--- a/TeamDocs/WordDocs/Presentation/JelBlob_Presentation_AW.pptx
+++ b/TeamDocs/WordDocs/Presentation/JelBlob_Presentation_AW.pptx
@@ -16,9 +16,9 @@
     <p:sldId id="271" r:id="rId7"/>
     <p:sldId id="272" r:id="rId8"/>
     <p:sldId id="262" r:id="rId9"/>
-    <p:sldId id="264" r:id="rId10"/>
-    <p:sldId id="265" r:id="rId11"/>
-    <p:sldId id="270" r:id="rId12"/>
+    <p:sldId id="273" r:id="rId10"/>
+    <p:sldId id="274" r:id="rId11"/>
+    <p:sldId id="275" r:id="rId12"/>
     <p:sldId id="266" r:id="rId13"/>
     <p:sldId id="269" r:id="rId14"/>
     <p:sldId id="267" r:id="rId15"/>
@@ -215,7 +215,7 @@
           <a:p>
             <a:fld id="{9143A75C-4E93-4E57-8FE0-0B5536F2214D}" type="datetimeFigureOut">
               <a:rPr lang="en-US" smtClean="0"/>
-              <a:t>11/20/2017</a:t>
+              <a:t>11/21/2017</a:t>
             </a:fld>
             <a:endParaRPr lang="en-US"/>
           </a:p>
@@ -675,7 +675,7 @@
     </p:spTree>
     <p:extLst>
       <p:ext uri="{BB962C8B-B14F-4D97-AF65-F5344CB8AC3E}">
-        <p14:creationId xmlns:p14="http://schemas.microsoft.com/office/powerpoint/2010/main" val="2936445934"/>
+        <p14:creationId xmlns:p14="http://schemas.microsoft.com/office/powerpoint/2010/main" val="1086646366"/>
       </p:ext>
     </p:extLst>
   </p:cSld>
@@ -1840,7 +1840,7 @@
     </p:spTree>
     <p:extLst>
       <p:ext uri="{BB962C8B-B14F-4D97-AF65-F5344CB8AC3E}">
-        <p14:creationId xmlns:p14="http://schemas.microsoft.com/office/powerpoint/2010/main" val="2455568532"/>
+        <p14:creationId xmlns:p14="http://schemas.microsoft.com/office/powerpoint/2010/main" val="394210661"/>
       </p:ext>
     </p:extLst>
   </p:cSld>
@@ -1947,7 +1947,7 @@
     </p:spTree>
     <p:extLst>
       <p:ext uri="{BB962C8B-B14F-4D97-AF65-F5344CB8AC3E}">
-        <p14:creationId xmlns:p14="http://schemas.microsoft.com/office/powerpoint/2010/main" val="732358467"/>
+        <p14:creationId xmlns:p14="http://schemas.microsoft.com/office/powerpoint/2010/main" val="596496358"/>
       </p:ext>
     </p:extLst>
   </p:cSld>
@@ -2128,7 +2128,7 @@
           <a:p>
             <a:fld id="{349AB840-55CF-4B95-A905-70A2B172BCA3}" type="datetimeFigureOut">
               <a:rPr lang="en-GB" smtClean="0"/>
-              <a:t>20/11/2017</a:t>
+              <a:t>21/11/2017</a:t>
             </a:fld>
             <a:endParaRPr lang="en-GB"/>
           </a:p>
@@ -2440,7 +2440,7 @@
           <a:p>
             <a:fld id="{349AB840-55CF-4B95-A905-70A2B172BCA3}" type="datetimeFigureOut">
               <a:rPr lang="en-GB" smtClean="0"/>
-              <a:t>20/11/2017</a:t>
+              <a:t>21/11/2017</a:t>
             </a:fld>
             <a:endParaRPr lang="en-GB"/>
           </a:p>
@@ -2662,7 +2662,7 @@
           <a:p>
             <a:fld id="{349AB840-55CF-4B95-A905-70A2B172BCA3}" type="datetimeFigureOut">
               <a:rPr lang="en-GB" smtClean="0"/>
-              <a:t>20/11/2017</a:t>
+              <a:t>21/11/2017</a:t>
             </a:fld>
             <a:endParaRPr lang="en-GB"/>
           </a:p>
@@ -2953,7 +2953,7 @@
           <a:p>
             <a:fld id="{349AB840-55CF-4B95-A905-70A2B172BCA3}" type="datetimeFigureOut">
               <a:rPr lang="en-GB" smtClean="0"/>
-              <a:t>20/11/2017</a:t>
+              <a:t>21/11/2017</a:t>
             </a:fld>
             <a:endParaRPr lang="en-GB"/>
           </a:p>
@@ -3407,7 +3407,7 @@
           <a:p>
             <a:fld id="{349AB840-55CF-4B95-A905-70A2B172BCA3}" type="datetimeFigureOut">
               <a:rPr lang="en-GB" smtClean="0"/>
-              <a:t>20/11/2017</a:t>
+              <a:t>21/11/2017</a:t>
             </a:fld>
             <a:endParaRPr lang="en-GB"/>
           </a:p>
@@ -3983,7 +3983,7 @@
           <a:p>
             <a:fld id="{349AB840-55CF-4B95-A905-70A2B172BCA3}" type="datetimeFigureOut">
               <a:rPr lang="en-GB" smtClean="0"/>
-              <a:t>20/11/2017</a:t>
+              <a:t>21/11/2017</a:t>
             </a:fld>
             <a:endParaRPr lang="en-GB"/>
           </a:p>
@@ -4835,7 +4835,7 @@
           <a:p>
             <a:fld id="{349AB840-55CF-4B95-A905-70A2B172BCA3}" type="datetimeFigureOut">
               <a:rPr lang="en-GB" smtClean="0"/>
-              <a:t>20/11/2017</a:t>
+              <a:t>21/11/2017</a:t>
             </a:fld>
             <a:endParaRPr lang="en-GB"/>
           </a:p>
@@ -5040,7 +5040,7 @@
           <a:p>
             <a:fld id="{349AB840-55CF-4B95-A905-70A2B172BCA3}" type="datetimeFigureOut">
               <a:rPr lang="en-GB" smtClean="0"/>
-              <a:t>20/11/2017</a:t>
+              <a:t>21/11/2017</a:t>
             </a:fld>
             <a:endParaRPr lang="en-GB"/>
           </a:p>
@@ -5254,7 +5254,7 @@
           <a:p>
             <a:fld id="{349AB840-55CF-4B95-A905-70A2B172BCA3}" type="datetimeFigureOut">
               <a:rPr lang="en-GB" smtClean="0"/>
-              <a:t>20/11/2017</a:t>
+              <a:t>21/11/2017</a:t>
             </a:fld>
             <a:endParaRPr lang="en-GB"/>
           </a:p>
@@ -5459,7 +5459,7 @@
           <a:p>
             <a:fld id="{349AB840-55CF-4B95-A905-70A2B172BCA3}" type="datetimeFigureOut">
               <a:rPr lang="en-GB" smtClean="0"/>
-              <a:t>20/11/2017</a:t>
+              <a:t>21/11/2017</a:t>
             </a:fld>
             <a:endParaRPr lang="en-GB"/>
           </a:p>
@@ -5739,7 +5739,7 @@
           <a:p>
             <a:fld id="{349AB840-55CF-4B95-A905-70A2B172BCA3}" type="datetimeFigureOut">
               <a:rPr lang="en-GB" smtClean="0"/>
-              <a:t>20/11/2017</a:t>
+              <a:t>21/11/2017</a:t>
             </a:fld>
             <a:endParaRPr lang="en-GB"/>
           </a:p>
@@ -6006,7 +6006,7 @@
           <a:p>
             <a:fld id="{349AB840-55CF-4B95-A905-70A2B172BCA3}" type="datetimeFigureOut">
               <a:rPr lang="en-GB" smtClean="0"/>
-              <a:t>20/11/2017</a:t>
+              <a:t>21/11/2017</a:t>
             </a:fld>
             <a:endParaRPr lang="en-GB"/>
           </a:p>
@@ -6421,7 +6421,7 @@
           <a:p>
             <a:fld id="{349AB840-55CF-4B95-A905-70A2B172BCA3}" type="datetimeFigureOut">
               <a:rPr lang="en-GB" smtClean="0"/>
-              <a:t>20/11/2017</a:t>
+              <a:t>21/11/2017</a:t>
             </a:fld>
             <a:endParaRPr lang="en-GB"/>
           </a:p>
@@ -6569,7 +6569,7 @@
           <a:p>
             <a:fld id="{349AB840-55CF-4B95-A905-70A2B172BCA3}" type="datetimeFigureOut">
               <a:rPr lang="en-GB" smtClean="0"/>
-              <a:t>20/11/2017</a:t>
+              <a:t>21/11/2017</a:t>
             </a:fld>
             <a:endParaRPr lang="en-GB"/>
           </a:p>
@@ -6694,7 +6694,7 @@
           <a:p>
             <a:fld id="{349AB840-55CF-4B95-A905-70A2B172BCA3}" type="datetimeFigureOut">
               <a:rPr lang="en-GB" smtClean="0"/>
-              <a:t>20/11/2017</a:t>
+              <a:t>21/11/2017</a:t>
             </a:fld>
             <a:endParaRPr lang="en-GB"/>
           </a:p>
@@ -6973,7 +6973,7 @@
           <a:p>
             <a:fld id="{349AB840-55CF-4B95-A905-70A2B172BCA3}" type="datetimeFigureOut">
               <a:rPr lang="en-GB" smtClean="0"/>
-              <a:t>20/11/2017</a:t>
+              <a:t>21/11/2017</a:t>
             </a:fld>
             <a:endParaRPr lang="en-GB"/>
           </a:p>
@@ -7285,7 +7285,7 @@
           <a:p>
             <a:fld id="{349AB840-55CF-4B95-A905-70A2B172BCA3}" type="datetimeFigureOut">
               <a:rPr lang="en-GB" smtClean="0"/>
-              <a:t>20/11/2017</a:t>
+              <a:t>21/11/2017</a:t>
             </a:fld>
             <a:endParaRPr lang="en-GB"/>
           </a:p>
@@ -7538,7 +7538,7 @@
           <a:p>
             <a:fld id="{349AB840-55CF-4B95-A905-70A2B172BCA3}" type="datetimeFigureOut">
               <a:rPr lang="en-GB" smtClean="0"/>
-              <a:t>20/11/2017</a:t>
+              <a:t>21/11/2017</a:t>
             </a:fld>
             <a:endParaRPr lang="en-GB"/>
           </a:p>
@@ -8212,6 +8212,13 @@
   <p:clrMapOvr>
     <a:masterClrMapping/>
   </p:clrMapOvr>
+  <p:timing>
+    <p:tnLst>
+      <p:par>
+        <p:cTn id="1" dur="indefinite" restart="never" nodeType="tmRoot"/>
+      </p:par>
+    </p:tnLst>
+  </p:timing>
 </p:sld>
 </file>
 
@@ -8269,6 +8276,100 @@
       </p:grpSpPr>
       <p:sp>
         <p:nvSpPr>
+          <p:cNvPr id="3" name="Content Placeholder 2"/>
+          <p:cNvSpPr>
+            <a:spLocks noGrp="1"/>
+          </p:cNvSpPr>
+          <p:nvPr>
+            <p:ph sz="quarter" idx="13"/>
+          </p:nvPr>
+        </p:nvSpPr>
+        <p:spPr>
+          <a:xfrm>
+            <a:off x="913774" y="2367092"/>
+            <a:ext cx="10363826" cy="2909101"/>
+          </a:xfrm>
+        </p:spPr>
+        <p:style>
+          <a:lnRef idx="2">
+            <a:schemeClr val="dk1"/>
+          </a:lnRef>
+          <a:fillRef idx="1">
+            <a:schemeClr val="lt1"/>
+          </a:fillRef>
+          <a:effectRef idx="0">
+            <a:schemeClr val="dk1"/>
+          </a:effectRef>
+          <a:fontRef idx="minor">
+            <a:schemeClr val="dk1"/>
+          </a:fontRef>
+        </p:style>
+        <p:txBody>
+          <a:bodyPr/>
+          <a:lstStyle/>
+          <a:p>
+            <a:r>
+              <a:rPr lang="en-GB" dirty="0"/>
+              <a:t>Encourages open communication among team </a:t>
+            </a:r>
+            <a:r>
+              <a:rPr lang="en-GB" dirty="0" smtClean="0"/>
+              <a:t>members – small iterations</a:t>
+            </a:r>
+            <a:endParaRPr lang="en-GB" dirty="0"/>
+          </a:p>
+          <a:p>
+            <a:r>
+              <a:rPr lang="en-US" dirty="0" smtClean="0"/>
+              <a:t>By </a:t>
+            </a:r>
+            <a:r>
+              <a:rPr lang="en-US" dirty="0"/>
+              <a:t>breaking down the project into manageable units, the project team can focus on high-quality development and </a:t>
+            </a:r>
+            <a:r>
+              <a:rPr lang="en-US" dirty="0" smtClean="0"/>
+              <a:t>testing</a:t>
+            </a:r>
+          </a:p>
+          <a:p>
+            <a:r>
+              <a:rPr lang="en-GB" dirty="0"/>
+              <a:t>Helps catch defects throughout the development process instead of at the </a:t>
+            </a:r>
+            <a:r>
+              <a:rPr lang="en-GB" dirty="0" smtClean="0"/>
+              <a:t>end</a:t>
+            </a:r>
+          </a:p>
+          <a:p>
+            <a:r>
+              <a:rPr lang="en-GB" dirty="0" smtClean="0"/>
+              <a:t>E.g. enemy colliders missing – </a:t>
+            </a:r>
+            <a:r>
+              <a:rPr lang="en-GB" dirty="0" err="1" smtClean="0"/>
+              <a:t>github</a:t>
+            </a:r>
+            <a:r>
+              <a:rPr lang="en-GB" dirty="0" smtClean="0"/>
+              <a:t> mess up</a:t>
+            </a:r>
+          </a:p>
+          <a:p>
+            <a:r>
+              <a:rPr lang="en-GB" dirty="0" smtClean="0"/>
+              <a:t>Particle system repeating unlimited times</a:t>
+            </a:r>
+            <a:endParaRPr lang="en-GB" dirty="0"/>
+          </a:p>
+          <a:p>
+            <a:endParaRPr lang="en-US" dirty="0"/>
+          </a:p>
+        </p:txBody>
+      </p:sp>
+      <p:sp>
+        <p:nvSpPr>
           <p:cNvPr id="2" name="Title 1"/>
           <p:cNvSpPr>
             <a:spLocks noGrp="1"/>
@@ -8290,32 +8391,40 @@
           </a:p>
         </p:txBody>
       </p:sp>
-      <p:sp>
-        <p:nvSpPr>
-          <p:cNvPr id="3" name="Content Placeholder 2"/>
-          <p:cNvSpPr>
-            <a:spLocks noGrp="1"/>
-          </p:cNvSpPr>
-          <p:nvPr>
-            <p:ph sz="quarter" idx="13"/>
-          </p:nvPr>
-        </p:nvSpPr>
-        <p:spPr/>
-        <p:txBody>
-          <a:bodyPr/>
-          <a:lstStyle/>
-          <a:p>
-            <a:r>
-              <a:rPr lang="en-GB" dirty="0"/>
-              <a:t>[Talk about the Development Model we have gone with (Agile Model); why did we choose that specific model, what were the benefits and mention a practical example of how the Agile approach was useful]</a:t>
-            </a:r>
-          </a:p>
-        </p:txBody>
-      </p:sp>
+      <p:pic>
+        <p:nvPicPr>
+          <p:cNvPr id="4" name="Picture 3"/>
+          <p:cNvPicPr>
+            <a:picLocks noChangeAspect="1"/>
+          </p:cNvPicPr>
+          <p:nvPr/>
+        </p:nvPicPr>
+        <p:blipFill>
+          <a:blip r:embed="rId3">
+            <a:extLst>
+              <a:ext uri="{28A0092B-C50C-407E-A947-70E740481C1C}">
+                <a14:useLocalDpi xmlns:a14="http://schemas.microsoft.com/office/drawing/2010/main" val="0"/>
+              </a:ext>
+            </a:extLst>
+          </a:blip>
+          <a:stretch>
+            <a:fillRect/>
+          </a:stretch>
+        </p:blipFill>
+        <p:spPr>
+          <a:xfrm>
+            <a:off x="4492864" y="1852165"/>
+            <a:ext cx="3205646" cy="3938954"/>
+          </a:xfrm>
+          <a:prstGeom prst="rect">
+            <a:avLst/>
+          </a:prstGeom>
+        </p:spPr>
+      </p:pic>
     </p:spTree>
     <p:extLst>
       <p:ext uri="{BB962C8B-B14F-4D97-AF65-F5344CB8AC3E}">
-        <p14:creationId xmlns:p14="http://schemas.microsoft.com/office/powerpoint/2010/main" val="2467227464"/>
+        <p14:creationId xmlns:p14="http://schemas.microsoft.com/office/powerpoint/2010/main" val="2449710945"/>
       </p:ext>
     </p:extLst>
   </p:cSld>
@@ -8325,6 +8434,560 @@
   <p:transition spd="slow">
     <p:wheel spokes="1"/>
   </p:transition>
+  <p:timing>
+    <p:tnLst>
+      <p:par>
+        <p:cTn id="1" dur="indefinite" restart="never" nodeType="tmRoot">
+          <p:childTnLst>
+            <p:seq concurrent="1" nextAc="seek">
+              <p:cTn id="2" dur="indefinite" nodeType="mainSeq">
+                <p:childTnLst>
+                  <p:par>
+                    <p:cTn id="3" fill="hold">
+                      <p:stCondLst>
+                        <p:cond delay="indefinite"/>
+                      </p:stCondLst>
+                      <p:childTnLst>
+                        <p:par>
+                          <p:cTn id="4" fill="hold">
+                            <p:stCondLst>
+                              <p:cond delay="0"/>
+                            </p:stCondLst>
+                            <p:childTnLst>
+                              <p:par>
+                                <p:cTn id="5" presetID="15" presetClass="entr" presetSubtype="0" fill="hold" nodeType="clickEffect">
+                                  <p:stCondLst>
+                                    <p:cond delay="0"/>
+                                  </p:stCondLst>
+                                  <p:childTnLst>
+                                    <p:set>
+                                      <p:cBhvr>
+                                        <p:cTn id="6" dur="1" fill="hold">
+                                          <p:stCondLst>
+                                            <p:cond delay="0"/>
+                                          </p:stCondLst>
+                                        </p:cTn>
+                                        <p:tgtEl>
+                                          <p:spTgt spid="4"/>
+                                        </p:tgtEl>
+                                        <p:attrNameLst>
+                                          <p:attrName>style.visibility</p:attrName>
+                                        </p:attrNameLst>
+                                      </p:cBhvr>
+                                      <p:to>
+                                        <p:strVal val="visible"/>
+                                      </p:to>
+                                    </p:set>
+                                    <p:anim calcmode="lin" valueType="num">
+                                      <p:cBhvr>
+                                        <p:cTn id="7" dur="1000" fill="hold"/>
+                                        <p:tgtEl>
+                                          <p:spTgt spid="4"/>
+                                        </p:tgtEl>
+                                        <p:attrNameLst>
+                                          <p:attrName>ppt_w</p:attrName>
+                                        </p:attrNameLst>
+                                      </p:cBhvr>
+                                      <p:tavLst>
+                                        <p:tav tm="0">
+                                          <p:val>
+                                            <p:fltVal val="0"/>
+                                          </p:val>
+                                        </p:tav>
+                                        <p:tav tm="100000">
+                                          <p:val>
+                                            <p:strVal val="#ppt_w"/>
+                                          </p:val>
+                                        </p:tav>
+                                      </p:tavLst>
+                                    </p:anim>
+                                    <p:anim calcmode="lin" valueType="num">
+                                      <p:cBhvr>
+                                        <p:cTn id="8" dur="1000" fill="hold"/>
+                                        <p:tgtEl>
+                                          <p:spTgt spid="4"/>
+                                        </p:tgtEl>
+                                        <p:attrNameLst>
+                                          <p:attrName>ppt_h</p:attrName>
+                                        </p:attrNameLst>
+                                      </p:cBhvr>
+                                      <p:tavLst>
+                                        <p:tav tm="0">
+                                          <p:val>
+                                            <p:fltVal val="0"/>
+                                          </p:val>
+                                        </p:tav>
+                                        <p:tav tm="100000">
+                                          <p:val>
+                                            <p:strVal val="#ppt_h"/>
+                                          </p:val>
+                                        </p:tav>
+                                      </p:tavLst>
+                                    </p:anim>
+                                    <p:anim calcmode="lin" valueType="num">
+                                      <p:cBhvr>
+                                        <p:cTn id="9" dur="1000" fill="hold"/>
+                                        <p:tgtEl>
+                                          <p:spTgt spid="4"/>
+                                        </p:tgtEl>
+                                        <p:attrNameLst>
+                                          <p:attrName>ppt_x</p:attrName>
+                                        </p:attrNameLst>
+                                      </p:cBhvr>
+                                      <p:tavLst>
+                                        <p:tav tm="0" fmla="#ppt_x+(cos(-2*pi*(1-$))*-#ppt_x-sin(-2*pi*(1-$))*(1-#ppt_y))*(1-$)">
+                                          <p:val>
+                                            <p:fltVal val="0"/>
+                                          </p:val>
+                                        </p:tav>
+                                        <p:tav tm="100000">
+                                          <p:val>
+                                            <p:fltVal val="1"/>
+                                          </p:val>
+                                        </p:tav>
+                                      </p:tavLst>
+                                    </p:anim>
+                                    <p:anim calcmode="lin" valueType="num">
+                                      <p:cBhvr>
+                                        <p:cTn id="10" dur="1000" fill="hold"/>
+                                        <p:tgtEl>
+                                          <p:spTgt spid="4"/>
+                                        </p:tgtEl>
+                                        <p:attrNameLst>
+                                          <p:attrName>ppt_y</p:attrName>
+                                        </p:attrNameLst>
+                                      </p:cBhvr>
+                                      <p:tavLst>
+                                        <p:tav tm="0" fmla="#ppt_y+(sin(-2*pi*(1-$))*-#ppt_x+cos(-2*pi*(1-$))*(1-#ppt_y))*(1-$)">
+                                          <p:val>
+                                            <p:fltVal val="0"/>
+                                          </p:val>
+                                        </p:tav>
+                                        <p:tav tm="100000">
+                                          <p:val>
+                                            <p:fltVal val="1"/>
+                                          </p:val>
+                                        </p:tav>
+                                      </p:tavLst>
+                                    </p:anim>
+                                  </p:childTnLst>
+                                </p:cTn>
+                              </p:par>
+                            </p:childTnLst>
+                          </p:cTn>
+                        </p:par>
+                      </p:childTnLst>
+                    </p:cTn>
+                  </p:par>
+                  <p:par>
+                    <p:cTn id="11" fill="hold">
+                      <p:stCondLst>
+                        <p:cond delay="indefinite"/>
+                      </p:stCondLst>
+                      <p:childTnLst>
+                        <p:par>
+                          <p:cTn id="12" fill="hold">
+                            <p:stCondLst>
+                              <p:cond delay="0"/>
+                            </p:stCondLst>
+                            <p:childTnLst>
+                              <p:par>
+                                <p:cTn id="13" presetID="42" presetClass="path" presetSubtype="0" accel="50000" decel="50000" fill="hold" nodeType="clickEffect">
+                                  <p:stCondLst>
+                                    <p:cond delay="0"/>
+                                  </p:stCondLst>
+                                  <p:childTnLst>
+                                    <p:animMotion origin="layout" path="M 2.08333E-7 4.07407E-6 L 0.37174 0.23449 " pathEditMode="relative" rAng="0" ptsTypes="AA">
+                                      <p:cBhvr>
+                                        <p:cTn id="14" dur="2000" fill="hold"/>
+                                        <p:tgtEl>
+                                          <p:spTgt spid="4"/>
+                                        </p:tgtEl>
+                                        <p:attrNameLst>
+                                          <p:attrName>ppt_x</p:attrName>
+                                          <p:attrName>ppt_y</p:attrName>
+                                        </p:attrNameLst>
+                                      </p:cBhvr>
+                                      <p:rCtr x="18581" y="11713"/>
+                                    </p:animMotion>
+                                  </p:childTnLst>
+                                </p:cTn>
+                              </p:par>
+                              <p:par>
+                                <p:cTn id="15" presetID="16" presetClass="entr" presetSubtype="21" fill="hold" grpId="0" nodeType="withEffect">
+                                  <p:stCondLst>
+                                    <p:cond delay="0"/>
+                                  </p:stCondLst>
+                                  <p:childTnLst>
+                                    <p:set>
+                                      <p:cBhvr>
+                                        <p:cTn id="16" dur="1" fill="hold">
+                                          <p:stCondLst>
+                                            <p:cond delay="0"/>
+                                          </p:stCondLst>
+                                        </p:cTn>
+                                        <p:tgtEl>
+                                          <p:spTgt spid="3">
+                                            <p:bg/>
+                                          </p:spTgt>
+                                        </p:tgtEl>
+                                        <p:attrNameLst>
+                                          <p:attrName>style.visibility</p:attrName>
+                                        </p:attrNameLst>
+                                      </p:cBhvr>
+                                      <p:to>
+                                        <p:strVal val="visible"/>
+                                      </p:to>
+                                    </p:set>
+                                    <p:animEffect transition="in" filter="barn(inVertical)">
+                                      <p:cBhvr>
+                                        <p:cTn id="17" dur="500"/>
+                                        <p:tgtEl>
+                                          <p:spTgt spid="3">
+                                            <p:bg/>
+                                          </p:spTgt>
+                                        </p:tgtEl>
+                                      </p:cBhvr>
+                                    </p:animEffect>
+                                  </p:childTnLst>
+                                </p:cTn>
+                              </p:par>
+                            </p:childTnLst>
+                          </p:cTn>
+                        </p:par>
+                      </p:childTnLst>
+                    </p:cTn>
+                  </p:par>
+                  <p:par>
+                    <p:cTn id="18" fill="hold">
+                      <p:stCondLst>
+                        <p:cond delay="indefinite"/>
+                      </p:stCondLst>
+                      <p:childTnLst>
+                        <p:par>
+                          <p:cTn id="19" fill="hold">
+                            <p:stCondLst>
+                              <p:cond delay="0"/>
+                            </p:stCondLst>
+                            <p:childTnLst>
+                              <p:par>
+                                <p:cTn id="20" presetID="16" presetClass="entr" presetSubtype="21" fill="hold" grpId="0" nodeType="clickEffect">
+                                  <p:stCondLst>
+                                    <p:cond delay="0"/>
+                                  </p:stCondLst>
+                                  <p:childTnLst>
+                                    <p:set>
+                                      <p:cBhvr>
+                                        <p:cTn id="21" dur="1" fill="hold">
+                                          <p:stCondLst>
+                                            <p:cond delay="0"/>
+                                          </p:stCondLst>
+                                        </p:cTn>
+                                        <p:tgtEl>
+                                          <p:spTgt spid="3">
+                                            <p:txEl>
+                                              <p:pRg st="0" end="0"/>
+                                            </p:txEl>
+                                          </p:spTgt>
+                                        </p:tgtEl>
+                                        <p:attrNameLst>
+                                          <p:attrName>style.visibility</p:attrName>
+                                        </p:attrNameLst>
+                                      </p:cBhvr>
+                                      <p:to>
+                                        <p:strVal val="visible"/>
+                                      </p:to>
+                                    </p:set>
+                                    <p:animEffect transition="in" filter="barn(inVertical)">
+                                      <p:cBhvr>
+                                        <p:cTn id="22" dur="500"/>
+                                        <p:tgtEl>
+                                          <p:spTgt spid="3">
+                                            <p:txEl>
+                                              <p:pRg st="0" end="0"/>
+                                            </p:txEl>
+                                          </p:spTgt>
+                                        </p:tgtEl>
+                                      </p:cBhvr>
+                                    </p:animEffect>
+                                  </p:childTnLst>
+                                </p:cTn>
+                              </p:par>
+                            </p:childTnLst>
+                          </p:cTn>
+                        </p:par>
+                      </p:childTnLst>
+                    </p:cTn>
+                  </p:par>
+                  <p:par>
+                    <p:cTn id="23" fill="hold">
+                      <p:stCondLst>
+                        <p:cond delay="indefinite"/>
+                      </p:stCondLst>
+                      <p:childTnLst>
+                        <p:par>
+                          <p:cTn id="24" fill="hold">
+                            <p:stCondLst>
+                              <p:cond delay="0"/>
+                            </p:stCondLst>
+                            <p:childTnLst>
+                              <p:par>
+                                <p:cTn id="25" presetID="16" presetClass="entr" presetSubtype="21" fill="hold" grpId="0" nodeType="clickEffect">
+                                  <p:stCondLst>
+                                    <p:cond delay="0"/>
+                                  </p:stCondLst>
+                                  <p:childTnLst>
+                                    <p:set>
+                                      <p:cBhvr>
+                                        <p:cTn id="26" dur="1" fill="hold">
+                                          <p:stCondLst>
+                                            <p:cond delay="0"/>
+                                          </p:stCondLst>
+                                        </p:cTn>
+                                        <p:tgtEl>
+                                          <p:spTgt spid="3">
+                                            <p:txEl>
+                                              <p:pRg st="1" end="1"/>
+                                            </p:txEl>
+                                          </p:spTgt>
+                                        </p:tgtEl>
+                                        <p:attrNameLst>
+                                          <p:attrName>style.visibility</p:attrName>
+                                        </p:attrNameLst>
+                                      </p:cBhvr>
+                                      <p:to>
+                                        <p:strVal val="visible"/>
+                                      </p:to>
+                                    </p:set>
+                                    <p:animEffect transition="in" filter="barn(inVertical)">
+                                      <p:cBhvr>
+                                        <p:cTn id="27" dur="500"/>
+                                        <p:tgtEl>
+                                          <p:spTgt spid="3">
+                                            <p:txEl>
+                                              <p:pRg st="1" end="1"/>
+                                            </p:txEl>
+                                          </p:spTgt>
+                                        </p:tgtEl>
+                                      </p:cBhvr>
+                                    </p:animEffect>
+                                  </p:childTnLst>
+                                </p:cTn>
+                              </p:par>
+                            </p:childTnLst>
+                          </p:cTn>
+                        </p:par>
+                      </p:childTnLst>
+                    </p:cTn>
+                  </p:par>
+                  <p:par>
+                    <p:cTn id="28" fill="hold">
+                      <p:stCondLst>
+                        <p:cond delay="indefinite"/>
+                      </p:stCondLst>
+                      <p:childTnLst>
+                        <p:par>
+                          <p:cTn id="29" fill="hold">
+                            <p:stCondLst>
+                              <p:cond delay="0"/>
+                            </p:stCondLst>
+                            <p:childTnLst>
+                              <p:par>
+                                <p:cTn id="30" presetID="16" presetClass="entr" presetSubtype="21" fill="hold" grpId="0" nodeType="clickEffect">
+                                  <p:stCondLst>
+                                    <p:cond delay="0"/>
+                                  </p:stCondLst>
+                                  <p:childTnLst>
+                                    <p:set>
+                                      <p:cBhvr>
+                                        <p:cTn id="31" dur="1" fill="hold">
+                                          <p:stCondLst>
+                                            <p:cond delay="0"/>
+                                          </p:stCondLst>
+                                        </p:cTn>
+                                        <p:tgtEl>
+                                          <p:spTgt spid="3">
+                                            <p:txEl>
+                                              <p:pRg st="2" end="2"/>
+                                            </p:txEl>
+                                          </p:spTgt>
+                                        </p:tgtEl>
+                                        <p:attrNameLst>
+                                          <p:attrName>style.visibility</p:attrName>
+                                        </p:attrNameLst>
+                                      </p:cBhvr>
+                                      <p:to>
+                                        <p:strVal val="visible"/>
+                                      </p:to>
+                                    </p:set>
+                                    <p:animEffect transition="in" filter="barn(inVertical)">
+                                      <p:cBhvr>
+                                        <p:cTn id="32" dur="500"/>
+                                        <p:tgtEl>
+                                          <p:spTgt spid="3">
+                                            <p:txEl>
+                                              <p:pRg st="2" end="2"/>
+                                            </p:txEl>
+                                          </p:spTgt>
+                                        </p:tgtEl>
+                                      </p:cBhvr>
+                                    </p:animEffect>
+                                  </p:childTnLst>
+                                </p:cTn>
+                              </p:par>
+                            </p:childTnLst>
+                          </p:cTn>
+                        </p:par>
+                      </p:childTnLst>
+                    </p:cTn>
+                  </p:par>
+                  <p:par>
+                    <p:cTn id="33" fill="hold">
+                      <p:stCondLst>
+                        <p:cond delay="indefinite"/>
+                      </p:stCondLst>
+                      <p:childTnLst>
+                        <p:par>
+                          <p:cTn id="34" fill="hold">
+                            <p:stCondLst>
+                              <p:cond delay="0"/>
+                            </p:stCondLst>
+                            <p:childTnLst>
+                              <p:par>
+                                <p:cTn id="35" presetID="16" presetClass="entr" presetSubtype="21" fill="hold" grpId="0" nodeType="clickEffect">
+                                  <p:stCondLst>
+                                    <p:cond delay="0"/>
+                                  </p:stCondLst>
+                                  <p:childTnLst>
+                                    <p:set>
+                                      <p:cBhvr>
+                                        <p:cTn id="36" dur="1" fill="hold">
+                                          <p:stCondLst>
+                                            <p:cond delay="0"/>
+                                          </p:stCondLst>
+                                        </p:cTn>
+                                        <p:tgtEl>
+                                          <p:spTgt spid="3">
+                                            <p:txEl>
+                                              <p:pRg st="3" end="3"/>
+                                            </p:txEl>
+                                          </p:spTgt>
+                                        </p:tgtEl>
+                                        <p:attrNameLst>
+                                          <p:attrName>style.visibility</p:attrName>
+                                        </p:attrNameLst>
+                                      </p:cBhvr>
+                                      <p:to>
+                                        <p:strVal val="visible"/>
+                                      </p:to>
+                                    </p:set>
+                                    <p:animEffect transition="in" filter="barn(inVertical)">
+                                      <p:cBhvr>
+                                        <p:cTn id="37" dur="500"/>
+                                        <p:tgtEl>
+                                          <p:spTgt spid="3">
+                                            <p:txEl>
+                                              <p:pRg st="3" end="3"/>
+                                            </p:txEl>
+                                          </p:spTgt>
+                                        </p:tgtEl>
+                                      </p:cBhvr>
+                                    </p:animEffect>
+                                  </p:childTnLst>
+                                </p:cTn>
+                              </p:par>
+                            </p:childTnLst>
+                          </p:cTn>
+                        </p:par>
+                      </p:childTnLst>
+                    </p:cTn>
+                  </p:par>
+                  <p:par>
+                    <p:cTn id="38" fill="hold">
+                      <p:stCondLst>
+                        <p:cond delay="indefinite"/>
+                      </p:stCondLst>
+                      <p:childTnLst>
+                        <p:par>
+                          <p:cTn id="39" fill="hold">
+                            <p:stCondLst>
+                              <p:cond delay="0"/>
+                            </p:stCondLst>
+                            <p:childTnLst>
+                              <p:par>
+                                <p:cTn id="40" presetID="16" presetClass="entr" presetSubtype="21" fill="hold" grpId="0" nodeType="clickEffect">
+                                  <p:stCondLst>
+                                    <p:cond delay="0"/>
+                                  </p:stCondLst>
+                                  <p:childTnLst>
+                                    <p:set>
+                                      <p:cBhvr>
+                                        <p:cTn id="41" dur="1" fill="hold">
+                                          <p:stCondLst>
+                                            <p:cond delay="0"/>
+                                          </p:stCondLst>
+                                        </p:cTn>
+                                        <p:tgtEl>
+                                          <p:spTgt spid="3">
+                                            <p:txEl>
+                                              <p:pRg st="4" end="4"/>
+                                            </p:txEl>
+                                          </p:spTgt>
+                                        </p:tgtEl>
+                                        <p:attrNameLst>
+                                          <p:attrName>style.visibility</p:attrName>
+                                        </p:attrNameLst>
+                                      </p:cBhvr>
+                                      <p:to>
+                                        <p:strVal val="visible"/>
+                                      </p:to>
+                                    </p:set>
+                                    <p:animEffect transition="in" filter="barn(inVertical)">
+                                      <p:cBhvr>
+                                        <p:cTn id="42" dur="500"/>
+                                        <p:tgtEl>
+                                          <p:spTgt spid="3">
+                                            <p:txEl>
+                                              <p:pRg st="4" end="4"/>
+                                            </p:txEl>
+                                          </p:spTgt>
+                                        </p:tgtEl>
+                                      </p:cBhvr>
+                                    </p:animEffect>
+                                  </p:childTnLst>
+                                </p:cTn>
+                              </p:par>
+                            </p:childTnLst>
+                          </p:cTn>
+                        </p:par>
+                      </p:childTnLst>
+                    </p:cTn>
+                  </p:par>
+                </p:childTnLst>
+              </p:cTn>
+              <p:prevCondLst>
+                <p:cond evt="onPrev" delay="0">
+                  <p:tgtEl>
+                    <p:sldTgt/>
+                  </p:tgtEl>
+                </p:cond>
+              </p:prevCondLst>
+              <p:nextCondLst>
+                <p:cond evt="onNext" delay="0">
+                  <p:tgtEl>
+                    <p:sldTgt/>
+                  </p:tgtEl>
+                </p:cond>
+              </p:nextCondLst>
+            </p:seq>
+          </p:childTnLst>
+        </p:cTn>
+      </p:par>
+    </p:tnLst>
+    <p:bldLst>
+      <p:bldP spid="3" grpId="0" uiExpand="1" build="p" animBg="1"/>
+    </p:bldLst>
+  </p:timing>
 </p:sld>
 </file>
 
@@ -8413,22 +9076,110 @@
             <p:ph sz="quarter" idx="13"/>
           </p:nvPr>
         </p:nvSpPr>
-        <p:spPr/>
+        <p:spPr>
+          <a:xfrm>
+            <a:off x="914400" y="1810045"/>
+            <a:ext cx="10363826" cy="3056246"/>
+          </a:xfrm>
+        </p:spPr>
+        <p:style>
+          <a:lnRef idx="2">
+            <a:schemeClr val="dk1"/>
+          </a:lnRef>
+          <a:fillRef idx="1">
+            <a:schemeClr val="lt1"/>
+          </a:fillRef>
+          <a:effectRef idx="0">
+            <a:schemeClr val="dk1"/>
+          </a:effectRef>
+          <a:fontRef idx="minor">
+            <a:schemeClr val="dk1"/>
+          </a:fontRef>
+        </p:style>
         <p:txBody>
           <a:bodyPr/>
           <a:lstStyle/>
           <a:p>
             <a:r>
-              <a:rPr lang="en-GB" dirty="0"/>
-              <a:t>[Talk about the use of GitHub and version control – how you found using it and how beneficial was it for file sharing and project communication]</a:t>
-            </a:r>
+              <a:rPr lang="en-GB" dirty="0" smtClean="0"/>
+              <a:t>Used </a:t>
+            </a:r>
+            <a:r>
+              <a:rPr lang="en-GB" dirty="0" err="1" smtClean="0"/>
+              <a:t>Github</a:t>
+            </a:r>
+            <a:r>
+              <a:rPr lang="en-GB" dirty="0" smtClean="0"/>
+              <a:t> for version control – unity smaller files – git Ignore</a:t>
+            </a:r>
+          </a:p>
+          <a:p>
+            <a:r>
+              <a:rPr lang="en-GB" dirty="0" smtClean="0"/>
+              <a:t>For the most part it worked well for all team members</a:t>
+            </a:r>
+          </a:p>
+          <a:p>
+            <a:r>
+              <a:rPr lang="en-GB" dirty="0" smtClean="0"/>
+              <a:t>One instance of losing a few lines of code</a:t>
+            </a:r>
+          </a:p>
+          <a:p>
+            <a:r>
+              <a:rPr lang="en-GB" dirty="0" smtClean="0"/>
+              <a:t>Commits are great for updates with detailed specifics below them</a:t>
+            </a:r>
+          </a:p>
+          <a:p>
+            <a:r>
+              <a:rPr lang="en-GB" dirty="0" smtClean="0"/>
+              <a:t>Shows exactly side by side what has changed wither removed or added</a:t>
+            </a:r>
+          </a:p>
+          <a:p>
+            <a:r>
+              <a:rPr lang="en-GB" dirty="0" smtClean="0"/>
+              <a:t>Would use again for a small project within 1gb/100mb limits</a:t>
+            </a:r>
+            <a:endParaRPr lang="en-GB" dirty="0"/>
           </a:p>
         </p:txBody>
       </p:sp>
+      <p:pic>
+        <p:nvPicPr>
+          <p:cNvPr id="4" name="Picture 3"/>
+          <p:cNvPicPr>
+            <a:picLocks noChangeAspect="1"/>
+          </p:cNvPicPr>
+          <p:nvPr/>
+        </p:nvPicPr>
+        <p:blipFill>
+          <a:blip r:embed="rId3" cstate="print">
+            <a:extLst>
+              <a:ext uri="{28A0092B-C50C-407E-A947-70E740481C1C}">
+                <a14:useLocalDpi xmlns:a14="http://schemas.microsoft.com/office/drawing/2010/main" val="0"/>
+              </a:ext>
+            </a:extLst>
+          </a:blip>
+          <a:stretch>
+            <a:fillRect/>
+          </a:stretch>
+        </p:blipFill>
+        <p:spPr>
+          <a:xfrm>
+            <a:off x="4037204" y="4866291"/>
+            <a:ext cx="4117592" cy="1526254"/>
+          </a:xfrm>
+          <a:prstGeom prst="rect">
+            <a:avLst/>
+          </a:prstGeom>
+        </p:spPr>
+      </p:pic>
     </p:spTree>
     <p:extLst>
       <p:ext uri="{BB962C8B-B14F-4D97-AF65-F5344CB8AC3E}">
-        <p14:creationId xmlns:p14="http://schemas.microsoft.com/office/powerpoint/2010/main" val="3656021057"/>
+        <p14:creationId xmlns:p14="http://schemas.microsoft.com/office/powerpoint/2010/main" val="3715362014"/>
       </p:ext>
     </p:extLst>
   </p:cSld>
@@ -8447,6 +9198,591 @@
       </p:transition>
     </mc:Fallback>
   </mc:AlternateContent>
+  <p:timing>
+    <p:tnLst>
+      <p:par>
+        <p:cTn id="1" dur="indefinite" restart="never" nodeType="tmRoot">
+          <p:childTnLst>
+            <p:seq concurrent="1" nextAc="seek">
+              <p:cTn id="2" dur="indefinite" nodeType="mainSeq">
+                <p:childTnLst>
+                  <p:par>
+                    <p:cTn id="3" fill="hold">
+                      <p:stCondLst>
+                        <p:cond delay="indefinite"/>
+                      </p:stCondLst>
+                      <p:childTnLst>
+                        <p:par>
+                          <p:cTn id="4" fill="hold">
+                            <p:stCondLst>
+                              <p:cond delay="0"/>
+                            </p:stCondLst>
+                            <p:childTnLst>
+                              <p:par>
+                                <p:cTn id="5" presetID="14" presetClass="entr" presetSubtype="10" fill="hold" nodeType="clickEffect">
+                                  <p:stCondLst>
+                                    <p:cond delay="0"/>
+                                  </p:stCondLst>
+                                  <p:childTnLst>
+                                    <p:set>
+                                      <p:cBhvr>
+                                        <p:cTn id="6" dur="1" fill="hold">
+                                          <p:stCondLst>
+                                            <p:cond delay="0"/>
+                                          </p:stCondLst>
+                                        </p:cTn>
+                                        <p:tgtEl>
+                                          <p:spTgt spid="3">
+                                            <p:txEl>
+                                              <p:pRg st="0" end="0"/>
+                                            </p:txEl>
+                                          </p:spTgt>
+                                        </p:tgtEl>
+                                        <p:attrNameLst>
+                                          <p:attrName>style.visibility</p:attrName>
+                                        </p:attrNameLst>
+                                      </p:cBhvr>
+                                      <p:to>
+                                        <p:strVal val="visible"/>
+                                      </p:to>
+                                    </p:set>
+                                    <p:animEffect transition="in" filter="randombar(horizontal)">
+                                      <p:cBhvr>
+                                        <p:cTn id="7" dur="500"/>
+                                        <p:tgtEl>
+                                          <p:spTgt spid="3">
+                                            <p:txEl>
+                                              <p:pRg st="0" end="0"/>
+                                            </p:txEl>
+                                          </p:spTgt>
+                                        </p:tgtEl>
+                                      </p:cBhvr>
+                                    </p:animEffect>
+                                  </p:childTnLst>
+                                </p:cTn>
+                              </p:par>
+                              <p:par>
+                                <p:cTn id="8" presetID="42" presetClass="entr" presetSubtype="0" fill="hold" nodeType="withEffect">
+                                  <p:stCondLst>
+                                    <p:cond delay="0"/>
+                                  </p:stCondLst>
+                                  <p:childTnLst>
+                                    <p:set>
+                                      <p:cBhvr>
+                                        <p:cTn id="9" dur="1" fill="hold">
+                                          <p:stCondLst>
+                                            <p:cond delay="0"/>
+                                          </p:stCondLst>
+                                        </p:cTn>
+                                        <p:tgtEl>
+                                          <p:spTgt spid="4"/>
+                                        </p:tgtEl>
+                                        <p:attrNameLst>
+                                          <p:attrName>style.visibility</p:attrName>
+                                        </p:attrNameLst>
+                                      </p:cBhvr>
+                                      <p:to>
+                                        <p:strVal val="visible"/>
+                                      </p:to>
+                                    </p:set>
+                                    <p:animEffect transition="in" filter="fade">
+                                      <p:cBhvr>
+                                        <p:cTn id="10" dur="1000"/>
+                                        <p:tgtEl>
+                                          <p:spTgt spid="4"/>
+                                        </p:tgtEl>
+                                      </p:cBhvr>
+                                    </p:animEffect>
+                                    <p:anim calcmode="lin" valueType="num">
+                                      <p:cBhvr>
+                                        <p:cTn id="11" dur="1000" fill="hold"/>
+                                        <p:tgtEl>
+                                          <p:spTgt spid="4"/>
+                                        </p:tgtEl>
+                                        <p:attrNameLst>
+                                          <p:attrName>ppt_x</p:attrName>
+                                        </p:attrNameLst>
+                                      </p:cBhvr>
+                                      <p:tavLst>
+                                        <p:tav tm="0">
+                                          <p:val>
+                                            <p:strVal val="#ppt_x"/>
+                                          </p:val>
+                                        </p:tav>
+                                        <p:tav tm="100000">
+                                          <p:val>
+                                            <p:strVal val="#ppt_x"/>
+                                          </p:val>
+                                        </p:tav>
+                                      </p:tavLst>
+                                    </p:anim>
+                                    <p:anim calcmode="lin" valueType="num">
+                                      <p:cBhvr>
+                                        <p:cTn id="12" dur="1000" fill="hold"/>
+                                        <p:tgtEl>
+                                          <p:spTgt spid="4"/>
+                                        </p:tgtEl>
+                                        <p:attrNameLst>
+                                          <p:attrName>ppt_y</p:attrName>
+                                        </p:attrNameLst>
+                                      </p:cBhvr>
+                                      <p:tavLst>
+                                        <p:tav tm="0">
+                                          <p:val>
+                                            <p:strVal val="#ppt_y+.1"/>
+                                          </p:val>
+                                        </p:tav>
+                                        <p:tav tm="100000">
+                                          <p:val>
+                                            <p:strVal val="#ppt_y"/>
+                                          </p:val>
+                                        </p:tav>
+                                      </p:tavLst>
+                                    </p:anim>
+                                  </p:childTnLst>
+                                </p:cTn>
+                              </p:par>
+                            </p:childTnLst>
+                          </p:cTn>
+                        </p:par>
+                      </p:childTnLst>
+                    </p:cTn>
+                  </p:par>
+                  <p:par>
+                    <p:cTn id="13" fill="hold">
+                      <p:stCondLst>
+                        <p:cond delay="indefinite"/>
+                      </p:stCondLst>
+                      <p:childTnLst>
+                        <p:par>
+                          <p:cTn id="14" fill="hold">
+                            <p:stCondLst>
+                              <p:cond delay="0"/>
+                            </p:stCondLst>
+                            <p:childTnLst>
+                              <p:par>
+                                <p:cTn id="15" presetID="14" presetClass="entr" presetSubtype="10" fill="hold" nodeType="clickEffect">
+                                  <p:stCondLst>
+                                    <p:cond delay="0"/>
+                                  </p:stCondLst>
+                                  <p:childTnLst>
+                                    <p:set>
+                                      <p:cBhvr>
+                                        <p:cTn id="16" dur="1" fill="hold">
+                                          <p:stCondLst>
+                                            <p:cond delay="0"/>
+                                          </p:stCondLst>
+                                        </p:cTn>
+                                        <p:tgtEl>
+                                          <p:spTgt spid="3">
+                                            <p:txEl>
+                                              <p:pRg st="1" end="1"/>
+                                            </p:txEl>
+                                          </p:spTgt>
+                                        </p:tgtEl>
+                                        <p:attrNameLst>
+                                          <p:attrName>style.visibility</p:attrName>
+                                        </p:attrNameLst>
+                                      </p:cBhvr>
+                                      <p:to>
+                                        <p:strVal val="visible"/>
+                                      </p:to>
+                                    </p:set>
+                                    <p:animEffect transition="in" filter="randombar(horizontal)">
+                                      <p:cBhvr>
+                                        <p:cTn id="17" dur="500"/>
+                                        <p:tgtEl>
+                                          <p:spTgt spid="3">
+                                            <p:txEl>
+                                              <p:pRg st="1" end="1"/>
+                                            </p:txEl>
+                                          </p:spTgt>
+                                        </p:tgtEl>
+                                      </p:cBhvr>
+                                    </p:animEffect>
+                                  </p:childTnLst>
+                                </p:cTn>
+                              </p:par>
+                            </p:childTnLst>
+                          </p:cTn>
+                        </p:par>
+                      </p:childTnLst>
+                    </p:cTn>
+                  </p:par>
+                  <p:par>
+                    <p:cTn id="18" fill="hold">
+                      <p:stCondLst>
+                        <p:cond delay="indefinite"/>
+                      </p:stCondLst>
+                      <p:childTnLst>
+                        <p:par>
+                          <p:cTn id="19" fill="hold">
+                            <p:stCondLst>
+                              <p:cond delay="0"/>
+                            </p:stCondLst>
+                            <p:childTnLst>
+                              <p:par>
+                                <p:cTn id="20" presetID="53" presetClass="entr" presetSubtype="16" fill="hold" nodeType="clickEffect">
+                                  <p:stCondLst>
+                                    <p:cond delay="0"/>
+                                  </p:stCondLst>
+                                  <p:childTnLst>
+                                    <p:set>
+                                      <p:cBhvr>
+                                        <p:cTn id="21" dur="1" fill="hold">
+                                          <p:stCondLst>
+                                            <p:cond delay="0"/>
+                                          </p:stCondLst>
+                                        </p:cTn>
+                                        <p:tgtEl>
+                                          <p:spTgt spid="3">
+                                            <p:txEl>
+                                              <p:pRg st="2" end="2"/>
+                                            </p:txEl>
+                                          </p:spTgt>
+                                        </p:tgtEl>
+                                        <p:attrNameLst>
+                                          <p:attrName>style.visibility</p:attrName>
+                                        </p:attrNameLst>
+                                      </p:cBhvr>
+                                      <p:to>
+                                        <p:strVal val="visible"/>
+                                      </p:to>
+                                    </p:set>
+                                    <p:anim calcmode="lin" valueType="num">
+                                      <p:cBhvr>
+                                        <p:cTn id="22" dur="500" fill="hold"/>
+                                        <p:tgtEl>
+                                          <p:spTgt spid="3">
+                                            <p:txEl>
+                                              <p:pRg st="2" end="2"/>
+                                            </p:txEl>
+                                          </p:spTgt>
+                                        </p:tgtEl>
+                                        <p:attrNameLst>
+                                          <p:attrName>ppt_w</p:attrName>
+                                        </p:attrNameLst>
+                                      </p:cBhvr>
+                                      <p:tavLst>
+                                        <p:tav tm="0">
+                                          <p:val>
+                                            <p:fltVal val="0"/>
+                                          </p:val>
+                                        </p:tav>
+                                        <p:tav tm="100000">
+                                          <p:val>
+                                            <p:strVal val="#ppt_w"/>
+                                          </p:val>
+                                        </p:tav>
+                                      </p:tavLst>
+                                    </p:anim>
+                                    <p:anim calcmode="lin" valueType="num">
+                                      <p:cBhvr>
+                                        <p:cTn id="23" dur="500" fill="hold"/>
+                                        <p:tgtEl>
+                                          <p:spTgt spid="3">
+                                            <p:txEl>
+                                              <p:pRg st="2" end="2"/>
+                                            </p:txEl>
+                                          </p:spTgt>
+                                        </p:tgtEl>
+                                        <p:attrNameLst>
+                                          <p:attrName>ppt_h</p:attrName>
+                                        </p:attrNameLst>
+                                      </p:cBhvr>
+                                      <p:tavLst>
+                                        <p:tav tm="0">
+                                          <p:val>
+                                            <p:fltVal val="0"/>
+                                          </p:val>
+                                        </p:tav>
+                                        <p:tav tm="100000">
+                                          <p:val>
+                                            <p:strVal val="#ppt_h"/>
+                                          </p:val>
+                                        </p:tav>
+                                      </p:tavLst>
+                                    </p:anim>
+                                    <p:animEffect transition="in" filter="fade">
+                                      <p:cBhvr>
+                                        <p:cTn id="24" dur="500"/>
+                                        <p:tgtEl>
+                                          <p:spTgt spid="3">
+                                            <p:txEl>
+                                              <p:pRg st="2" end="2"/>
+                                            </p:txEl>
+                                          </p:spTgt>
+                                        </p:tgtEl>
+                                      </p:cBhvr>
+                                    </p:animEffect>
+                                  </p:childTnLst>
+                                </p:cTn>
+                              </p:par>
+                            </p:childTnLst>
+                          </p:cTn>
+                        </p:par>
+                      </p:childTnLst>
+                    </p:cTn>
+                  </p:par>
+                  <p:par>
+                    <p:cTn id="25" fill="hold">
+                      <p:stCondLst>
+                        <p:cond delay="indefinite"/>
+                      </p:stCondLst>
+                      <p:childTnLst>
+                        <p:par>
+                          <p:cTn id="26" fill="hold">
+                            <p:stCondLst>
+                              <p:cond delay="0"/>
+                            </p:stCondLst>
+                            <p:childTnLst>
+                              <p:par>
+                                <p:cTn id="27" presetID="53" presetClass="entr" presetSubtype="16" fill="hold" nodeType="clickEffect">
+                                  <p:stCondLst>
+                                    <p:cond delay="0"/>
+                                  </p:stCondLst>
+                                  <p:childTnLst>
+                                    <p:set>
+                                      <p:cBhvr>
+                                        <p:cTn id="28" dur="1" fill="hold">
+                                          <p:stCondLst>
+                                            <p:cond delay="0"/>
+                                          </p:stCondLst>
+                                        </p:cTn>
+                                        <p:tgtEl>
+                                          <p:spTgt spid="3">
+                                            <p:txEl>
+                                              <p:pRg st="3" end="3"/>
+                                            </p:txEl>
+                                          </p:spTgt>
+                                        </p:tgtEl>
+                                        <p:attrNameLst>
+                                          <p:attrName>style.visibility</p:attrName>
+                                        </p:attrNameLst>
+                                      </p:cBhvr>
+                                      <p:to>
+                                        <p:strVal val="visible"/>
+                                      </p:to>
+                                    </p:set>
+                                    <p:anim calcmode="lin" valueType="num">
+                                      <p:cBhvr>
+                                        <p:cTn id="29" dur="500" fill="hold"/>
+                                        <p:tgtEl>
+                                          <p:spTgt spid="3">
+                                            <p:txEl>
+                                              <p:pRg st="3" end="3"/>
+                                            </p:txEl>
+                                          </p:spTgt>
+                                        </p:tgtEl>
+                                        <p:attrNameLst>
+                                          <p:attrName>ppt_w</p:attrName>
+                                        </p:attrNameLst>
+                                      </p:cBhvr>
+                                      <p:tavLst>
+                                        <p:tav tm="0">
+                                          <p:val>
+                                            <p:fltVal val="0"/>
+                                          </p:val>
+                                        </p:tav>
+                                        <p:tav tm="100000">
+                                          <p:val>
+                                            <p:strVal val="#ppt_w"/>
+                                          </p:val>
+                                        </p:tav>
+                                      </p:tavLst>
+                                    </p:anim>
+                                    <p:anim calcmode="lin" valueType="num">
+                                      <p:cBhvr>
+                                        <p:cTn id="30" dur="500" fill="hold"/>
+                                        <p:tgtEl>
+                                          <p:spTgt spid="3">
+                                            <p:txEl>
+                                              <p:pRg st="3" end="3"/>
+                                            </p:txEl>
+                                          </p:spTgt>
+                                        </p:tgtEl>
+                                        <p:attrNameLst>
+                                          <p:attrName>ppt_h</p:attrName>
+                                        </p:attrNameLst>
+                                      </p:cBhvr>
+                                      <p:tavLst>
+                                        <p:tav tm="0">
+                                          <p:val>
+                                            <p:fltVal val="0"/>
+                                          </p:val>
+                                        </p:tav>
+                                        <p:tav tm="100000">
+                                          <p:val>
+                                            <p:strVal val="#ppt_h"/>
+                                          </p:val>
+                                        </p:tav>
+                                      </p:tavLst>
+                                    </p:anim>
+                                    <p:animEffect transition="in" filter="fade">
+                                      <p:cBhvr>
+                                        <p:cTn id="31" dur="500"/>
+                                        <p:tgtEl>
+                                          <p:spTgt spid="3">
+                                            <p:txEl>
+                                              <p:pRg st="3" end="3"/>
+                                            </p:txEl>
+                                          </p:spTgt>
+                                        </p:tgtEl>
+                                      </p:cBhvr>
+                                    </p:animEffect>
+                                  </p:childTnLst>
+                                </p:cTn>
+                              </p:par>
+                            </p:childTnLst>
+                          </p:cTn>
+                        </p:par>
+                      </p:childTnLst>
+                    </p:cTn>
+                  </p:par>
+                  <p:par>
+                    <p:cTn id="32" fill="hold">
+                      <p:stCondLst>
+                        <p:cond delay="indefinite"/>
+                      </p:stCondLst>
+                      <p:childTnLst>
+                        <p:par>
+                          <p:cTn id="33" fill="hold">
+                            <p:stCondLst>
+                              <p:cond delay="0"/>
+                            </p:stCondLst>
+                            <p:childTnLst>
+                              <p:par>
+                                <p:cTn id="34" presetID="6" presetClass="entr" presetSubtype="16" fill="hold" nodeType="clickEffect">
+                                  <p:stCondLst>
+                                    <p:cond delay="0"/>
+                                  </p:stCondLst>
+                                  <p:childTnLst>
+                                    <p:set>
+                                      <p:cBhvr>
+                                        <p:cTn id="35" dur="1" fill="hold">
+                                          <p:stCondLst>
+                                            <p:cond delay="0"/>
+                                          </p:stCondLst>
+                                        </p:cTn>
+                                        <p:tgtEl>
+                                          <p:spTgt spid="3">
+                                            <p:txEl>
+                                              <p:pRg st="4" end="4"/>
+                                            </p:txEl>
+                                          </p:spTgt>
+                                        </p:tgtEl>
+                                        <p:attrNameLst>
+                                          <p:attrName>style.visibility</p:attrName>
+                                        </p:attrNameLst>
+                                      </p:cBhvr>
+                                      <p:to>
+                                        <p:strVal val="visible"/>
+                                      </p:to>
+                                    </p:set>
+                                    <p:animEffect transition="in" filter="circle(in)">
+                                      <p:cBhvr>
+                                        <p:cTn id="36" dur="2000"/>
+                                        <p:tgtEl>
+                                          <p:spTgt spid="3">
+                                            <p:txEl>
+                                              <p:pRg st="4" end="4"/>
+                                            </p:txEl>
+                                          </p:spTgt>
+                                        </p:tgtEl>
+                                      </p:cBhvr>
+                                    </p:animEffect>
+                                  </p:childTnLst>
+                                </p:cTn>
+                              </p:par>
+                            </p:childTnLst>
+                          </p:cTn>
+                        </p:par>
+                      </p:childTnLst>
+                    </p:cTn>
+                  </p:par>
+                  <p:par>
+                    <p:cTn id="37" fill="hold">
+                      <p:stCondLst>
+                        <p:cond delay="indefinite"/>
+                      </p:stCondLst>
+                      <p:childTnLst>
+                        <p:par>
+                          <p:cTn id="38" fill="hold">
+                            <p:stCondLst>
+                              <p:cond delay="0"/>
+                            </p:stCondLst>
+                            <p:childTnLst>
+                              <p:par>
+                                <p:cTn id="39" presetID="6" presetClass="entr" presetSubtype="16" fill="hold" nodeType="clickEffect">
+                                  <p:stCondLst>
+                                    <p:cond delay="0"/>
+                                  </p:stCondLst>
+                                  <p:childTnLst>
+                                    <p:set>
+                                      <p:cBhvr>
+                                        <p:cTn id="40" dur="1" fill="hold">
+                                          <p:stCondLst>
+                                            <p:cond delay="0"/>
+                                          </p:stCondLst>
+                                        </p:cTn>
+                                        <p:tgtEl>
+                                          <p:spTgt spid="3">
+                                            <p:txEl>
+                                              <p:pRg st="5" end="5"/>
+                                            </p:txEl>
+                                          </p:spTgt>
+                                        </p:tgtEl>
+                                        <p:attrNameLst>
+                                          <p:attrName>style.visibility</p:attrName>
+                                        </p:attrNameLst>
+                                      </p:cBhvr>
+                                      <p:to>
+                                        <p:strVal val="visible"/>
+                                      </p:to>
+                                    </p:set>
+                                    <p:animEffect transition="in" filter="circle(in)">
+                                      <p:cBhvr>
+                                        <p:cTn id="41" dur="2000"/>
+                                        <p:tgtEl>
+                                          <p:spTgt spid="3">
+                                            <p:txEl>
+                                              <p:pRg st="5" end="5"/>
+                                            </p:txEl>
+                                          </p:spTgt>
+                                        </p:tgtEl>
+                                      </p:cBhvr>
+                                    </p:animEffect>
+                                  </p:childTnLst>
+                                </p:cTn>
+                              </p:par>
+                            </p:childTnLst>
+                          </p:cTn>
+                        </p:par>
+                      </p:childTnLst>
+                    </p:cTn>
+                  </p:par>
+                </p:childTnLst>
+              </p:cTn>
+              <p:prevCondLst>
+                <p:cond evt="onPrev" delay="0">
+                  <p:tgtEl>
+                    <p:sldTgt/>
+                  </p:tgtEl>
+                </p:cond>
+              </p:prevCondLst>
+              <p:nextCondLst>
+                <p:cond evt="onNext" delay="0">
+                  <p:tgtEl>
+                    <p:sldTgt/>
+                  </p:tgtEl>
+                </p:cond>
+              </p:nextCondLst>
+            </p:seq>
+          </p:childTnLst>
+        </p:cTn>
+      </p:par>
+    </p:tnLst>
+  </p:timing>
 </p:sld>
 </file>
 
@@ -8567,6 +9903,36 @@
           </a:p>
         </p:txBody>
       </p:sp>
+      <p:pic>
+        <p:nvPicPr>
+          <p:cNvPr id="4" name="Picture 3"/>
+          <p:cNvPicPr>
+            <a:picLocks noChangeAspect="1"/>
+          </p:cNvPicPr>
+          <p:nvPr/>
+        </p:nvPicPr>
+        <p:blipFill>
+          <a:blip r:embed="rId3" cstate="print">
+            <a:extLst>
+              <a:ext uri="{28A0092B-C50C-407E-A947-70E740481C1C}">
+                <a14:useLocalDpi xmlns:a14="http://schemas.microsoft.com/office/drawing/2010/main" val="0"/>
+              </a:ext>
+            </a:extLst>
+          </a:blip>
+          <a:stretch>
+            <a:fillRect/>
+          </a:stretch>
+        </p:blipFill>
+        <p:spPr>
+          <a:xfrm>
+            <a:off x="-1" y="5291301"/>
+            <a:ext cx="2785241" cy="1566699"/>
+          </a:xfrm>
+          <a:prstGeom prst="rect">
+            <a:avLst/>
+          </a:prstGeom>
+        </p:spPr>
+      </p:pic>
     </p:spTree>
     <p:extLst>
       <p:ext uri="{BB962C8B-B14F-4D97-AF65-F5344CB8AC3E}">
@@ -8589,6 +9955,13 @@
       </p:transition>
     </mc:Fallback>
   </mc:AlternateContent>
+  <p:timing>
+    <p:tnLst>
+      <p:par>
+        <p:cTn id="1" dur="indefinite" restart="never" nodeType="tmRoot"/>
+      </p:par>
+    </p:tnLst>
+  </p:timing>
 </p:sld>
 </file>
 
@@ -9767,9 +11140,17 @@
               <a:rPr lang="en-GB" dirty="0"/>
               <a:t>Thank you for listening!</a:t>
             </a:r>
+            <a:r>
+              <a:rPr lang="en-GB" u="sng" dirty="0"/>
+              <a:t/>
+            </a:r>
             <a:br>
               <a:rPr lang="en-GB" u="sng" dirty="0"/>
             </a:br>
+            <a:r>
+              <a:rPr lang="en-GB" u="sng" dirty="0"/>
+              <a:t/>
+            </a:r>
             <a:br>
               <a:rPr lang="en-GB" u="sng" dirty="0"/>
             </a:br>
@@ -22126,6 +23507,66 @@
           <a:chExt cx="0" cy="0"/>
         </a:xfrm>
       </p:grpSpPr>
+      <p:pic>
+        <p:nvPicPr>
+          <p:cNvPr id="15" name="Picture 14"/>
+          <p:cNvPicPr>
+            <a:picLocks noChangeAspect="1"/>
+          </p:cNvPicPr>
+          <p:nvPr/>
+        </p:nvPicPr>
+        <p:blipFill>
+          <a:blip r:embed="rId7">
+            <a:extLst>
+              <a:ext uri="{28A0092B-C50C-407E-A947-70E740481C1C}">
+                <a14:useLocalDpi xmlns:a14="http://schemas.microsoft.com/office/drawing/2010/main" val="0"/>
+              </a:ext>
+            </a:extLst>
+          </a:blip>
+          <a:stretch>
+            <a:fillRect/>
+          </a:stretch>
+        </p:blipFill>
+        <p:spPr>
+          <a:xfrm rot="10800000">
+            <a:off x="6593811" y="6858000"/>
+            <a:ext cx="2365050" cy="2365050"/>
+          </a:xfrm>
+          <a:prstGeom prst="rect">
+            <a:avLst/>
+          </a:prstGeom>
+        </p:spPr>
+      </p:pic>
+      <p:pic>
+        <p:nvPicPr>
+          <p:cNvPr id="14" name="Picture 13"/>
+          <p:cNvPicPr>
+            <a:picLocks noChangeAspect="1"/>
+          </p:cNvPicPr>
+          <p:nvPr/>
+        </p:nvPicPr>
+        <p:blipFill>
+          <a:blip r:embed="rId8">
+            <a:extLst>
+              <a:ext uri="{28A0092B-C50C-407E-A947-70E740481C1C}">
+                <a14:useLocalDpi xmlns:a14="http://schemas.microsoft.com/office/drawing/2010/main" val="0"/>
+              </a:ext>
+            </a:extLst>
+          </a:blip>
+          <a:stretch>
+            <a:fillRect/>
+          </a:stretch>
+        </p:blipFill>
+        <p:spPr>
+          <a:xfrm>
+            <a:off x="3023029" y="-2596476"/>
+            <a:ext cx="2504090" cy="2504090"/>
+          </a:xfrm>
+          <a:prstGeom prst="rect">
+            <a:avLst/>
+          </a:prstGeom>
+        </p:spPr>
+      </p:pic>
       <p:sp>
         <p:nvSpPr>
           <p:cNvPr id="2" name="Title 1"/>
@@ -22151,42 +23592,388 @@
       </p:sp>
       <p:sp>
         <p:nvSpPr>
-          <p:cNvPr id="3" name="Content Placeholder 2"/>
-          <p:cNvSpPr>
-            <a:spLocks noGrp="1"/>
-          </p:cNvSpPr>
+          <p:cNvPr id="4" name="TextBox 3"/>
+          <p:cNvSpPr txBox="1"/>
+          <p:nvPr/>
+        </p:nvSpPr>
+        <p:spPr>
+          <a:xfrm>
+            <a:off x="2204915" y="1906172"/>
+            <a:ext cx="7781544" cy="384721"/>
+          </a:xfrm>
+          <a:prstGeom prst="rect">
+            <a:avLst/>
+          </a:prstGeom>
+        </p:spPr>
+        <p:style>
+          <a:lnRef idx="2">
+            <a:schemeClr val="accent1">
+              <a:shade val="50000"/>
+            </a:schemeClr>
+          </a:lnRef>
+          <a:fillRef idx="1">
+            <a:schemeClr val="accent1"/>
+          </a:fillRef>
+          <a:effectRef idx="0">
+            <a:schemeClr val="accent1"/>
+          </a:effectRef>
+          <a:fontRef idx="minor">
+            <a:schemeClr val="lt1"/>
+          </a:fontRef>
+        </p:style>
+        <p:txBody>
+          <a:bodyPr wrap="square" rtlCol="0">
+            <a:spAutoFit/>
+          </a:bodyPr>
+          <a:lstStyle/>
+          <a:p>
+            <a:r>
+              <a:rPr lang="en-GB" dirty="0"/>
+              <a:t>All the non music </a:t>
+            </a:r>
+            <a:r>
+              <a:rPr lang="en-GB" sz="1900" dirty="0"/>
+              <a:t>audio</a:t>
+            </a:r>
+            <a:r>
+              <a:rPr lang="en-GB" dirty="0"/>
+              <a:t> was </a:t>
+            </a:r>
+            <a:r>
+              <a:rPr lang="en-GB" dirty="0" smtClean="0"/>
+              <a:t>created </a:t>
+            </a:r>
+            <a:r>
+              <a:rPr lang="en-GB" dirty="0"/>
+              <a:t>by </a:t>
+            </a:r>
+            <a:r>
+              <a:rPr lang="en-GB" dirty="0" err="1"/>
+              <a:t>K.Melville</a:t>
+            </a:r>
+            <a:r>
+              <a:rPr lang="en-GB" dirty="0"/>
+              <a:t> using </a:t>
+            </a:r>
+            <a:r>
+              <a:rPr lang="en-GB" dirty="0" smtClean="0"/>
+              <a:t>Audacity.</a:t>
+            </a:r>
+            <a:endParaRPr lang="en-GB" dirty="0"/>
+          </a:p>
+        </p:txBody>
+      </p:sp>
+      <p:sp>
+        <p:nvSpPr>
+          <p:cNvPr id="5" name="TextBox 4"/>
+          <p:cNvSpPr txBox="1"/>
+          <p:nvPr/>
+        </p:nvSpPr>
+        <p:spPr>
+          <a:xfrm>
+            <a:off x="2204915" y="2350463"/>
+            <a:ext cx="7781544" cy="369332"/>
+          </a:xfrm>
+          <a:prstGeom prst="rect">
+            <a:avLst/>
+          </a:prstGeom>
+        </p:spPr>
+        <p:style>
+          <a:lnRef idx="2">
+            <a:schemeClr val="accent2">
+              <a:shade val="50000"/>
+            </a:schemeClr>
+          </a:lnRef>
+          <a:fillRef idx="1">
+            <a:schemeClr val="accent2"/>
+          </a:fillRef>
+          <a:effectRef idx="0">
+            <a:schemeClr val="accent2"/>
+          </a:effectRef>
+          <a:fontRef idx="minor">
+            <a:schemeClr val="lt1"/>
+          </a:fontRef>
+        </p:style>
+        <p:txBody>
+          <a:bodyPr wrap="square" rtlCol="0">
+            <a:spAutoFit/>
+          </a:bodyPr>
+          <a:lstStyle/>
+          <a:p>
+            <a:r>
+              <a:rPr lang="en-GB" dirty="0"/>
+              <a:t>9 audio files created for the </a:t>
+            </a:r>
+            <a:r>
+              <a:rPr lang="en-GB" dirty="0" smtClean="0"/>
+              <a:t>Game.</a:t>
+            </a:r>
+            <a:endParaRPr lang="en-GB" dirty="0"/>
+          </a:p>
+        </p:txBody>
+      </p:sp>
+      <p:pic>
+        <p:nvPicPr>
+          <p:cNvPr id="6" name="player_Jump">
+            <a:hlinkClick r:id="" action="ppaction://media"/>
+          </p:cNvPr>
+          <p:cNvPicPr>
+            <a:picLocks noChangeAspect="1"/>
+          </p:cNvPicPr>
           <p:nvPr>
-            <p:ph sz="quarter" idx="13"/>
+            <a:audioFile r:link="rId2"/>
+            <p:extLst>
+              <p:ext uri="{DAA4B4D4-6D71-4841-9C94-3DE7FCFB9230}">
+                <p14:media xmlns:p14="http://schemas.microsoft.com/office/powerpoint/2010/main" r:embed="rId1"/>
+              </p:ext>
+            </p:extLst>
           </p:nvPr>
+        </p:nvPicPr>
+        <p:blipFill>
+          <a:blip r:embed="rId9"/>
+          <a:stretch>
+            <a:fillRect/>
+          </a:stretch>
+        </p:blipFill>
+        <p:spPr>
+          <a:xfrm>
+            <a:off x="3970274" y="3060388"/>
+            <a:ext cx="609600" cy="609600"/>
+          </a:xfrm>
+          <a:prstGeom prst="rect">
+            <a:avLst/>
+          </a:prstGeom>
+        </p:spPr>
+      </p:pic>
+      <p:pic>
+        <p:nvPicPr>
+          <p:cNvPr id="7" name="player_death">
+            <a:hlinkClick r:id="" action="ppaction://media"/>
+          </p:cNvPr>
+          <p:cNvPicPr>
+            <a:picLocks noChangeAspect="1"/>
+          </p:cNvPicPr>
+          <p:nvPr>
+            <a:audioFile r:link="rId4"/>
+            <p:extLst>
+              <p:ext uri="{DAA4B4D4-6D71-4841-9C94-3DE7FCFB9230}">
+                <p14:media xmlns:p14="http://schemas.microsoft.com/office/powerpoint/2010/main" r:embed="rId3"/>
+              </p:ext>
+            </p:extLst>
+          </p:nvPr>
+        </p:nvPicPr>
+        <p:blipFill>
+          <a:blip r:embed="rId9"/>
+          <a:stretch>
+            <a:fillRect/>
+          </a:stretch>
+        </p:blipFill>
+        <p:spPr>
+          <a:xfrm>
+            <a:off x="7471537" y="3060388"/>
+            <a:ext cx="609600" cy="609600"/>
+          </a:xfrm>
+          <a:prstGeom prst="rect">
+            <a:avLst/>
+          </a:prstGeom>
+        </p:spPr>
+      </p:pic>
+      <p:sp>
+        <p:nvSpPr>
+          <p:cNvPr id="8" name="TextBox 7"/>
+          <p:cNvSpPr txBox="1"/>
+          <p:nvPr/>
         </p:nvSpPr>
-        <p:spPr/>
+        <p:spPr>
+          <a:xfrm>
+            <a:off x="2204915" y="4344075"/>
+            <a:ext cx="7781544" cy="369332"/>
+          </a:xfrm>
+          <a:prstGeom prst="rect">
+            <a:avLst/>
+          </a:prstGeom>
+        </p:spPr>
+        <p:style>
+          <a:lnRef idx="2">
+            <a:schemeClr val="accent4">
+              <a:shade val="50000"/>
+            </a:schemeClr>
+          </a:lnRef>
+          <a:fillRef idx="1">
+            <a:schemeClr val="accent4"/>
+          </a:fillRef>
+          <a:effectRef idx="0">
+            <a:schemeClr val="accent4"/>
+          </a:effectRef>
+          <a:fontRef idx="minor">
+            <a:schemeClr val="lt1"/>
+          </a:fontRef>
+        </p:style>
         <p:txBody>
-          <a:bodyPr/>
+          <a:bodyPr wrap="square" rtlCol="0">
+            <a:spAutoFit/>
+          </a:bodyPr>
           <a:lstStyle/>
           <a:p>
             <a:r>
               <a:rPr lang="en-GB" dirty="0"/>
-              <a:t>[Discuss audio – how it was created (e.g. via Audacity) – multiple sounds per level? </a:t>
-            </a:r>
-          </a:p>
+              <a:t>Music will all be sourced from chiptunes giving the game a nostalgic </a:t>
+            </a:r>
+            <a:r>
+              <a:rPr lang="en-GB" dirty="0" smtClean="0"/>
+              <a:t>8-bit sound.</a:t>
+            </a:r>
+            <a:endParaRPr lang="en-GB" dirty="0"/>
+          </a:p>
+        </p:txBody>
+      </p:sp>
+      <p:sp>
+        <p:nvSpPr>
+          <p:cNvPr id="10" name="TextBox 9"/>
+          <p:cNvSpPr txBox="1"/>
+          <p:nvPr/>
+        </p:nvSpPr>
+        <p:spPr>
+          <a:xfrm>
+            <a:off x="2204915" y="4772977"/>
+            <a:ext cx="7781544" cy="369332"/>
+          </a:xfrm>
+          <a:prstGeom prst="rect">
+            <a:avLst/>
+          </a:prstGeom>
+        </p:spPr>
+        <p:style>
+          <a:lnRef idx="2">
+            <a:schemeClr val="accent6">
+              <a:shade val="50000"/>
+            </a:schemeClr>
+          </a:lnRef>
+          <a:fillRef idx="1">
+            <a:schemeClr val="accent6"/>
+          </a:fillRef>
+          <a:effectRef idx="0">
+            <a:schemeClr val="accent6"/>
+          </a:effectRef>
+          <a:fontRef idx="minor">
+            <a:schemeClr val="lt1"/>
+          </a:fontRef>
+        </p:style>
+        <p:txBody>
+          <a:bodyPr wrap="square" rtlCol="0">
+            <a:spAutoFit/>
+          </a:bodyPr>
+          <a:lstStyle/>
           <a:p>
             <a:r>
               <a:rPr lang="en-GB" dirty="0"/>
-              <a:t>[Samples of the sounds]</a:t>
-            </a:r>
-          </a:p>
-          <a:p>
-            <a:r>
-              <a:rPr lang="en-GB" dirty="0"/>
-              <a:t>[Discuss ease of use of the software? – how easy to integrate with Unity?]</a:t>
-            </a:r>
+              <a:t>Audacity was an easy to use free software </a:t>
+            </a:r>
+            <a:r>
+              <a:rPr lang="en-GB" dirty="0" smtClean="0"/>
+              <a:t>package.</a:t>
+            </a:r>
+            <a:endParaRPr lang="en-GB" dirty="0"/>
+          </a:p>
+        </p:txBody>
+      </p:sp>
+      <p:sp>
+        <p:nvSpPr>
+          <p:cNvPr id="12" name="TextBox 11"/>
+          <p:cNvSpPr txBox="1"/>
+          <p:nvPr/>
+        </p:nvSpPr>
+        <p:spPr>
+          <a:xfrm>
+            <a:off x="3334397" y="3162603"/>
+            <a:ext cx="2112579" cy="369332"/>
+          </a:xfrm>
+          <a:prstGeom prst="rect">
+            <a:avLst/>
+          </a:prstGeom>
+        </p:spPr>
+        <p:style>
+          <a:lnRef idx="1">
+            <a:schemeClr val="accent3"/>
+          </a:lnRef>
+          <a:fillRef idx="2">
+            <a:schemeClr val="accent3"/>
+          </a:fillRef>
+          <a:effectRef idx="1">
+            <a:schemeClr val="accent3"/>
+          </a:effectRef>
+          <a:fontRef idx="minor">
+            <a:schemeClr val="dk1"/>
+          </a:fontRef>
+        </p:style>
+        <p:txBody>
+          <a:bodyPr wrap="square" rtlCol="0">
+            <a:spAutoFit/>
+          </a:bodyPr>
+          <a:lstStyle/>
+          <a:p>
+            <a:r>
+              <a:rPr lang="en-GB" dirty="0" err="1" smtClean="0"/>
+              <a:t>Player_jump</a:t>
+            </a:r>
+            <a:r>
+              <a:rPr lang="en-GB" dirty="0" smtClean="0"/>
+              <a:t> Sound</a:t>
+            </a:r>
+            <a:endParaRPr lang="en-GB" dirty="0"/>
+          </a:p>
+        </p:txBody>
+      </p:sp>
+      <p:sp>
+        <p:nvSpPr>
+          <p:cNvPr id="13" name="TextBox 12"/>
+          <p:cNvSpPr txBox="1"/>
+          <p:nvPr/>
+        </p:nvSpPr>
+        <p:spPr>
+          <a:xfrm>
+            <a:off x="6720047" y="3167582"/>
+            <a:ext cx="2112579" cy="369332"/>
+          </a:xfrm>
+          <a:prstGeom prst="rect">
+            <a:avLst/>
+          </a:prstGeom>
+        </p:spPr>
+        <p:style>
+          <a:lnRef idx="1">
+            <a:schemeClr val="accent5"/>
+          </a:lnRef>
+          <a:fillRef idx="2">
+            <a:schemeClr val="accent5"/>
+          </a:fillRef>
+          <a:effectRef idx="1">
+            <a:schemeClr val="accent5"/>
+          </a:effectRef>
+          <a:fontRef idx="minor">
+            <a:schemeClr val="dk1"/>
+          </a:fontRef>
+        </p:style>
+        <p:txBody>
+          <a:bodyPr wrap="square" rtlCol="0">
+            <a:spAutoFit/>
+          </a:bodyPr>
+          <a:lstStyle/>
+          <a:p>
+            <a:r>
+              <a:rPr lang="en-GB" dirty="0" err="1" smtClean="0"/>
+              <a:t>Player_death</a:t>
+            </a:r>
+            <a:r>
+              <a:rPr lang="en-GB" dirty="0" smtClean="0"/>
+              <a:t> Sound</a:t>
+            </a:r>
+            <a:endParaRPr lang="en-GB" dirty="0"/>
           </a:p>
         </p:txBody>
       </p:sp>
     </p:spTree>
     <p:extLst>
       <p:ext uri="{BB962C8B-B14F-4D97-AF65-F5344CB8AC3E}">
-        <p14:creationId xmlns:p14="http://schemas.microsoft.com/office/powerpoint/2010/main" val="3194970854"/>
+        <p14:creationId xmlns:p14="http://schemas.microsoft.com/office/powerpoint/2010/main" val="3372747788"/>
       </p:ext>
     </p:extLst>
   </p:cSld>
@@ -22205,6 +23992,644 @@
       </p:transition>
     </mc:Fallback>
   </mc:AlternateContent>
+  <p:timing>
+    <p:tnLst>
+      <p:par>
+        <p:cTn id="1" dur="indefinite" restart="never" nodeType="tmRoot">
+          <p:childTnLst>
+            <p:seq concurrent="1" nextAc="seek">
+              <p:cTn id="2" dur="indefinite" nodeType="mainSeq">
+                <p:childTnLst>
+                  <p:par>
+                    <p:cTn id="3" fill="hold">
+                      <p:stCondLst>
+                        <p:cond delay="indefinite"/>
+                      </p:stCondLst>
+                      <p:childTnLst>
+                        <p:par>
+                          <p:cTn id="4" fill="hold">
+                            <p:stCondLst>
+                              <p:cond delay="0"/>
+                            </p:stCondLst>
+                            <p:childTnLst>
+                              <p:par>
+                                <p:cTn id="5" presetID="22" presetClass="entr" presetSubtype="4" fill="hold" grpId="0" nodeType="clickEffect">
+                                  <p:stCondLst>
+                                    <p:cond delay="0"/>
+                                  </p:stCondLst>
+                                  <p:childTnLst>
+                                    <p:set>
+                                      <p:cBhvr>
+                                        <p:cTn id="6" dur="1" fill="hold">
+                                          <p:stCondLst>
+                                            <p:cond delay="0"/>
+                                          </p:stCondLst>
+                                        </p:cTn>
+                                        <p:tgtEl>
+                                          <p:spTgt spid="4"/>
+                                        </p:tgtEl>
+                                        <p:attrNameLst>
+                                          <p:attrName>style.visibility</p:attrName>
+                                        </p:attrNameLst>
+                                      </p:cBhvr>
+                                      <p:to>
+                                        <p:strVal val="visible"/>
+                                      </p:to>
+                                    </p:set>
+                                    <p:animEffect transition="in" filter="wipe(down)">
+                                      <p:cBhvr>
+                                        <p:cTn id="7" dur="500"/>
+                                        <p:tgtEl>
+                                          <p:spTgt spid="4"/>
+                                        </p:tgtEl>
+                                      </p:cBhvr>
+                                    </p:animEffect>
+                                  </p:childTnLst>
+                                </p:cTn>
+                              </p:par>
+                            </p:childTnLst>
+                          </p:cTn>
+                        </p:par>
+                      </p:childTnLst>
+                    </p:cTn>
+                  </p:par>
+                  <p:par>
+                    <p:cTn id="8" fill="hold">
+                      <p:stCondLst>
+                        <p:cond delay="indefinite"/>
+                      </p:stCondLst>
+                      <p:childTnLst>
+                        <p:par>
+                          <p:cTn id="9" fill="hold">
+                            <p:stCondLst>
+                              <p:cond delay="0"/>
+                            </p:stCondLst>
+                            <p:childTnLst>
+                              <p:par>
+                                <p:cTn id="10" presetID="22" presetClass="entr" presetSubtype="1" fill="hold" grpId="0" nodeType="clickEffect">
+                                  <p:stCondLst>
+                                    <p:cond delay="0"/>
+                                  </p:stCondLst>
+                                  <p:childTnLst>
+                                    <p:set>
+                                      <p:cBhvr>
+                                        <p:cTn id="11" dur="1" fill="hold">
+                                          <p:stCondLst>
+                                            <p:cond delay="0"/>
+                                          </p:stCondLst>
+                                        </p:cTn>
+                                        <p:tgtEl>
+                                          <p:spTgt spid="5"/>
+                                        </p:tgtEl>
+                                        <p:attrNameLst>
+                                          <p:attrName>style.visibility</p:attrName>
+                                        </p:attrNameLst>
+                                      </p:cBhvr>
+                                      <p:to>
+                                        <p:strVal val="visible"/>
+                                      </p:to>
+                                    </p:set>
+                                    <p:animEffect transition="in" filter="wipe(up)">
+                                      <p:cBhvr>
+                                        <p:cTn id="12" dur="500"/>
+                                        <p:tgtEl>
+                                          <p:spTgt spid="5"/>
+                                        </p:tgtEl>
+                                      </p:cBhvr>
+                                    </p:animEffect>
+                                  </p:childTnLst>
+                                </p:cTn>
+                              </p:par>
+                            </p:childTnLst>
+                          </p:cTn>
+                        </p:par>
+                      </p:childTnLst>
+                    </p:cTn>
+                  </p:par>
+                  <p:par>
+                    <p:cTn id="13" fill="hold">
+                      <p:stCondLst>
+                        <p:cond delay="indefinite"/>
+                      </p:stCondLst>
+                      <p:childTnLst>
+                        <p:par>
+                          <p:cTn id="14" fill="hold">
+                            <p:stCondLst>
+                              <p:cond delay="0"/>
+                            </p:stCondLst>
+                            <p:childTnLst>
+                              <p:par>
+                                <p:cTn id="15" presetID="10" presetClass="entr" presetSubtype="0" fill="hold" grpId="0" nodeType="clickEffect">
+                                  <p:stCondLst>
+                                    <p:cond delay="0"/>
+                                  </p:stCondLst>
+                                  <p:childTnLst>
+                                    <p:set>
+                                      <p:cBhvr>
+                                        <p:cTn id="16" dur="1" fill="hold">
+                                          <p:stCondLst>
+                                            <p:cond delay="0"/>
+                                          </p:stCondLst>
+                                        </p:cTn>
+                                        <p:tgtEl>
+                                          <p:spTgt spid="12"/>
+                                        </p:tgtEl>
+                                        <p:attrNameLst>
+                                          <p:attrName>style.visibility</p:attrName>
+                                        </p:attrNameLst>
+                                      </p:cBhvr>
+                                      <p:to>
+                                        <p:strVal val="visible"/>
+                                      </p:to>
+                                    </p:set>
+                                    <p:animEffect transition="in" filter="fade">
+                                      <p:cBhvr>
+                                        <p:cTn id="17" dur="500"/>
+                                        <p:tgtEl>
+                                          <p:spTgt spid="12"/>
+                                        </p:tgtEl>
+                                      </p:cBhvr>
+                                    </p:animEffect>
+                                  </p:childTnLst>
+                                </p:cTn>
+                              </p:par>
+                            </p:childTnLst>
+                          </p:cTn>
+                        </p:par>
+                        <p:par>
+                          <p:cTn id="18" fill="hold">
+                            <p:stCondLst>
+                              <p:cond delay="500"/>
+                            </p:stCondLst>
+                            <p:childTnLst>
+                              <p:par>
+                                <p:cTn id="19" presetID="1" presetClass="mediacall" presetSubtype="0" fill="hold" nodeType="afterEffect">
+                                  <p:stCondLst>
+                                    <p:cond delay="0"/>
+                                  </p:stCondLst>
+                                  <p:childTnLst>
+                                    <p:cmd type="call" cmd="playFrom(0.0)">
+                                      <p:cBhvr>
+                                        <p:cTn id="20" dur="1128" fill="hold"/>
+                                        <p:tgtEl>
+                                          <p:spTgt spid="6"/>
+                                        </p:tgtEl>
+                                      </p:cBhvr>
+                                    </p:cmd>
+                                  </p:childTnLst>
+                                </p:cTn>
+                              </p:par>
+                              <p:par>
+                                <p:cTn id="21" presetID="2" presetClass="entr" presetSubtype="4" fill="hold" nodeType="withEffect">
+                                  <p:stCondLst>
+                                    <p:cond delay="0"/>
+                                  </p:stCondLst>
+                                  <p:childTnLst>
+                                    <p:set>
+                                      <p:cBhvr>
+                                        <p:cTn id="22" dur="1" fill="hold">
+                                          <p:stCondLst>
+                                            <p:cond delay="0"/>
+                                          </p:stCondLst>
+                                        </p:cTn>
+                                        <p:tgtEl>
+                                          <p:spTgt spid="14"/>
+                                        </p:tgtEl>
+                                        <p:attrNameLst>
+                                          <p:attrName>style.visibility</p:attrName>
+                                        </p:attrNameLst>
+                                      </p:cBhvr>
+                                      <p:to>
+                                        <p:strVal val="visible"/>
+                                      </p:to>
+                                    </p:set>
+                                    <p:anim calcmode="lin" valueType="num">
+                                      <p:cBhvr additive="base">
+                                        <p:cTn id="23" dur="250" fill="hold"/>
+                                        <p:tgtEl>
+                                          <p:spTgt spid="14"/>
+                                        </p:tgtEl>
+                                        <p:attrNameLst>
+                                          <p:attrName>ppt_x</p:attrName>
+                                        </p:attrNameLst>
+                                      </p:cBhvr>
+                                      <p:tavLst>
+                                        <p:tav tm="0">
+                                          <p:val>
+                                            <p:strVal val="#ppt_x"/>
+                                          </p:val>
+                                        </p:tav>
+                                        <p:tav tm="100000">
+                                          <p:val>
+                                            <p:strVal val="#ppt_x"/>
+                                          </p:val>
+                                        </p:tav>
+                                      </p:tavLst>
+                                    </p:anim>
+                                    <p:anim calcmode="lin" valueType="num">
+                                      <p:cBhvr additive="base">
+                                        <p:cTn id="24" dur="250" fill="hold"/>
+                                        <p:tgtEl>
+                                          <p:spTgt spid="14"/>
+                                        </p:tgtEl>
+                                        <p:attrNameLst>
+                                          <p:attrName>ppt_y</p:attrName>
+                                        </p:attrNameLst>
+                                      </p:cBhvr>
+                                      <p:tavLst>
+                                        <p:tav tm="0">
+                                          <p:val>
+                                            <p:strVal val="1+#ppt_h/2"/>
+                                          </p:val>
+                                        </p:tav>
+                                        <p:tav tm="100000">
+                                          <p:val>
+                                            <p:strVal val="#ppt_y"/>
+                                          </p:val>
+                                        </p:tav>
+                                      </p:tavLst>
+                                    </p:anim>
+                                  </p:childTnLst>
+                                </p:cTn>
+                              </p:par>
+                            </p:childTnLst>
+                          </p:cTn>
+                        </p:par>
+                      </p:childTnLst>
+                    </p:cTn>
+                  </p:par>
+                  <p:par>
+                    <p:cTn id="25" fill="hold">
+                      <p:stCondLst>
+                        <p:cond delay="indefinite"/>
+                      </p:stCondLst>
+                      <p:childTnLst>
+                        <p:par>
+                          <p:cTn id="26" fill="hold">
+                            <p:stCondLst>
+                              <p:cond delay="0"/>
+                            </p:stCondLst>
+                            <p:childTnLst>
+                              <p:par>
+                                <p:cTn id="27" presetID="10" presetClass="entr" presetSubtype="0" fill="hold" grpId="0" nodeType="clickEffect">
+                                  <p:stCondLst>
+                                    <p:cond delay="0"/>
+                                  </p:stCondLst>
+                                  <p:childTnLst>
+                                    <p:set>
+                                      <p:cBhvr>
+                                        <p:cTn id="28" dur="1" fill="hold">
+                                          <p:stCondLst>
+                                            <p:cond delay="0"/>
+                                          </p:stCondLst>
+                                        </p:cTn>
+                                        <p:tgtEl>
+                                          <p:spTgt spid="13"/>
+                                        </p:tgtEl>
+                                        <p:attrNameLst>
+                                          <p:attrName>style.visibility</p:attrName>
+                                        </p:attrNameLst>
+                                      </p:cBhvr>
+                                      <p:to>
+                                        <p:strVal val="visible"/>
+                                      </p:to>
+                                    </p:set>
+                                    <p:animEffect transition="in" filter="fade">
+                                      <p:cBhvr>
+                                        <p:cTn id="29" dur="500"/>
+                                        <p:tgtEl>
+                                          <p:spTgt spid="13"/>
+                                        </p:tgtEl>
+                                      </p:cBhvr>
+                                    </p:animEffect>
+                                  </p:childTnLst>
+                                </p:cTn>
+                              </p:par>
+                            </p:childTnLst>
+                          </p:cTn>
+                        </p:par>
+                        <p:par>
+                          <p:cTn id="30" fill="hold">
+                            <p:stCondLst>
+                              <p:cond delay="500"/>
+                            </p:stCondLst>
+                            <p:childTnLst>
+                              <p:par>
+                                <p:cTn id="31" presetID="1" presetClass="mediacall" presetSubtype="0" fill="hold" nodeType="afterEffect">
+                                  <p:stCondLst>
+                                    <p:cond delay="0"/>
+                                  </p:stCondLst>
+                                  <p:childTnLst>
+                                    <p:cmd type="call" cmd="playFrom(0.0)">
+                                      <p:cBhvr>
+                                        <p:cTn id="32" dur="1255" fill="hold"/>
+                                        <p:tgtEl>
+                                          <p:spTgt spid="7"/>
+                                        </p:tgtEl>
+                                      </p:cBhvr>
+                                    </p:cmd>
+                                  </p:childTnLst>
+                                </p:cTn>
+                              </p:par>
+                              <p:par>
+                                <p:cTn id="33" presetID="2" presetClass="entr" presetSubtype="1" fill="hold" nodeType="withEffect">
+                                  <p:stCondLst>
+                                    <p:cond delay="0"/>
+                                  </p:stCondLst>
+                                  <p:childTnLst>
+                                    <p:set>
+                                      <p:cBhvr>
+                                        <p:cTn id="34" dur="1" fill="hold">
+                                          <p:stCondLst>
+                                            <p:cond delay="0"/>
+                                          </p:stCondLst>
+                                        </p:cTn>
+                                        <p:tgtEl>
+                                          <p:spTgt spid="15"/>
+                                        </p:tgtEl>
+                                        <p:attrNameLst>
+                                          <p:attrName>style.visibility</p:attrName>
+                                        </p:attrNameLst>
+                                      </p:cBhvr>
+                                      <p:to>
+                                        <p:strVal val="visible"/>
+                                      </p:to>
+                                    </p:set>
+                                    <p:anim calcmode="lin" valueType="num">
+                                      <p:cBhvr additive="base">
+                                        <p:cTn id="35" dur="250" fill="hold"/>
+                                        <p:tgtEl>
+                                          <p:spTgt spid="15"/>
+                                        </p:tgtEl>
+                                        <p:attrNameLst>
+                                          <p:attrName>ppt_x</p:attrName>
+                                        </p:attrNameLst>
+                                      </p:cBhvr>
+                                      <p:tavLst>
+                                        <p:tav tm="0">
+                                          <p:val>
+                                            <p:strVal val="#ppt_x"/>
+                                          </p:val>
+                                        </p:tav>
+                                        <p:tav tm="100000">
+                                          <p:val>
+                                            <p:strVal val="#ppt_x"/>
+                                          </p:val>
+                                        </p:tav>
+                                      </p:tavLst>
+                                    </p:anim>
+                                    <p:anim calcmode="lin" valueType="num">
+                                      <p:cBhvr additive="base">
+                                        <p:cTn id="36" dur="250" fill="hold"/>
+                                        <p:tgtEl>
+                                          <p:spTgt spid="15"/>
+                                        </p:tgtEl>
+                                        <p:attrNameLst>
+                                          <p:attrName>ppt_y</p:attrName>
+                                        </p:attrNameLst>
+                                      </p:cBhvr>
+                                      <p:tavLst>
+                                        <p:tav tm="0">
+                                          <p:val>
+                                            <p:strVal val="0-#ppt_h/2"/>
+                                          </p:val>
+                                        </p:tav>
+                                        <p:tav tm="100000">
+                                          <p:val>
+                                            <p:strVal val="#ppt_y"/>
+                                          </p:val>
+                                        </p:tav>
+                                      </p:tavLst>
+                                    </p:anim>
+                                  </p:childTnLst>
+                                </p:cTn>
+                              </p:par>
+                            </p:childTnLst>
+                          </p:cTn>
+                        </p:par>
+                      </p:childTnLst>
+                    </p:cTn>
+                  </p:par>
+                  <p:par>
+                    <p:cTn id="37" fill="hold">
+                      <p:stCondLst>
+                        <p:cond delay="indefinite"/>
+                      </p:stCondLst>
+                      <p:childTnLst>
+                        <p:par>
+                          <p:cTn id="38" fill="hold">
+                            <p:stCondLst>
+                              <p:cond delay="0"/>
+                            </p:stCondLst>
+                            <p:childTnLst>
+                              <p:par>
+                                <p:cTn id="39" presetID="14" presetClass="entr" presetSubtype="10" fill="hold" grpId="0" nodeType="clickEffect">
+                                  <p:stCondLst>
+                                    <p:cond delay="0"/>
+                                  </p:stCondLst>
+                                  <p:childTnLst>
+                                    <p:set>
+                                      <p:cBhvr>
+                                        <p:cTn id="40" dur="1" fill="hold">
+                                          <p:stCondLst>
+                                            <p:cond delay="0"/>
+                                          </p:stCondLst>
+                                        </p:cTn>
+                                        <p:tgtEl>
+                                          <p:spTgt spid="8"/>
+                                        </p:tgtEl>
+                                        <p:attrNameLst>
+                                          <p:attrName>style.visibility</p:attrName>
+                                        </p:attrNameLst>
+                                      </p:cBhvr>
+                                      <p:to>
+                                        <p:strVal val="visible"/>
+                                      </p:to>
+                                    </p:set>
+                                    <p:animEffect transition="in" filter="randombar(horizontal)">
+                                      <p:cBhvr>
+                                        <p:cTn id="41" dur="500"/>
+                                        <p:tgtEl>
+                                          <p:spTgt spid="8"/>
+                                        </p:tgtEl>
+                                      </p:cBhvr>
+                                    </p:animEffect>
+                                  </p:childTnLst>
+                                </p:cTn>
+                              </p:par>
+                            </p:childTnLst>
+                          </p:cTn>
+                        </p:par>
+                      </p:childTnLst>
+                    </p:cTn>
+                  </p:par>
+                  <p:par>
+                    <p:cTn id="42" fill="hold">
+                      <p:stCondLst>
+                        <p:cond delay="indefinite"/>
+                      </p:stCondLst>
+                      <p:childTnLst>
+                        <p:par>
+                          <p:cTn id="43" fill="hold">
+                            <p:stCondLst>
+                              <p:cond delay="0"/>
+                            </p:stCondLst>
+                            <p:childTnLst>
+                              <p:par>
+                                <p:cTn id="44" presetID="53" presetClass="entr" presetSubtype="16" fill="hold" grpId="0" nodeType="clickEffect">
+                                  <p:stCondLst>
+                                    <p:cond delay="0"/>
+                                  </p:stCondLst>
+                                  <p:childTnLst>
+                                    <p:set>
+                                      <p:cBhvr>
+                                        <p:cTn id="45" dur="1" fill="hold">
+                                          <p:stCondLst>
+                                            <p:cond delay="0"/>
+                                          </p:stCondLst>
+                                        </p:cTn>
+                                        <p:tgtEl>
+                                          <p:spTgt spid="10"/>
+                                        </p:tgtEl>
+                                        <p:attrNameLst>
+                                          <p:attrName>style.visibility</p:attrName>
+                                        </p:attrNameLst>
+                                      </p:cBhvr>
+                                      <p:to>
+                                        <p:strVal val="visible"/>
+                                      </p:to>
+                                    </p:set>
+                                    <p:anim calcmode="lin" valueType="num">
+                                      <p:cBhvr>
+                                        <p:cTn id="46" dur="500" fill="hold"/>
+                                        <p:tgtEl>
+                                          <p:spTgt spid="10"/>
+                                        </p:tgtEl>
+                                        <p:attrNameLst>
+                                          <p:attrName>ppt_w</p:attrName>
+                                        </p:attrNameLst>
+                                      </p:cBhvr>
+                                      <p:tavLst>
+                                        <p:tav tm="0">
+                                          <p:val>
+                                            <p:fltVal val="0"/>
+                                          </p:val>
+                                        </p:tav>
+                                        <p:tav tm="100000">
+                                          <p:val>
+                                            <p:strVal val="#ppt_w"/>
+                                          </p:val>
+                                        </p:tav>
+                                      </p:tavLst>
+                                    </p:anim>
+                                    <p:anim calcmode="lin" valueType="num">
+                                      <p:cBhvr>
+                                        <p:cTn id="47" dur="500" fill="hold"/>
+                                        <p:tgtEl>
+                                          <p:spTgt spid="10"/>
+                                        </p:tgtEl>
+                                        <p:attrNameLst>
+                                          <p:attrName>ppt_h</p:attrName>
+                                        </p:attrNameLst>
+                                      </p:cBhvr>
+                                      <p:tavLst>
+                                        <p:tav tm="0">
+                                          <p:val>
+                                            <p:fltVal val="0"/>
+                                          </p:val>
+                                        </p:tav>
+                                        <p:tav tm="100000">
+                                          <p:val>
+                                            <p:strVal val="#ppt_h"/>
+                                          </p:val>
+                                        </p:tav>
+                                      </p:tavLst>
+                                    </p:anim>
+                                    <p:animEffect transition="in" filter="fade">
+                                      <p:cBhvr>
+                                        <p:cTn id="48" dur="500"/>
+                                        <p:tgtEl>
+                                          <p:spTgt spid="10"/>
+                                        </p:tgtEl>
+                                      </p:cBhvr>
+                                    </p:animEffect>
+                                  </p:childTnLst>
+                                </p:cTn>
+                              </p:par>
+                            </p:childTnLst>
+                          </p:cTn>
+                        </p:par>
+                      </p:childTnLst>
+                    </p:cTn>
+                  </p:par>
+                </p:childTnLst>
+              </p:cTn>
+              <p:prevCondLst>
+                <p:cond evt="onPrev" delay="0">
+                  <p:tgtEl>
+                    <p:sldTgt/>
+                  </p:tgtEl>
+                </p:cond>
+              </p:prevCondLst>
+              <p:nextCondLst>
+                <p:cond evt="onNext" delay="0">
+                  <p:tgtEl>
+                    <p:sldTgt/>
+                  </p:tgtEl>
+                </p:cond>
+              </p:nextCondLst>
+            </p:seq>
+            <p:audio>
+              <p:cMediaNode vol="80000" showWhenStopped="0">
+                <p:cTn id="49" fill="hold" display="0">
+                  <p:stCondLst>
+                    <p:cond delay="indefinite"/>
+                  </p:stCondLst>
+                  <p:endCondLst>
+                    <p:cond evt="onStopAudio" delay="0">
+                      <p:tgtEl>
+                        <p:sldTgt/>
+                      </p:tgtEl>
+                    </p:cond>
+                  </p:endCondLst>
+                </p:cTn>
+                <p:tgtEl>
+                  <p:spTgt spid="6"/>
+                </p:tgtEl>
+              </p:cMediaNode>
+            </p:audio>
+            <p:audio>
+              <p:cMediaNode vol="80000" showWhenStopped="0">
+                <p:cTn id="50" fill="hold" display="0">
+                  <p:stCondLst>
+                    <p:cond delay="indefinite"/>
+                  </p:stCondLst>
+                  <p:endCondLst>
+                    <p:cond evt="onStopAudio" delay="0">
+                      <p:tgtEl>
+                        <p:sldTgt/>
+                      </p:tgtEl>
+                    </p:cond>
+                  </p:endCondLst>
+                </p:cTn>
+                <p:tgtEl>
+                  <p:spTgt spid="7"/>
+                </p:tgtEl>
+              </p:cMediaNode>
+            </p:audio>
+          </p:childTnLst>
+        </p:cTn>
+      </p:par>
+    </p:tnLst>
+    <p:bldLst>
+      <p:bldP spid="4" grpId="0" animBg="1"/>
+      <p:bldP spid="5" grpId="0" animBg="1"/>
+      <p:bldP spid="8" grpId="0" animBg="1"/>
+      <p:bldP spid="10" grpId="0" animBg="1"/>
+      <p:bldP spid="12" grpId="0" animBg="1"/>
+      <p:bldP spid="13" grpId="0" animBg="1"/>
+    </p:bldLst>
+  </p:timing>
 </p:sld>
 </file>
 
